--- a/module_11/willson_financial_milestone4.pptx
+++ b/module_11/willson_financial_milestone4.pptx
@@ -5,18 +5,19 @@
     <p:sldMasterId id="2147483736" r:id="rId4"/>
   </p:sldMasterIdLst>
   <p:notesMasterIdLst>
-    <p:notesMasterId r:id="rId14"/>
+    <p:notesMasterId r:id="rId15"/>
   </p:notesMasterIdLst>
   <p:sldIdLst>
     <p:sldId id="256" r:id="rId5"/>
-    <p:sldId id="257" r:id="rId6"/>
-    <p:sldId id="258" r:id="rId7"/>
-    <p:sldId id="259" r:id="rId8"/>
-    <p:sldId id="260" r:id="rId9"/>
-    <p:sldId id="261" r:id="rId10"/>
-    <p:sldId id="262" r:id="rId11"/>
-    <p:sldId id="263" r:id="rId12"/>
-    <p:sldId id="265" r:id="rId13"/>
+    <p:sldId id="266" r:id="rId6"/>
+    <p:sldId id="257" r:id="rId7"/>
+    <p:sldId id="258" r:id="rId8"/>
+    <p:sldId id="259" r:id="rId9"/>
+    <p:sldId id="260" r:id="rId10"/>
+    <p:sldId id="261" r:id="rId11"/>
+    <p:sldId id="262" r:id="rId12"/>
+    <p:sldId id="263" r:id="rId13"/>
+    <p:sldId id="265" r:id="rId14"/>
   </p:sldIdLst>
   <p:sldSz cx="12192000" cy="6858000"/>
   <p:notesSz cx="6858000" cy="9144000"/>
@@ -117,7 +118,18 @@
   </p:defaultTextStyle>
   <p:extLst>
     <p:ext uri="{EFAFB233-063F-42B5-8137-9DF3F51BA10A}">
-      <p15:sldGuideLst xmlns:p15="http://schemas.microsoft.com/office/powerpoint/2012/main"/>
+      <p15:sldGuideLst xmlns:p15="http://schemas.microsoft.com/office/powerpoint/2012/main">
+        <p15:guide id="1" orient="horz" pos="2160">
+          <p15:clr>
+            <a:srgbClr val="A4A3A4"/>
+          </p15:clr>
+        </p15:guide>
+        <p15:guide id="2" pos="3840">
+          <p15:clr>
+            <a:srgbClr val="A4A3A4"/>
+          </p15:clr>
+        </p15:guide>
+      </p15:sldGuideLst>
     </p:ext>
   </p:extLst>
 </p:presentation>
@@ -2477,7 +2489,1242 @@
 </dgm:colorsDef>
 </file>
 
+<file path=ppt/diagrams/colors4.xml><?xml version="1.0" encoding="utf-8"?>
+<dgm:colorsDef xmlns:dgm="http://schemas.openxmlformats.org/drawingml/2006/diagram" xmlns:a="http://schemas.openxmlformats.org/drawingml/2006/main" uniqueId="urn:microsoft.com/office/officeart/2005/8/colors/colorful3">
+  <dgm:title val=""/>
+  <dgm:desc val=""/>
+  <dgm:catLst>
+    <dgm:cat type="colorful" pri="10300"/>
+  </dgm:catLst>
+  <dgm:styleLbl name="node0">
+    <dgm:fillClrLst meth="repeat">
+      <a:schemeClr val="accent2"/>
+    </dgm:fillClrLst>
+    <dgm:linClrLst meth="repeat">
+      <a:schemeClr val="lt1"/>
+    </dgm:linClrLst>
+    <dgm:effectClrLst/>
+    <dgm:txLinClrLst/>
+    <dgm:txFillClrLst/>
+    <dgm:txEffectClrLst/>
+  </dgm:styleLbl>
+  <dgm:styleLbl name="node1">
+    <dgm:fillClrLst>
+      <a:schemeClr val="accent3"/>
+      <a:schemeClr val="accent4"/>
+    </dgm:fillClrLst>
+    <dgm:linClrLst meth="repeat">
+      <a:schemeClr val="lt1"/>
+    </dgm:linClrLst>
+    <dgm:effectClrLst/>
+    <dgm:txLinClrLst/>
+    <dgm:txFillClrLst/>
+    <dgm:txEffectClrLst/>
+  </dgm:styleLbl>
+  <dgm:styleLbl name="alignNode1">
+    <dgm:fillClrLst>
+      <a:schemeClr val="accent3"/>
+      <a:schemeClr val="accent4"/>
+    </dgm:fillClrLst>
+    <dgm:linClrLst>
+      <a:schemeClr val="accent3"/>
+      <a:schemeClr val="accent4"/>
+    </dgm:linClrLst>
+    <dgm:effectClrLst/>
+    <dgm:txLinClrLst/>
+    <dgm:txFillClrLst/>
+    <dgm:txEffectClrLst/>
+  </dgm:styleLbl>
+  <dgm:styleLbl name="lnNode1">
+    <dgm:fillClrLst>
+      <a:schemeClr val="accent3"/>
+      <a:schemeClr val="accent4"/>
+    </dgm:fillClrLst>
+    <dgm:linClrLst meth="repeat">
+      <a:schemeClr val="lt1"/>
+    </dgm:linClrLst>
+    <dgm:effectClrLst/>
+    <dgm:txLinClrLst/>
+    <dgm:txFillClrLst/>
+    <dgm:txEffectClrLst/>
+  </dgm:styleLbl>
+  <dgm:styleLbl name="vennNode1">
+    <dgm:fillClrLst>
+      <a:schemeClr val="accent3">
+        <a:alpha val="50000"/>
+      </a:schemeClr>
+      <a:schemeClr val="accent4">
+        <a:alpha val="50000"/>
+      </a:schemeClr>
+    </dgm:fillClrLst>
+    <dgm:linClrLst meth="repeat">
+      <a:schemeClr val="lt1"/>
+    </dgm:linClrLst>
+    <dgm:effectClrLst/>
+    <dgm:txLinClrLst/>
+    <dgm:txFillClrLst/>
+    <dgm:txEffectClrLst/>
+  </dgm:styleLbl>
+  <dgm:styleLbl name="node2">
+    <dgm:fillClrLst>
+      <a:schemeClr val="accent4"/>
+    </dgm:fillClrLst>
+    <dgm:linClrLst meth="repeat">
+      <a:schemeClr val="lt1"/>
+    </dgm:linClrLst>
+    <dgm:effectClrLst/>
+    <dgm:txLinClrLst/>
+    <dgm:txFillClrLst/>
+    <dgm:txEffectClrLst/>
+  </dgm:styleLbl>
+  <dgm:styleLbl name="node3">
+    <dgm:fillClrLst>
+      <a:schemeClr val="accent5"/>
+    </dgm:fillClrLst>
+    <dgm:linClrLst meth="repeat">
+      <a:schemeClr val="lt1"/>
+    </dgm:linClrLst>
+    <dgm:effectClrLst/>
+    <dgm:txLinClrLst/>
+    <dgm:txFillClrLst/>
+    <dgm:txEffectClrLst/>
+  </dgm:styleLbl>
+  <dgm:styleLbl name="node4">
+    <dgm:fillClrLst>
+      <a:schemeClr val="accent6"/>
+    </dgm:fillClrLst>
+    <dgm:linClrLst meth="repeat">
+      <a:schemeClr val="lt1"/>
+    </dgm:linClrLst>
+    <dgm:effectClrLst/>
+    <dgm:txLinClrLst/>
+    <dgm:txFillClrLst/>
+    <dgm:txEffectClrLst/>
+  </dgm:styleLbl>
+  <dgm:styleLbl name="fgImgPlace1">
+    <dgm:fillClrLst>
+      <a:schemeClr val="accent3">
+        <a:tint val="50000"/>
+      </a:schemeClr>
+      <a:schemeClr val="accent4">
+        <a:tint val="50000"/>
+      </a:schemeClr>
+    </dgm:fillClrLst>
+    <dgm:linClrLst meth="repeat">
+      <a:schemeClr val="lt1"/>
+    </dgm:linClrLst>
+    <dgm:effectClrLst/>
+    <dgm:txLinClrLst/>
+    <dgm:txFillClrLst meth="repeat">
+      <a:schemeClr val="lt1"/>
+    </dgm:txFillClrLst>
+    <dgm:txEffectClrLst/>
+  </dgm:styleLbl>
+  <dgm:styleLbl name="alignImgPlace1">
+    <dgm:fillClrLst>
+      <a:schemeClr val="accent3">
+        <a:tint val="50000"/>
+      </a:schemeClr>
+      <a:schemeClr val="accent4">
+        <a:tint val="20000"/>
+      </a:schemeClr>
+    </dgm:fillClrLst>
+    <dgm:linClrLst meth="repeat">
+      <a:schemeClr val="lt1"/>
+    </dgm:linClrLst>
+    <dgm:effectClrLst/>
+    <dgm:txLinClrLst/>
+    <dgm:txFillClrLst meth="repeat">
+      <a:schemeClr val="lt1"/>
+    </dgm:txFillClrLst>
+    <dgm:txEffectClrLst/>
+  </dgm:styleLbl>
+  <dgm:styleLbl name="bgImgPlace1">
+    <dgm:fillClrLst>
+      <a:schemeClr val="accent3">
+        <a:tint val="50000"/>
+      </a:schemeClr>
+      <a:schemeClr val="accent4">
+        <a:tint val="20000"/>
+      </a:schemeClr>
+    </dgm:fillClrLst>
+    <dgm:linClrLst meth="repeat">
+      <a:schemeClr val="lt1"/>
+    </dgm:linClrLst>
+    <dgm:effectClrLst/>
+    <dgm:txLinClrLst/>
+    <dgm:txFillClrLst meth="repeat">
+      <a:schemeClr val="lt1"/>
+    </dgm:txFillClrLst>
+    <dgm:txEffectClrLst/>
+  </dgm:styleLbl>
+  <dgm:styleLbl name="sibTrans2D1">
+    <dgm:fillClrLst>
+      <a:schemeClr val="accent3"/>
+      <a:schemeClr val="accent4"/>
+    </dgm:fillClrLst>
+    <dgm:linClrLst meth="repeat">
+      <a:schemeClr val="lt1"/>
+    </dgm:linClrLst>
+    <dgm:effectClrLst/>
+    <dgm:txLinClrLst/>
+    <dgm:txFillClrLst/>
+    <dgm:txEffectClrLst/>
+  </dgm:styleLbl>
+  <dgm:styleLbl name="fgSibTrans2D1">
+    <dgm:fillClrLst>
+      <a:schemeClr val="accent3"/>
+      <a:schemeClr val="accent4"/>
+    </dgm:fillClrLst>
+    <dgm:linClrLst meth="repeat">
+      <a:schemeClr val="lt1"/>
+    </dgm:linClrLst>
+    <dgm:effectClrLst/>
+    <dgm:txLinClrLst/>
+    <dgm:txFillClrLst meth="repeat">
+      <a:schemeClr val="lt1"/>
+    </dgm:txFillClrLst>
+    <dgm:txEffectClrLst/>
+  </dgm:styleLbl>
+  <dgm:styleLbl name="bgSibTrans2D1">
+    <dgm:fillClrLst>
+      <a:schemeClr val="accent3"/>
+      <a:schemeClr val="accent4"/>
+    </dgm:fillClrLst>
+    <dgm:linClrLst meth="repeat">
+      <a:schemeClr val="lt1"/>
+    </dgm:linClrLst>
+    <dgm:effectClrLst/>
+    <dgm:txLinClrLst/>
+    <dgm:txFillClrLst meth="repeat">
+      <a:schemeClr val="lt1"/>
+    </dgm:txFillClrLst>
+    <dgm:txEffectClrLst/>
+  </dgm:styleLbl>
+  <dgm:styleLbl name="sibTrans1D1">
+    <dgm:fillClrLst/>
+    <dgm:linClrLst>
+      <a:schemeClr val="accent3"/>
+      <a:schemeClr val="accent4"/>
+    </dgm:linClrLst>
+    <dgm:effectClrLst/>
+    <dgm:txLinClrLst/>
+    <dgm:txFillClrLst meth="repeat">
+      <a:schemeClr val="tx1"/>
+    </dgm:txFillClrLst>
+    <dgm:txEffectClrLst/>
+  </dgm:styleLbl>
+  <dgm:styleLbl name="callout">
+    <dgm:fillClrLst meth="repeat">
+      <a:schemeClr val="accent3"/>
+    </dgm:fillClrLst>
+    <dgm:linClrLst meth="repeat">
+      <a:schemeClr val="accent3">
+        <a:tint val="50000"/>
+      </a:schemeClr>
+    </dgm:linClrLst>
+    <dgm:effectClrLst/>
+    <dgm:txLinClrLst/>
+    <dgm:txFillClrLst meth="repeat">
+      <a:schemeClr val="tx1"/>
+    </dgm:txFillClrLst>
+    <dgm:txEffectClrLst/>
+  </dgm:styleLbl>
+  <dgm:styleLbl name="asst0">
+    <dgm:fillClrLst meth="repeat">
+      <a:schemeClr val="accent3"/>
+    </dgm:fillClrLst>
+    <dgm:linClrLst meth="repeat">
+      <a:schemeClr val="lt1">
+        <a:shade val="80000"/>
+      </a:schemeClr>
+    </dgm:linClrLst>
+    <dgm:effectClrLst/>
+    <dgm:txLinClrLst/>
+    <dgm:txFillClrLst/>
+    <dgm:txEffectClrLst/>
+  </dgm:styleLbl>
+  <dgm:styleLbl name="asst1">
+    <dgm:fillClrLst meth="repeat">
+      <a:schemeClr val="accent4"/>
+    </dgm:fillClrLst>
+    <dgm:linClrLst meth="repeat">
+      <a:schemeClr val="lt1">
+        <a:shade val="80000"/>
+      </a:schemeClr>
+    </dgm:linClrLst>
+    <dgm:effectClrLst/>
+    <dgm:txLinClrLst/>
+    <dgm:txFillClrLst/>
+    <dgm:txEffectClrLst/>
+  </dgm:styleLbl>
+  <dgm:styleLbl name="asst2">
+    <dgm:fillClrLst>
+      <a:schemeClr val="accent5"/>
+    </dgm:fillClrLst>
+    <dgm:linClrLst meth="repeat">
+      <a:schemeClr val="lt1"/>
+    </dgm:linClrLst>
+    <dgm:effectClrLst/>
+    <dgm:txLinClrLst/>
+    <dgm:txFillClrLst/>
+    <dgm:txEffectClrLst/>
+  </dgm:styleLbl>
+  <dgm:styleLbl name="asst3">
+    <dgm:fillClrLst>
+      <a:schemeClr val="accent6"/>
+    </dgm:fillClrLst>
+    <dgm:linClrLst meth="repeat">
+      <a:schemeClr val="lt1"/>
+    </dgm:linClrLst>
+    <dgm:effectClrLst/>
+    <dgm:txLinClrLst/>
+    <dgm:txFillClrLst/>
+    <dgm:txEffectClrLst/>
+  </dgm:styleLbl>
+  <dgm:styleLbl name="asst4">
+    <dgm:fillClrLst>
+      <a:schemeClr val="accent1"/>
+    </dgm:fillClrLst>
+    <dgm:linClrLst meth="repeat">
+      <a:schemeClr val="lt1"/>
+    </dgm:linClrLst>
+    <dgm:effectClrLst/>
+    <dgm:txLinClrLst/>
+    <dgm:txFillClrLst/>
+    <dgm:txEffectClrLst/>
+  </dgm:styleLbl>
+  <dgm:styleLbl name="parChTrans2D1">
+    <dgm:fillClrLst meth="repeat">
+      <a:schemeClr val="accent2"/>
+    </dgm:fillClrLst>
+    <dgm:linClrLst meth="repeat">
+      <a:schemeClr val="lt1"/>
+    </dgm:linClrLst>
+    <dgm:effectClrLst/>
+    <dgm:txLinClrLst/>
+    <dgm:txFillClrLst meth="repeat">
+      <a:schemeClr val="lt1"/>
+    </dgm:txFillClrLst>
+    <dgm:txEffectClrLst/>
+  </dgm:styleLbl>
+  <dgm:styleLbl name="parChTrans2D2">
+    <dgm:fillClrLst meth="repeat">
+      <a:schemeClr val="accent3"/>
+    </dgm:fillClrLst>
+    <dgm:linClrLst meth="repeat">
+      <a:schemeClr val="lt1"/>
+    </dgm:linClrLst>
+    <dgm:effectClrLst/>
+    <dgm:txLinClrLst/>
+    <dgm:txFillClrLst/>
+    <dgm:txEffectClrLst/>
+  </dgm:styleLbl>
+  <dgm:styleLbl name="parChTrans2D3">
+    <dgm:fillClrLst meth="repeat">
+      <a:schemeClr val="accent4"/>
+    </dgm:fillClrLst>
+    <dgm:linClrLst meth="repeat">
+      <a:schemeClr val="lt1"/>
+    </dgm:linClrLst>
+    <dgm:effectClrLst/>
+    <dgm:txLinClrLst/>
+    <dgm:txFillClrLst/>
+    <dgm:txEffectClrLst/>
+  </dgm:styleLbl>
+  <dgm:styleLbl name="parChTrans2D4">
+    <dgm:fillClrLst meth="repeat">
+      <a:schemeClr val="accent5"/>
+    </dgm:fillClrLst>
+    <dgm:linClrLst meth="repeat">
+      <a:schemeClr val="lt1"/>
+    </dgm:linClrLst>
+    <dgm:effectClrLst/>
+    <dgm:txLinClrLst/>
+    <dgm:txFillClrLst meth="repeat">
+      <a:schemeClr val="lt1"/>
+    </dgm:txFillClrLst>
+    <dgm:txEffectClrLst/>
+  </dgm:styleLbl>
+  <dgm:styleLbl name="parChTrans1D1">
+    <dgm:fillClrLst meth="repeat">
+      <a:schemeClr val="accent3"/>
+    </dgm:fillClrLst>
+    <dgm:linClrLst meth="repeat">
+      <a:schemeClr val="accent3"/>
+    </dgm:linClrLst>
+    <dgm:effectClrLst/>
+    <dgm:txLinClrLst/>
+    <dgm:txFillClrLst meth="repeat">
+      <a:schemeClr val="tx1"/>
+    </dgm:txFillClrLst>
+    <dgm:txEffectClrLst/>
+  </dgm:styleLbl>
+  <dgm:styleLbl name="parChTrans1D2">
+    <dgm:fillClrLst meth="repeat">
+      <a:schemeClr val="accent2">
+        <a:tint val="90000"/>
+      </a:schemeClr>
+    </dgm:fillClrLst>
+    <dgm:linClrLst meth="repeat">
+      <a:schemeClr val="accent4"/>
+    </dgm:linClrLst>
+    <dgm:effectClrLst/>
+    <dgm:txLinClrLst/>
+    <dgm:txFillClrLst meth="repeat">
+      <a:schemeClr val="tx1"/>
+    </dgm:txFillClrLst>
+    <dgm:txEffectClrLst/>
+  </dgm:styleLbl>
+  <dgm:styleLbl name="parChTrans1D3">
+    <dgm:fillClrLst meth="repeat">
+      <a:schemeClr val="accent2">
+        <a:tint val="70000"/>
+      </a:schemeClr>
+    </dgm:fillClrLst>
+    <dgm:linClrLst meth="repeat">
+      <a:schemeClr val="accent5"/>
+    </dgm:linClrLst>
+    <dgm:effectClrLst/>
+    <dgm:txLinClrLst/>
+    <dgm:txFillClrLst meth="repeat">
+      <a:schemeClr val="tx1"/>
+    </dgm:txFillClrLst>
+    <dgm:txEffectClrLst/>
+  </dgm:styleLbl>
+  <dgm:styleLbl name="parChTrans1D4">
+    <dgm:fillClrLst meth="repeat">
+      <a:schemeClr val="accent6">
+        <a:tint val="50000"/>
+      </a:schemeClr>
+    </dgm:fillClrLst>
+    <dgm:linClrLst meth="repeat">
+      <a:schemeClr val="accent6"/>
+    </dgm:linClrLst>
+    <dgm:effectClrLst/>
+    <dgm:txLinClrLst/>
+    <dgm:txFillClrLst meth="repeat">
+      <a:schemeClr val="tx1"/>
+    </dgm:txFillClrLst>
+    <dgm:txEffectClrLst/>
+  </dgm:styleLbl>
+  <dgm:styleLbl name="fgAcc1">
+    <dgm:fillClrLst meth="repeat">
+      <a:schemeClr val="lt1">
+        <a:alpha val="90000"/>
+      </a:schemeClr>
+    </dgm:fillClrLst>
+    <dgm:linClrLst>
+      <a:schemeClr val="accent3"/>
+      <a:schemeClr val="accent4"/>
+    </dgm:linClrLst>
+    <dgm:effectClrLst/>
+    <dgm:txLinClrLst/>
+    <dgm:txFillClrLst meth="repeat">
+      <a:schemeClr val="dk1"/>
+    </dgm:txFillClrLst>
+    <dgm:txEffectClrLst/>
+  </dgm:styleLbl>
+  <dgm:styleLbl name="conFgAcc1">
+    <dgm:fillClrLst meth="repeat">
+      <a:schemeClr val="lt1">
+        <a:alpha val="90000"/>
+      </a:schemeClr>
+    </dgm:fillClrLst>
+    <dgm:linClrLst>
+      <a:schemeClr val="accent3"/>
+      <a:schemeClr val="accent4"/>
+    </dgm:linClrLst>
+    <dgm:effectClrLst/>
+    <dgm:txLinClrLst/>
+    <dgm:txFillClrLst meth="repeat">
+      <a:schemeClr val="dk1"/>
+    </dgm:txFillClrLst>
+    <dgm:txEffectClrLst/>
+  </dgm:styleLbl>
+  <dgm:styleLbl name="alignAcc1">
+    <dgm:fillClrLst meth="repeat">
+      <a:schemeClr val="lt1">
+        <a:alpha val="90000"/>
+      </a:schemeClr>
+    </dgm:fillClrLst>
+    <dgm:linClrLst>
+      <a:schemeClr val="accent3"/>
+      <a:schemeClr val="accent4"/>
+    </dgm:linClrLst>
+    <dgm:effectClrLst/>
+    <dgm:txLinClrLst/>
+    <dgm:txFillClrLst meth="repeat">
+      <a:schemeClr val="dk1"/>
+    </dgm:txFillClrLst>
+    <dgm:txEffectClrLst/>
+  </dgm:styleLbl>
+  <dgm:styleLbl name="trAlignAcc1">
+    <dgm:fillClrLst meth="repeat">
+      <a:schemeClr val="lt1">
+        <a:alpha val="40000"/>
+      </a:schemeClr>
+    </dgm:fillClrLst>
+    <dgm:linClrLst meth="repeat">
+      <a:schemeClr val="accent2"/>
+    </dgm:linClrLst>
+    <dgm:effectClrLst/>
+    <dgm:txLinClrLst/>
+    <dgm:txFillClrLst meth="repeat">
+      <a:schemeClr val="dk1"/>
+    </dgm:txFillClrLst>
+    <dgm:txEffectClrLst/>
+  </dgm:styleLbl>
+  <dgm:styleLbl name="bgAcc1">
+    <dgm:fillClrLst meth="repeat">
+      <a:schemeClr val="lt1">
+        <a:alpha val="90000"/>
+      </a:schemeClr>
+    </dgm:fillClrLst>
+    <dgm:linClrLst>
+      <a:schemeClr val="accent3"/>
+      <a:schemeClr val="accent4"/>
+    </dgm:linClrLst>
+    <dgm:effectClrLst/>
+    <dgm:txLinClrLst/>
+    <dgm:txFillClrLst meth="repeat">
+      <a:schemeClr val="dk1"/>
+    </dgm:txFillClrLst>
+    <dgm:txEffectClrLst/>
+  </dgm:styleLbl>
+  <dgm:styleLbl name="solidFgAcc1">
+    <dgm:fillClrLst meth="repeat">
+      <a:schemeClr val="lt1"/>
+    </dgm:fillClrLst>
+    <dgm:linClrLst>
+      <a:schemeClr val="accent3"/>
+      <a:schemeClr val="accent4"/>
+    </dgm:linClrLst>
+    <dgm:effectClrLst/>
+    <dgm:txLinClrLst/>
+    <dgm:txFillClrLst meth="repeat">
+      <a:schemeClr val="dk1"/>
+    </dgm:txFillClrLst>
+    <dgm:txEffectClrLst/>
+  </dgm:styleLbl>
+  <dgm:styleLbl name="solidAlignAcc1">
+    <dgm:fillClrLst meth="repeat">
+      <a:schemeClr val="lt1"/>
+    </dgm:fillClrLst>
+    <dgm:linClrLst>
+      <a:schemeClr val="accent3"/>
+      <a:schemeClr val="accent4"/>
+    </dgm:linClrLst>
+    <dgm:effectClrLst/>
+    <dgm:txLinClrLst/>
+    <dgm:txFillClrLst meth="repeat">
+      <a:schemeClr val="dk1"/>
+    </dgm:txFillClrLst>
+    <dgm:txEffectClrLst/>
+  </dgm:styleLbl>
+  <dgm:styleLbl name="solidBgAcc1">
+    <dgm:fillClrLst meth="repeat">
+      <a:schemeClr val="lt1"/>
+    </dgm:fillClrLst>
+    <dgm:linClrLst>
+      <a:schemeClr val="accent3"/>
+      <a:schemeClr val="accent4"/>
+    </dgm:linClrLst>
+    <dgm:effectClrLst/>
+    <dgm:txLinClrLst/>
+    <dgm:txFillClrLst meth="repeat">
+      <a:schemeClr val="dk1"/>
+    </dgm:txFillClrLst>
+    <dgm:txEffectClrLst/>
+  </dgm:styleLbl>
+  <dgm:styleLbl name="fgAccFollowNode1">
+    <dgm:fillClrLst>
+      <a:schemeClr val="accent3">
+        <a:tint val="40000"/>
+        <a:alpha val="90000"/>
+      </a:schemeClr>
+      <a:schemeClr val="accent4">
+        <a:tint val="40000"/>
+        <a:alpha val="90000"/>
+      </a:schemeClr>
+    </dgm:fillClrLst>
+    <dgm:linClrLst>
+      <a:schemeClr val="accent3">
+        <a:tint val="40000"/>
+        <a:alpha val="90000"/>
+      </a:schemeClr>
+      <a:schemeClr val="accent4">
+        <a:tint val="40000"/>
+        <a:alpha val="90000"/>
+      </a:schemeClr>
+    </dgm:linClrLst>
+    <dgm:effectClrLst/>
+    <dgm:txLinClrLst/>
+    <dgm:txFillClrLst meth="repeat">
+      <a:schemeClr val="dk1"/>
+    </dgm:txFillClrLst>
+    <dgm:txEffectClrLst/>
+  </dgm:styleLbl>
+  <dgm:styleLbl name="alignAccFollowNode1">
+    <dgm:fillClrLst>
+      <a:schemeClr val="accent3">
+        <a:tint val="40000"/>
+        <a:alpha val="90000"/>
+      </a:schemeClr>
+      <a:schemeClr val="accent4">
+        <a:tint val="40000"/>
+        <a:alpha val="90000"/>
+      </a:schemeClr>
+    </dgm:fillClrLst>
+    <dgm:linClrLst>
+      <a:schemeClr val="accent3">
+        <a:tint val="40000"/>
+        <a:alpha val="90000"/>
+      </a:schemeClr>
+      <a:schemeClr val="accent4">
+        <a:tint val="40000"/>
+        <a:alpha val="90000"/>
+      </a:schemeClr>
+    </dgm:linClrLst>
+    <dgm:effectClrLst/>
+    <dgm:txLinClrLst/>
+    <dgm:txFillClrLst meth="repeat">
+      <a:schemeClr val="dk1"/>
+    </dgm:txFillClrLst>
+    <dgm:txEffectClrLst/>
+  </dgm:styleLbl>
+  <dgm:styleLbl name="bgAccFollowNode1">
+    <dgm:fillClrLst>
+      <a:schemeClr val="accent3">
+        <a:tint val="40000"/>
+        <a:alpha val="90000"/>
+      </a:schemeClr>
+      <a:schemeClr val="accent4">
+        <a:tint val="40000"/>
+        <a:alpha val="90000"/>
+      </a:schemeClr>
+    </dgm:fillClrLst>
+    <dgm:linClrLst>
+      <a:schemeClr val="accent3">
+        <a:tint val="40000"/>
+        <a:alpha val="90000"/>
+      </a:schemeClr>
+      <a:schemeClr val="accent4">
+        <a:tint val="40000"/>
+        <a:alpha val="90000"/>
+      </a:schemeClr>
+    </dgm:linClrLst>
+    <dgm:effectClrLst/>
+    <dgm:txLinClrLst/>
+    <dgm:txFillClrLst meth="repeat">
+      <a:schemeClr val="dk1"/>
+    </dgm:txFillClrLst>
+    <dgm:txEffectClrLst/>
+  </dgm:styleLbl>
+  <dgm:styleLbl name="fgAcc0">
+    <dgm:fillClrLst meth="repeat">
+      <a:schemeClr val="lt1">
+        <a:alpha val="90000"/>
+      </a:schemeClr>
+    </dgm:fillClrLst>
+    <dgm:linClrLst>
+      <a:schemeClr val="accent2"/>
+    </dgm:linClrLst>
+    <dgm:effectClrLst/>
+    <dgm:txLinClrLst/>
+    <dgm:txFillClrLst meth="repeat">
+      <a:schemeClr val="dk1"/>
+    </dgm:txFillClrLst>
+    <dgm:txEffectClrLst/>
+  </dgm:styleLbl>
+  <dgm:styleLbl name="fgAcc2">
+    <dgm:fillClrLst meth="repeat">
+      <a:schemeClr val="lt1">
+        <a:alpha val="90000"/>
+      </a:schemeClr>
+    </dgm:fillClrLst>
+    <dgm:linClrLst>
+      <a:schemeClr val="accent4"/>
+    </dgm:linClrLst>
+    <dgm:effectClrLst/>
+    <dgm:txLinClrLst/>
+    <dgm:txFillClrLst meth="repeat">
+      <a:schemeClr val="dk1"/>
+    </dgm:txFillClrLst>
+    <dgm:txEffectClrLst/>
+  </dgm:styleLbl>
+  <dgm:styleLbl name="fgAcc3">
+    <dgm:fillClrLst meth="repeat">
+      <a:schemeClr val="lt1">
+        <a:alpha val="90000"/>
+      </a:schemeClr>
+    </dgm:fillClrLst>
+    <dgm:linClrLst>
+      <a:schemeClr val="accent5"/>
+    </dgm:linClrLst>
+    <dgm:effectClrLst/>
+    <dgm:txLinClrLst/>
+    <dgm:txFillClrLst meth="repeat">
+      <a:schemeClr val="dk1"/>
+    </dgm:txFillClrLst>
+    <dgm:txEffectClrLst/>
+  </dgm:styleLbl>
+  <dgm:styleLbl name="fgAcc4">
+    <dgm:fillClrLst meth="repeat">
+      <a:schemeClr val="lt1">
+        <a:alpha val="90000"/>
+      </a:schemeClr>
+    </dgm:fillClrLst>
+    <dgm:linClrLst>
+      <a:schemeClr val="accent6"/>
+    </dgm:linClrLst>
+    <dgm:effectClrLst/>
+    <dgm:txLinClrLst/>
+    <dgm:txFillClrLst meth="repeat">
+      <a:schemeClr val="dk1"/>
+    </dgm:txFillClrLst>
+    <dgm:txEffectClrLst/>
+  </dgm:styleLbl>
+  <dgm:styleLbl name="bgShp">
+    <dgm:fillClrLst meth="repeat">
+      <a:schemeClr val="accent3">
+        <a:tint val="40000"/>
+      </a:schemeClr>
+    </dgm:fillClrLst>
+    <dgm:linClrLst meth="repeat">
+      <a:schemeClr val="dk1"/>
+    </dgm:linClrLst>
+    <dgm:effectClrLst/>
+    <dgm:txLinClrLst/>
+    <dgm:txFillClrLst meth="repeat">
+      <a:schemeClr val="dk1"/>
+    </dgm:txFillClrLst>
+    <dgm:txEffectClrLst/>
+  </dgm:styleLbl>
+  <dgm:styleLbl name="dkBgShp">
+    <dgm:fillClrLst meth="repeat">
+      <a:schemeClr val="accent3">
+        <a:shade val="90000"/>
+      </a:schemeClr>
+    </dgm:fillClrLst>
+    <dgm:linClrLst meth="repeat">
+      <a:schemeClr val="dk1"/>
+    </dgm:linClrLst>
+    <dgm:effectClrLst/>
+    <dgm:txLinClrLst/>
+    <dgm:txFillClrLst meth="repeat">
+      <a:schemeClr val="lt1"/>
+    </dgm:txFillClrLst>
+    <dgm:txEffectClrLst/>
+  </dgm:styleLbl>
+  <dgm:styleLbl name="trBgShp">
+    <dgm:fillClrLst meth="repeat">
+      <a:schemeClr val="accent2">
+        <a:tint val="50000"/>
+        <a:alpha val="40000"/>
+      </a:schemeClr>
+    </dgm:fillClrLst>
+    <dgm:linClrLst meth="repeat">
+      <a:schemeClr val="accent3"/>
+    </dgm:linClrLst>
+    <dgm:effectClrLst/>
+    <dgm:txLinClrLst/>
+    <dgm:txFillClrLst meth="repeat">
+      <a:schemeClr val="lt1"/>
+    </dgm:txFillClrLst>
+    <dgm:txEffectClrLst/>
+  </dgm:styleLbl>
+  <dgm:styleLbl name="fgShp">
+    <dgm:fillClrLst meth="repeat">
+      <a:schemeClr val="accent3">
+        <a:tint val="40000"/>
+      </a:schemeClr>
+    </dgm:fillClrLst>
+    <dgm:linClrLst meth="repeat">
+      <a:schemeClr val="lt1"/>
+    </dgm:linClrLst>
+    <dgm:effectClrLst/>
+    <dgm:txLinClrLst/>
+    <dgm:txFillClrLst meth="repeat">
+      <a:schemeClr val="dk1"/>
+    </dgm:txFillClrLst>
+    <dgm:txEffectClrLst/>
+  </dgm:styleLbl>
+  <dgm:styleLbl name="revTx">
+    <dgm:fillClrLst meth="repeat">
+      <a:schemeClr val="lt1">
+        <a:alpha val="0"/>
+      </a:schemeClr>
+    </dgm:fillClrLst>
+    <dgm:linClrLst meth="repeat">
+      <a:schemeClr val="dk1">
+        <a:alpha val="0"/>
+      </a:schemeClr>
+    </dgm:linClrLst>
+    <dgm:effectClrLst/>
+    <dgm:txLinClrLst/>
+    <dgm:txFillClrLst meth="repeat">
+      <a:schemeClr val="tx1"/>
+    </dgm:txFillClrLst>
+    <dgm:txEffectClrLst/>
+  </dgm:styleLbl>
+</dgm:colorsDef>
+</file>
+
 <file path=ppt/diagrams/data1.xml><?xml version="1.0" encoding="utf-8"?>
+<dgm:dataModel xmlns:dgm="http://schemas.openxmlformats.org/drawingml/2006/diagram" xmlns:a="http://schemas.openxmlformats.org/drawingml/2006/main">
+  <dgm:ptLst>
+    <dgm:pt modelId="{6DE3A6B3-C68C-48A3-818F-A146B56D6CC2}" type="doc">
+      <dgm:prSet loTypeId="urn:microsoft.com/office/officeart/2005/8/layout/vList5" loCatId="list" qsTypeId="urn:microsoft.com/office/officeart/2005/8/quickstyle/simple1" qsCatId="simple" csTypeId="urn:microsoft.com/office/officeart/2005/8/colors/colorful3" csCatId="colorful"/>
+      <dgm:spPr/>
+      <dgm:t>
+        <a:bodyPr/>
+        <a:lstStyle/>
+        <a:p>
+          <a:endParaRPr lang="en-US"/>
+        </a:p>
+      </dgm:t>
+    </dgm:pt>
+    <dgm:pt modelId="{AE98EA3E-88E5-41EA-98D9-8CD19276D3E3}">
+      <dgm:prSet/>
+      <dgm:spPr/>
+      <dgm:t>
+        <a:bodyPr/>
+        <a:lstStyle/>
+        <a:p>
+          <a:r>
+            <a:rPr lang="en-US"/>
+            <a:t>Edgar Arroyo</a:t>
+          </a:r>
+        </a:p>
+      </dgm:t>
+    </dgm:pt>
+    <dgm:pt modelId="{8B468D6D-36AD-4D55-A193-11E4AF29F491}" type="parTrans" cxnId="{E0C8B0F9-5222-4D76-8F18-83420245AC9F}">
+      <dgm:prSet/>
+      <dgm:spPr/>
+      <dgm:t>
+        <a:bodyPr/>
+        <a:lstStyle/>
+        <a:p>
+          <a:endParaRPr lang="en-US"/>
+        </a:p>
+      </dgm:t>
+    </dgm:pt>
+    <dgm:pt modelId="{8C4FA8D7-A3A2-4C70-BBB1-689E3977CEF4}" type="sibTrans" cxnId="{E0C8B0F9-5222-4D76-8F18-83420245AC9F}">
+      <dgm:prSet/>
+      <dgm:spPr/>
+      <dgm:t>
+        <a:bodyPr/>
+        <a:lstStyle/>
+        <a:p>
+          <a:endParaRPr lang="en-US"/>
+        </a:p>
+      </dgm:t>
+    </dgm:pt>
+    <dgm:pt modelId="{F996ADC1-BD84-4706-A76B-2619830898EF}">
+      <dgm:prSet/>
+      <dgm:spPr/>
+      <dgm:t>
+        <a:bodyPr/>
+        <a:lstStyle/>
+        <a:p>
+          <a:r>
+            <a:rPr lang="en-US"/>
+            <a:t>Project Manager, Quality Assurance</a:t>
+          </a:r>
+        </a:p>
+      </dgm:t>
+    </dgm:pt>
+    <dgm:pt modelId="{DB2B76F2-B9AF-43B8-96EC-EBD61E1CDA6B}" type="parTrans" cxnId="{473108E0-1E10-4F8F-B4BA-17BD09E06331}">
+      <dgm:prSet/>
+      <dgm:spPr/>
+      <dgm:t>
+        <a:bodyPr/>
+        <a:lstStyle/>
+        <a:p>
+          <a:endParaRPr lang="en-US"/>
+        </a:p>
+      </dgm:t>
+    </dgm:pt>
+    <dgm:pt modelId="{1C4DC637-3825-416F-B331-08416F5543E5}" type="sibTrans" cxnId="{473108E0-1E10-4F8F-B4BA-17BD09E06331}">
+      <dgm:prSet/>
+      <dgm:spPr/>
+      <dgm:t>
+        <a:bodyPr/>
+        <a:lstStyle/>
+        <a:p>
+          <a:endParaRPr lang="en-US"/>
+        </a:p>
+      </dgm:t>
+    </dgm:pt>
+    <dgm:pt modelId="{79130789-B1D4-4C68-A812-31BCD259E487}">
+      <dgm:prSet/>
+      <dgm:spPr/>
+      <dgm:t>
+        <a:bodyPr/>
+        <a:lstStyle/>
+        <a:p>
+          <a:r>
+            <a:rPr lang="en-US"/>
+            <a:t>Jordany Gonzalez</a:t>
+          </a:r>
+        </a:p>
+      </dgm:t>
+    </dgm:pt>
+    <dgm:pt modelId="{88CB2068-1427-4932-B38A-D1D9C88C775E}" type="parTrans" cxnId="{7C5AC700-D864-429F-8CCE-1579F5651127}">
+      <dgm:prSet/>
+      <dgm:spPr/>
+      <dgm:t>
+        <a:bodyPr/>
+        <a:lstStyle/>
+        <a:p>
+          <a:endParaRPr lang="en-US"/>
+        </a:p>
+      </dgm:t>
+    </dgm:pt>
+    <dgm:pt modelId="{5E5735E5-F382-4EAD-91BC-C8C123426EAE}" type="sibTrans" cxnId="{7C5AC700-D864-429F-8CCE-1579F5651127}">
+      <dgm:prSet/>
+      <dgm:spPr/>
+      <dgm:t>
+        <a:bodyPr/>
+        <a:lstStyle/>
+        <a:p>
+          <a:endParaRPr lang="en-US"/>
+        </a:p>
+      </dgm:t>
+    </dgm:pt>
+    <dgm:pt modelId="{97EFE841-2B68-47A5-AE6A-0871F614A379}">
+      <dgm:prSet/>
+      <dgm:spPr/>
+      <dgm:t>
+        <a:bodyPr/>
+        <a:lstStyle/>
+        <a:p>
+          <a:r>
+            <a:rPr lang="en-US"/>
+            <a:t>Product Owner, Developer</a:t>
+          </a:r>
+        </a:p>
+      </dgm:t>
+    </dgm:pt>
+    <dgm:pt modelId="{53B89B80-6E42-4A89-A6B6-4A5C605A800E}" type="parTrans" cxnId="{A2845787-1036-45C6-BF8A-4BE8175DA0B6}">
+      <dgm:prSet/>
+      <dgm:spPr/>
+      <dgm:t>
+        <a:bodyPr/>
+        <a:lstStyle/>
+        <a:p>
+          <a:endParaRPr lang="en-US"/>
+        </a:p>
+      </dgm:t>
+    </dgm:pt>
+    <dgm:pt modelId="{DF48B68A-7C94-4E87-BE0F-61DBA47501F2}" type="sibTrans" cxnId="{A2845787-1036-45C6-BF8A-4BE8175DA0B6}">
+      <dgm:prSet/>
+      <dgm:spPr/>
+      <dgm:t>
+        <a:bodyPr/>
+        <a:lstStyle/>
+        <a:p>
+          <a:endParaRPr lang="en-US"/>
+        </a:p>
+      </dgm:t>
+    </dgm:pt>
+    <dgm:pt modelId="{A2A918C3-BD84-4EEA-AB7A-2AAA5B8D1BF6}">
+      <dgm:prSet/>
+      <dgm:spPr/>
+      <dgm:t>
+        <a:bodyPr/>
+        <a:lstStyle/>
+        <a:p>
+          <a:r>
+            <a:rPr lang="en-US"/>
+            <a:t>Andres Melendez</a:t>
+          </a:r>
+        </a:p>
+      </dgm:t>
+    </dgm:pt>
+    <dgm:pt modelId="{D0FA3AD5-758C-4F22-805E-541431CAF879}" type="parTrans" cxnId="{4AFF35C2-3FA2-47D6-9663-14378A6354FA}">
+      <dgm:prSet/>
+      <dgm:spPr/>
+      <dgm:t>
+        <a:bodyPr/>
+        <a:lstStyle/>
+        <a:p>
+          <a:endParaRPr lang="en-US"/>
+        </a:p>
+      </dgm:t>
+    </dgm:pt>
+    <dgm:pt modelId="{63CC7FF7-171D-4173-8A93-B40049C8C8F8}" type="sibTrans" cxnId="{4AFF35C2-3FA2-47D6-9663-14378A6354FA}">
+      <dgm:prSet/>
+      <dgm:spPr/>
+      <dgm:t>
+        <a:bodyPr/>
+        <a:lstStyle/>
+        <a:p>
+          <a:endParaRPr lang="en-US"/>
+        </a:p>
+      </dgm:t>
+    </dgm:pt>
+    <dgm:pt modelId="{D6EB3369-2735-4702-89C6-5EF8D605CCC7}">
+      <dgm:prSet/>
+      <dgm:spPr/>
+      <dgm:t>
+        <a:bodyPr/>
+        <a:lstStyle/>
+        <a:p>
+          <a:r>
+            <a:rPr lang="en-US"/>
+            <a:t>Co-Lead Developer, Business Analyst</a:t>
+          </a:r>
+        </a:p>
+      </dgm:t>
+    </dgm:pt>
+    <dgm:pt modelId="{CF75A617-9B91-47B8-A7E4-263E5D73529A}" type="parTrans" cxnId="{9769BDB8-7A98-438F-AE4E-C417106D35BF}">
+      <dgm:prSet/>
+      <dgm:spPr/>
+      <dgm:t>
+        <a:bodyPr/>
+        <a:lstStyle/>
+        <a:p>
+          <a:endParaRPr lang="en-US"/>
+        </a:p>
+      </dgm:t>
+    </dgm:pt>
+    <dgm:pt modelId="{8C7864BD-3234-41FD-855B-C5EF7B565E58}" type="sibTrans" cxnId="{9769BDB8-7A98-438F-AE4E-C417106D35BF}">
+      <dgm:prSet/>
+      <dgm:spPr/>
+      <dgm:t>
+        <a:bodyPr/>
+        <a:lstStyle/>
+        <a:p>
+          <a:endParaRPr lang="en-US"/>
+        </a:p>
+      </dgm:t>
+    </dgm:pt>
+    <dgm:pt modelId="{E04BCE11-469B-418A-849D-664F8A076206}">
+      <dgm:prSet/>
+      <dgm:spPr/>
+      <dgm:t>
+        <a:bodyPr/>
+        <a:lstStyle/>
+        <a:p>
+          <a:r>
+            <a:rPr lang="en-US"/>
+            <a:t>Jeffrey Reid</a:t>
+          </a:r>
+        </a:p>
+      </dgm:t>
+    </dgm:pt>
+    <dgm:pt modelId="{474BC1B9-7AC8-4580-AF69-1D3657DEA9BB}" type="parTrans" cxnId="{30979D3D-8D4C-47BA-BBD7-7121041780B3}">
+      <dgm:prSet/>
+      <dgm:spPr/>
+      <dgm:t>
+        <a:bodyPr/>
+        <a:lstStyle/>
+        <a:p>
+          <a:endParaRPr lang="en-US"/>
+        </a:p>
+      </dgm:t>
+    </dgm:pt>
+    <dgm:pt modelId="{FC85994F-B65A-4C06-8A83-B8499F387EEE}" type="sibTrans" cxnId="{30979D3D-8D4C-47BA-BBD7-7121041780B3}">
+      <dgm:prSet/>
+      <dgm:spPr/>
+      <dgm:t>
+        <a:bodyPr/>
+        <a:lstStyle/>
+        <a:p>
+          <a:endParaRPr lang="en-US"/>
+        </a:p>
+      </dgm:t>
+    </dgm:pt>
+    <dgm:pt modelId="{991A88BF-CD55-4AFF-9F16-C35E8C45939E}">
+      <dgm:prSet/>
+      <dgm:spPr/>
+      <dgm:t>
+        <a:bodyPr/>
+        <a:lstStyle/>
+        <a:p>
+          <a:r>
+            <a:rPr lang="en-US"/>
+            <a:t>Co-Lead Developer, Software Tester</a:t>
+          </a:r>
+        </a:p>
+      </dgm:t>
+    </dgm:pt>
+    <dgm:pt modelId="{9A868467-05DF-480B-84DD-BA119D944389}" type="parTrans" cxnId="{74D5FE68-9BDE-4365-B789-2370881C96F4}">
+      <dgm:prSet/>
+      <dgm:spPr/>
+      <dgm:t>
+        <a:bodyPr/>
+        <a:lstStyle/>
+        <a:p>
+          <a:endParaRPr lang="en-US"/>
+        </a:p>
+      </dgm:t>
+    </dgm:pt>
+    <dgm:pt modelId="{633D0968-075B-472B-BFBD-155C3EFF8CE8}" type="sibTrans" cxnId="{74D5FE68-9BDE-4365-B789-2370881C96F4}">
+      <dgm:prSet/>
+      <dgm:spPr/>
+      <dgm:t>
+        <a:bodyPr/>
+        <a:lstStyle/>
+        <a:p>
+          <a:endParaRPr lang="en-US"/>
+        </a:p>
+      </dgm:t>
+    </dgm:pt>
+    <dgm:pt modelId="{54BE20AA-E8EE-4C2E-A4D4-3457F316574A}" type="pres">
+      <dgm:prSet presAssocID="{6DE3A6B3-C68C-48A3-818F-A146B56D6CC2}" presName="Name0" presStyleCnt="0">
+        <dgm:presLayoutVars>
+          <dgm:dir/>
+          <dgm:animLvl val="lvl"/>
+          <dgm:resizeHandles val="exact"/>
+        </dgm:presLayoutVars>
+      </dgm:prSet>
+      <dgm:spPr/>
+    </dgm:pt>
+    <dgm:pt modelId="{10D9CC66-FDC0-469A-B93C-B92B6B0D96C3}" type="pres">
+      <dgm:prSet presAssocID="{AE98EA3E-88E5-41EA-98D9-8CD19276D3E3}" presName="linNode" presStyleCnt="0"/>
+      <dgm:spPr/>
+    </dgm:pt>
+    <dgm:pt modelId="{EB8EB477-9AB8-43A4-9A68-B0511289F65B}" type="pres">
+      <dgm:prSet presAssocID="{AE98EA3E-88E5-41EA-98D9-8CD19276D3E3}" presName="parentText" presStyleLbl="node1" presStyleIdx="0" presStyleCnt="4">
+        <dgm:presLayoutVars>
+          <dgm:chMax val="1"/>
+          <dgm:bulletEnabled val="1"/>
+        </dgm:presLayoutVars>
+      </dgm:prSet>
+      <dgm:spPr/>
+    </dgm:pt>
+    <dgm:pt modelId="{9BA43678-A9F2-45F1-9B72-DABFDA8B4693}" type="pres">
+      <dgm:prSet presAssocID="{AE98EA3E-88E5-41EA-98D9-8CD19276D3E3}" presName="descendantText" presStyleLbl="alignAccFollowNode1" presStyleIdx="0" presStyleCnt="4">
+        <dgm:presLayoutVars>
+          <dgm:bulletEnabled val="1"/>
+        </dgm:presLayoutVars>
+      </dgm:prSet>
+      <dgm:spPr/>
+    </dgm:pt>
+    <dgm:pt modelId="{1F14D228-9B9E-47A3-91C8-2761901516FF}" type="pres">
+      <dgm:prSet presAssocID="{8C4FA8D7-A3A2-4C70-BBB1-689E3977CEF4}" presName="sp" presStyleCnt="0"/>
+      <dgm:spPr/>
+    </dgm:pt>
+    <dgm:pt modelId="{12D8CD24-B32F-48A3-BB96-746D3C58002D}" type="pres">
+      <dgm:prSet presAssocID="{79130789-B1D4-4C68-A812-31BCD259E487}" presName="linNode" presStyleCnt="0"/>
+      <dgm:spPr/>
+    </dgm:pt>
+    <dgm:pt modelId="{8A4D4311-0381-4CCD-86E7-D64E6497A5F0}" type="pres">
+      <dgm:prSet presAssocID="{79130789-B1D4-4C68-A812-31BCD259E487}" presName="parentText" presStyleLbl="node1" presStyleIdx="1" presStyleCnt="4">
+        <dgm:presLayoutVars>
+          <dgm:chMax val="1"/>
+          <dgm:bulletEnabled val="1"/>
+        </dgm:presLayoutVars>
+      </dgm:prSet>
+      <dgm:spPr/>
+    </dgm:pt>
+    <dgm:pt modelId="{10792823-D25F-4073-B4FF-6F3D9548CEC0}" type="pres">
+      <dgm:prSet presAssocID="{79130789-B1D4-4C68-A812-31BCD259E487}" presName="descendantText" presStyleLbl="alignAccFollowNode1" presStyleIdx="1" presStyleCnt="4">
+        <dgm:presLayoutVars>
+          <dgm:bulletEnabled val="1"/>
+        </dgm:presLayoutVars>
+      </dgm:prSet>
+      <dgm:spPr/>
+    </dgm:pt>
+    <dgm:pt modelId="{64FF8AC0-3CDD-4C5F-B440-E31AFFD21B04}" type="pres">
+      <dgm:prSet presAssocID="{5E5735E5-F382-4EAD-91BC-C8C123426EAE}" presName="sp" presStyleCnt="0"/>
+      <dgm:spPr/>
+    </dgm:pt>
+    <dgm:pt modelId="{2F336420-3B50-4892-A166-9A6EEC387ADE}" type="pres">
+      <dgm:prSet presAssocID="{A2A918C3-BD84-4EEA-AB7A-2AAA5B8D1BF6}" presName="linNode" presStyleCnt="0"/>
+      <dgm:spPr/>
+    </dgm:pt>
+    <dgm:pt modelId="{E93D3B08-F8AC-4AA6-8F8D-BE0D61960017}" type="pres">
+      <dgm:prSet presAssocID="{A2A918C3-BD84-4EEA-AB7A-2AAA5B8D1BF6}" presName="parentText" presStyleLbl="node1" presStyleIdx="2" presStyleCnt="4">
+        <dgm:presLayoutVars>
+          <dgm:chMax val="1"/>
+          <dgm:bulletEnabled val="1"/>
+        </dgm:presLayoutVars>
+      </dgm:prSet>
+      <dgm:spPr/>
+    </dgm:pt>
+    <dgm:pt modelId="{25F089FD-D893-43CF-AC14-9E38457C0ECF}" type="pres">
+      <dgm:prSet presAssocID="{A2A918C3-BD84-4EEA-AB7A-2AAA5B8D1BF6}" presName="descendantText" presStyleLbl="alignAccFollowNode1" presStyleIdx="2" presStyleCnt="4">
+        <dgm:presLayoutVars>
+          <dgm:bulletEnabled val="1"/>
+        </dgm:presLayoutVars>
+      </dgm:prSet>
+      <dgm:spPr/>
+    </dgm:pt>
+    <dgm:pt modelId="{769DC661-ADA1-4260-BA64-329DD3F7C36D}" type="pres">
+      <dgm:prSet presAssocID="{63CC7FF7-171D-4173-8A93-B40049C8C8F8}" presName="sp" presStyleCnt="0"/>
+      <dgm:spPr/>
+    </dgm:pt>
+    <dgm:pt modelId="{1F5B1225-E7D4-4042-8221-D4A56602A96C}" type="pres">
+      <dgm:prSet presAssocID="{E04BCE11-469B-418A-849D-664F8A076206}" presName="linNode" presStyleCnt="0"/>
+      <dgm:spPr/>
+    </dgm:pt>
+    <dgm:pt modelId="{AD60FF64-8368-4400-97E2-6AFE980E38D4}" type="pres">
+      <dgm:prSet presAssocID="{E04BCE11-469B-418A-849D-664F8A076206}" presName="parentText" presStyleLbl="node1" presStyleIdx="3" presStyleCnt="4">
+        <dgm:presLayoutVars>
+          <dgm:chMax val="1"/>
+          <dgm:bulletEnabled val="1"/>
+        </dgm:presLayoutVars>
+      </dgm:prSet>
+      <dgm:spPr/>
+    </dgm:pt>
+    <dgm:pt modelId="{922A566D-5FA9-41ED-9A43-FCDBC73F6BE9}" type="pres">
+      <dgm:prSet presAssocID="{E04BCE11-469B-418A-849D-664F8A076206}" presName="descendantText" presStyleLbl="alignAccFollowNode1" presStyleIdx="3" presStyleCnt="4">
+        <dgm:presLayoutVars>
+          <dgm:bulletEnabled val="1"/>
+        </dgm:presLayoutVars>
+      </dgm:prSet>
+      <dgm:spPr/>
+    </dgm:pt>
+  </dgm:ptLst>
+  <dgm:cxnLst>
+    <dgm:cxn modelId="{7C5AC700-D864-429F-8CCE-1579F5651127}" srcId="{6DE3A6B3-C68C-48A3-818F-A146B56D6CC2}" destId="{79130789-B1D4-4C68-A812-31BCD259E487}" srcOrd="1" destOrd="0" parTransId="{88CB2068-1427-4932-B38A-D1D9C88C775E}" sibTransId="{5E5735E5-F382-4EAD-91BC-C8C123426EAE}"/>
+    <dgm:cxn modelId="{4C20F31D-6BF6-425F-A684-C156A530988B}" type="presOf" srcId="{A2A918C3-BD84-4EEA-AB7A-2AAA5B8D1BF6}" destId="{E93D3B08-F8AC-4AA6-8F8D-BE0D61960017}" srcOrd="0" destOrd="0" presId="urn:microsoft.com/office/officeart/2005/8/layout/vList5"/>
+    <dgm:cxn modelId="{30979D3D-8D4C-47BA-BBD7-7121041780B3}" srcId="{6DE3A6B3-C68C-48A3-818F-A146B56D6CC2}" destId="{E04BCE11-469B-418A-849D-664F8A076206}" srcOrd="3" destOrd="0" parTransId="{474BC1B9-7AC8-4580-AF69-1D3657DEA9BB}" sibTransId="{FC85994F-B65A-4C06-8A83-B8499F387EEE}"/>
+    <dgm:cxn modelId="{C7E4305C-5842-4403-8C0E-28012272CDE2}" type="presOf" srcId="{D6EB3369-2735-4702-89C6-5EF8D605CCC7}" destId="{25F089FD-D893-43CF-AC14-9E38457C0ECF}" srcOrd="0" destOrd="0" presId="urn:microsoft.com/office/officeart/2005/8/layout/vList5"/>
+    <dgm:cxn modelId="{74D5FE68-9BDE-4365-B789-2370881C96F4}" srcId="{E04BCE11-469B-418A-849D-664F8A076206}" destId="{991A88BF-CD55-4AFF-9F16-C35E8C45939E}" srcOrd="0" destOrd="0" parTransId="{9A868467-05DF-480B-84DD-BA119D944389}" sibTransId="{633D0968-075B-472B-BFBD-155C3EFF8CE8}"/>
+    <dgm:cxn modelId="{83252549-09F8-47D5-8C3A-4D1400128594}" type="presOf" srcId="{79130789-B1D4-4C68-A812-31BCD259E487}" destId="{8A4D4311-0381-4CCD-86E7-D64E6497A5F0}" srcOrd="0" destOrd="0" presId="urn:microsoft.com/office/officeart/2005/8/layout/vList5"/>
+    <dgm:cxn modelId="{3369FB71-FA87-48A1-ADEA-D44E46D57C27}" type="presOf" srcId="{991A88BF-CD55-4AFF-9F16-C35E8C45939E}" destId="{922A566D-5FA9-41ED-9A43-FCDBC73F6BE9}" srcOrd="0" destOrd="0" presId="urn:microsoft.com/office/officeart/2005/8/layout/vList5"/>
+    <dgm:cxn modelId="{A2845787-1036-45C6-BF8A-4BE8175DA0B6}" srcId="{79130789-B1D4-4C68-A812-31BCD259E487}" destId="{97EFE841-2B68-47A5-AE6A-0871F614A379}" srcOrd="0" destOrd="0" parTransId="{53B89B80-6E42-4A89-A6B6-4A5C605A800E}" sibTransId="{DF48B68A-7C94-4E87-BE0F-61DBA47501F2}"/>
+    <dgm:cxn modelId="{7AD92389-F6D6-4EE4-AE56-FD40235E2921}" type="presOf" srcId="{F996ADC1-BD84-4706-A76B-2619830898EF}" destId="{9BA43678-A9F2-45F1-9B72-DABFDA8B4693}" srcOrd="0" destOrd="0" presId="urn:microsoft.com/office/officeart/2005/8/layout/vList5"/>
+    <dgm:cxn modelId="{324333AA-5D9E-4A7E-AB4A-F5D0D093BFB6}" type="presOf" srcId="{6DE3A6B3-C68C-48A3-818F-A146B56D6CC2}" destId="{54BE20AA-E8EE-4C2E-A4D4-3457F316574A}" srcOrd="0" destOrd="0" presId="urn:microsoft.com/office/officeart/2005/8/layout/vList5"/>
+    <dgm:cxn modelId="{AC4689B0-359D-40C9-A607-C6311F4D13A8}" type="presOf" srcId="{E04BCE11-469B-418A-849D-664F8A076206}" destId="{AD60FF64-8368-4400-97E2-6AFE980E38D4}" srcOrd="0" destOrd="0" presId="urn:microsoft.com/office/officeart/2005/8/layout/vList5"/>
+    <dgm:cxn modelId="{9769BDB8-7A98-438F-AE4E-C417106D35BF}" srcId="{A2A918C3-BD84-4EEA-AB7A-2AAA5B8D1BF6}" destId="{D6EB3369-2735-4702-89C6-5EF8D605CCC7}" srcOrd="0" destOrd="0" parTransId="{CF75A617-9B91-47B8-A7E4-263E5D73529A}" sibTransId="{8C7864BD-3234-41FD-855B-C5EF7B565E58}"/>
+    <dgm:cxn modelId="{4AFF35C2-3FA2-47D6-9663-14378A6354FA}" srcId="{6DE3A6B3-C68C-48A3-818F-A146B56D6CC2}" destId="{A2A918C3-BD84-4EEA-AB7A-2AAA5B8D1BF6}" srcOrd="2" destOrd="0" parTransId="{D0FA3AD5-758C-4F22-805E-541431CAF879}" sibTransId="{63CC7FF7-171D-4173-8A93-B40049C8C8F8}"/>
+    <dgm:cxn modelId="{A04A34D5-A12F-493C-8F99-A55EBF8303E6}" type="presOf" srcId="{97EFE841-2B68-47A5-AE6A-0871F614A379}" destId="{10792823-D25F-4073-B4FF-6F3D9548CEC0}" srcOrd="0" destOrd="0" presId="urn:microsoft.com/office/officeart/2005/8/layout/vList5"/>
+    <dgm:cxn modelId="{473108E0-1E10-4F8F-B4BA-17BD09E06331}" srcId="{AE98EA3E-88E5-41EA-98D9-8CD19276D3E3}" destId="{F996ADC1-BD84-4706-A76B-2619830898EF}" srcOrd="0" destOrd="0" parTransId="{DB2B76F2-B9AF-43B8-96EC-EBD61E1CDA6B}" sibTransId="{1C4DC637-3825-416F-B331-08416F5543E5}"/>
+    <dgm:cxn modelId="{507A5BF1-A14B-4831-84D5-0FC4B90951B2}" type="presOf" srcId="{AE98EA3E-88E5-41EA-98D9-8CD19276D3E3}" destId="{EB8EB477-9AB8-43A4-9A68-B0511289F65B}" srcOrd="0" destOrd="0" presId="urn:microsoft.com/office/officeart/2005/8/layout/vList5"/>
+    <dgm:cxn modelId="{E0C8B0F9-5222-4D76-8F18-83420245AC9F}" srcId="{6DE3A6B3-C68C-48A3-818F-A146B56D6CC2}" destId="{AE98EA3E-88E5-41EA-98D9-8CD19276D3E3}" srcOrd="0" destOrd="0" parTransId="{8B468D6D-36AD-4D55-A193-11E4AF29F491}" sibTransId="{8C4FA8D7-A3A2-4C70-BBB1-689E3977CEF4}"/>
+    <dgm:cxn modelId="{9D2C135C-510E-4F2A-9294-A49A632B071F}" type="presParOf" srcId="{54BE20AA-E8EE-4C2E-A4D4-3457F316574A}" destId="{10D9CC66-FDC0-469A-B93C-B92B6B0D96C3}" srcOrd="0" destOrd="0" presId="urn:microsoft.com/office/officeart/2005/8/layout/vList5"/>
+    <dgm:cxn modelId="{2267DE26-DFF6-4DEC-B710-F1E9B8CE22FE}" type="presParOf" srcId="{10D9CC66-FDC0-469A-B93C-B92B6B0D96C3}" destId="{EB8EB477-9AB8-43A4-9A68-B0511289F65B}" srcOrd="0" destOrd="0" presId="urn:microsoft.com/office/officeart/2005/8/layout/vList5"/>
+    <dgm:cxn modelId="{1544B860-68D6-460E-9EDE-48C95B79FF72}" type="presParOf" srcId="{10D9CC66-FDC0-469A-B93C-B92B6B0D96C3}" destId="{9BA43678-A9F2-45F1-9B72-DABFDA8B4693}" srcOrd="1" destOrd="0" presId="urn:microsoft.com/office/officeart/2005/8/layout/vList5"/>
+    <dgm:cxn modelId="{229D21FE-35B7-4584-B18C-67C958154BC4}" type="presParOf" srcId="{54BE20AA-E8EE-4C2E-A4D4-3457F316574A}" destId="{1F14D228-9B9E-47A3-91C8-2761901516FF}" srcOrd="1" destOrd="0" presId="urn:microsoft.com/office/officeart/2005/8/layout/vList5"/>
+    <dgm:cxn modelId="{8D4F0109-7DA8-4A38-8CF1-BF99A08A33DE}" type="presParOf" srcId="{54BE20AA-E8EE-4C2E-A4D4-3457F316574A}" destId="{12D8CD24-B32F-48A3-BB96-746D3C58002D}" srcOrd="2" destOrd="0" presId="urn:microsoft.com/office/officeart/2005/8/layout/vList5"/>
+    <dgm:cxn modelId="{960A0823-5C28-42F5-B94A-BE4C00302520}" type="presParOf" srcId="{12D8CD24-B32F-48A3-BB96-746D3C58002D}" destId="{8A4D4311-0381-4CCD-86E7-D64E6497A5F0}" srcOrd="0" destOrd="0" presId="urn:microsoft.com/office/officeart/2005/8/layout/vList5"/>
+    <dgm:cxn modelId="{DA6DAF8C-8F7B-4460-A4A2-F56D85AAF4FF}" type="presParOf" srcId="{12D8CD24-B32F-48A3-BB96-746D3C58002D}" destId="{10792823-D25F-4073-B4FF-6F3D9548CEC0}" srcOrd="1" destOrd="0" presId="urn:microsoft.com/office/officeart/2005/8/layout/vList5"/>
+    <dgm:cxn modelId="{1A2D86CC-DAA4-47F7-B9F7-19594FEC9FAC}" type="presParOf" srcId="{54BE20AA-E8EE-4C2E-A4D4-3457F316574A}" destId="{64FF8AC0-3CDD-4C5F-B440-E31AFFD21B04}" srcOrd="3" destOrd="0" presId="urn:microsoft.com/office/officeart/2005/8/layout/vList5"/>
+    <dgm:cxn modelId="{4960DAA6-473C-4315-A865-CB512EAD6B53}" type="presParOf" srcId="{54BE20AA-E8EE-4C2E-A4D4-3457F316574A}" destId="{2F336420-3B50-4892-A166-9A6EEC387ADE}" srcOrd="4" destOrd="0" presId="urn:microsoft.com/office/officeart/2005/8/layout/vList5"/>
+    <dgm:cxn modelId="{77AD68B5-40D3-4BA6-979D-3DEE80467348}" type="presParOf" srcId="{2F336420-3B50-4892-A166-9A6EEC387ADE}" destId="{E93D3B08-F8AC-4AA6-8F8D-BE0D61960017}" srcOrd="0" destOrd="0" presId="urn:microsoft.com/office/officeart/2005/8/layout/vList5"/>
+    <dgm:cxn modelId="{F6D1C9ED-137E-4BEB-816D-19ED47AAE025}" type="presParOf" srcId="{2F336420-3B50-4892-A166-9A6EEC387ADE}" destId="{25F089FD-D893-43CF-AC14-9E38457C0ECF}" srcOrd="1" destOrd="0" presId="urn:microsoft.com/office/officeart/2005/8/layout/vList5"/>
+    <dgm:cxn modelId="{98A975EF-1C27-4789-8C91-08E8B02F362A}" type="presParOf" srcId="{54BE20AA-E8EE-4C2E-A4D4-3457F316574A}" destId="{769DC661-ADA1-4260-BA64-329DD3F7C36D}" srcOrd="5" destOrd="0" presId="urn:microsoft.com/office/officeart/2005/8/layout/vList5"/>
+    <dgm:cxn modelId="{7F5FFCE2-CE9D-41B4-83E2-8D08F1867AB3}" type="presParOf" srcId="{54BE20AA-E8EE-4C2E-A4D4-3457F316574A}" destId="{1F5B1225-E7D4-4042-8221-D4A56602A96C}" srcOrd="6" destOrd="0" presId="urn:microsoft.com/office/officeart/2005/8/layout/vList5"/>
+    <dgm:cxn modelId="{EC5FB40C-5FA2-409E-9354-723EF1A86DC1}" type="presParOf" srcId="{1F5B1225-E7D4-4042-8221-D4A56602A96C}" destId="{AD60FF64-8368-4400-97E2-6AFE980E38D4}" srcOrd="0" destOrd="0" presId="urn:microsoft.com/office/officeart/2005/8/layout/vList5"/>
+    <dgm:cxn modelId="{62FADD98-FD2D-46A3-8862-7408130989F6}" type="presParOf" srcId="{1F5B1225-E7D4-4042-8221-D4A56602A96C}" destId="{922A566D-5FA9-41ED-9A43-FCDBC73F6BE9}" srcOrd="1" destOrd="0" presId="urn:microsoft.com/office/officeart/2005/8/layout/vList5"/>
+  </dgm:cxnLst>
+  <dgm:bg/>
+  <dgm:whole/>
+  <dgm:extLst>
+    <a:ext uri="http://schemas.microsoft.com/office/drawing/2008/diagram">
+      <dsp:dataModelExt xmlns:dsp="http://schemas.microsoft.com/office/drawing/2008/diagram" relId="rId6" minVer="http://schemas.openxmlformats.org/drawingml/2006/diagram"/>
+    </a:ext>
+  </dgm:extLst>
+</dgm:dataModel>
+</file>
+
+<file path=ppt/diagrams/data2.xml><?xml version="1.0" encoding="utf-8"?>
 <dgm:dataModel xmlns:dgm="http://schemas.openxmlformats.org/drawingml/2006/diagram" xmlns:a="http://schemas.openxmlformats.org/drawingml/2006/main">
   <dgm:ptLst>
     <dgm:pt modelId="{ACC19050-A621-4BD9-B59B-162652E32D90}" type="doc">
@@ -2686,7 +3933,7 @@
 </dgm:dataModel>
 </file>
 
-<file path=ppt/diagrams/data2.xml><?xml version="1.0" encoding="utf-8"?>
+<file path=ppt/diagrams/data3.xml><?xml version="1.0" encoding="utf-8"?>
 <dgm:dataModel xmlns:dgm="http://schemas.openxmlformats.org/drawingml/2006/diagram" xmlns:a="http://schemas.openxmlformats.org/drawingml/2006/main">
   <dgm:ptLst>
     <dgm:pt modelId="{0BAC7F3E-4DC7-4C85-9FED-6A22030E5722}" type="doc">
@@ -3207,7 +4454,7 @@
 </dgm:dataModel>
 </file>
 
-<file path=ppt/diagrams/data3.xml><?xml version="1.0" encoding="utf-8"?>
+<file path=ppt/diagrams/data4.xml><?xml version="1.0" encoding="utf-8"?>
 <dgm:dataModel xmlns:dgm="http://schemas.openxmlformats.org/drawingml/2006/diagram" xmlns:a="http://schemas.openxmlformats.org/drawingml/2006/main">
   <dgm:ptLst>
     <dgm:pt modelId="{8DC901C4-10CA-42E0-A829-2A98EC52A827}" type="doc">
@@ -3675,6 +4922,650 @@
       <dsp:cNvGrpSpPr/>
     </dsp:nvGrpSpPr>
     <dsp:grpSpPr/>
+    <dsp:sp modelId="{9BA43678-A9F2-45F1-9B72-DABFDA8B4693}">
+      <dsp:nvSpPr>
+        <dsp:cNvPr id="0" name=""/>
+        <dsp:cNvSpPr/>
+      </dsp:nvSpPr>
+      <dsp:spPr>
+        <a:xfrm rot="5400000">
+          <a:off x="7144086" y="-3066450"/>
+          <a:ext cx="753170" cy="7078279"/>
+        </a:xfrm>
+        <a:prstGeom prst="round2SameRect">
+          <a:avLst/>
+        </a:prstGeom>
+        <a:solidFill>
+          <a:schemeClr val="accent3">
+            <a:tint val="40000"/>
+            <a:alpha val="90000"/>
+            <a:hueOff val="0"/>
+            <a:satOff val="0"/>
+            <a:lumOff val="0"/>
+            <a:alphaOff val="0"/>
+          </a:schemeClr>
+        </a:solidFill>
+        <a:ln w="12700" cap="flat" cmpd="sng" algn="ctr">
+          <a:solidFill>
+            <a:schemeClr val="accent3">
+              <a:tint val="40000"/>
+              <a:alpha val="90000"/>
+              <a:hueOff val="0"/>
+              <a:satOff val="0"/>
+              <a:lumOff val="0"/>
+              <a:alphaOff val="0"/>
+            </a:schemeClr>
+          </a:solidFill>
+          <a:prstDash val="solid"/>
+          <a:miter lim="800000"/>
+        </a:ln>
+        <a:effectLst/>
+      </dsp:spPr>
+      <dsp:style>
+        <a:lnRef idx="2">
+          <a:scrgbClr r="0" g="0" b="0"/>
+        </a:lnRef>
+        <a:fillRef idx="1">
+          <a:scrgbClr r="0" g="0" b="0"/>
+        </a:fillRef>
+        <a:effectRef idx="0">
+          <a:scrgbClr r="0" g="0" b="0"/>
+        </a:effectRef>
+        <a:fontRef idx="minor"/>
+      </dsp:style>
+      <dsp:txBody>
+        <a:bodyPr spcFirstLastPara="0" vert="horz" wrap="square" lIns="114300" tIns="57150" rIns="114300" bIns="57150" numCol="1" spcCol="1270" anchor="ctr" anchorCtr="0">
+          <a:noAutofit/>
+        </a:bodyPr>
+        <a:lstStyle/>
+        <a:p>
+          <a:pPr marL="285750" lvl="1" indent="-285750" algn="l" defTabSz="1333500">
+            <a:lnSpc>
+              <a:spcPct val="90000"/>
+            </a:lnSpc>
+            <a:spcBef>
+              <a:spcPct val="0"/>
+            </a:spcBef>
+            <a:spcAft>
+              <a:spcPct val="15000"/>
+            </a:spcAft>
+            <a:buChar char="•"/>
+          </a:pPr>
+          <a:r>
+            <a:rPr lang="en-US" sz="3000" kern="1200"/>
+            <a:t>Project Manager, Quality Assurance</a:t>
+          </a:r>
+        </a:p>
+      </dsp:txBody>
+      <dsp:txXfrm rot="-5400000">
+        <a:off x="3981532" y="132871"/>
+        <a:ext cx="7041512" cy="679636"/>
+      </dsp:txXfrm>
+    </dsp:sp>
+    <dsp:sp modelId="{EB8EB477-9AB8-43A4-9A68-B0511289F65B}">
+      <dsp:nvSpPr>
+        <dsp:cNvPr id="0" name=""/>
+        <dsp:cNvSpPr/>
+      </dsp:nvSpPr>
+      <dsp:spPr>
+        <a:xfrm>
+          <a:off x="0" y="1957"/>
+          <a:ext cx="3981531" cy="941463"/>
+        </a:xfrm>
+        <a:prstGeom prst="roundRect">
+          <a:avLst/>
+        </a:prstGeom>
+        <a:solidFill>
+          <a:schemeClr val="accent3">
+            <a:hueOff val="0"/>
+            <a:satOff val="0"/>
+            <a:lumOff val="0"/>
+            <a:alphaOff val="0"/>
+          </a:schemeClr>
+        </a:solidFill>
+        <a:ln w="12700" cap="flat" cmpd="sng" algn="ctr">
+          <a:solidFill>
+            <a:schemeClr val="lt1">
+              <a:hueOff val="0"/>
+              <a:satOff val="0"/>
+              <a:lumOff val="0"/>
+              <a:alphaOff val="0"/>
+            </a:schemeClr>
+          </a:solidFill>
+          <a:prstDash val="solid"/>
+          <a:miter lim="800000"/>
+        </a:ln>
+        <a:effectLst/>
+      </dsp:spPr>
+      <dsp:style>
+        <a:lnRef idx="2">
+          <a:scrgbClr r="0" g="0" b="0"/>
+        </a:lnRef>
+        <a:fillRef idx="1">
+          <a:scrgbClr r="0" g="0" b="0"/>
+        </a:fillRef>
+        <a:effectRef idx="0">
+          <a:scrgbClr r="0" g="0" b="0"/>
+        </a:effectRef>
+        <a:fontRef idx="minor">
+          <a:schemeClr val="lt1"/>
+        </a:fontRef>
+      </dsp:style>
+      <dsp:txBody>
+        <a:bodyPr spcFirstLastPara="0" vert="horz" wrap="square" lIns="133350" tIns="66675" rIns="133350" bIns="66675" numCol="1" spcCol="1270" anchor="ctr" anchorCtr="0">
+          <a:noAutofit/>
+        </a:bodyPr>
+        <a:lstStyle/>
+        <a:p>
+          <a:pPr marL="0" lvl="0" indent="0" algn="ctr" defTabSz="1555750">
+            <a:lnSpc>
+              <a:spcPct val="90000"/>
+            </a:lnSpc>
+            <a:spcBef>
+              <a:spcPct val="0"/>
+            </a:spcBef>
+            <a:spcAft>
+              <a:spcPct val="35000"/>
+            </a:spcAft>
+            <a:buNone/>
+          </a:pPr>
+          <a:r>
+            <a:rPr lang="en-US" sz="3500" kern="1200"/>
+            <a:t>Edgar Arroyo</a:t>
+          </a:r>
+        </a:p>
+      </dsp:txBody>
+      <dsp:txXfrm>
+        <a:off x="45958" y="47915"/>
+        <a:ext cx="3889615" cy="849547"/>
+      </dsp:txXfrm>
+    </dsp:sp>
+    <dsp:sp modelId="{10792823-D25F-4073-B4FF-6F3D9548CEC0}">
+      <dsp:nvSpPr>
+        <dsp:cNvPr id="0" name=""/>
+        <dsp:cNvSpPr/>
+      </dsp:nvSpPr>
+      <dsp:spPr>
+        <a:xfrm rot="5400000">
+          <a:off x="7144086" y="-2077914"/>
+          <a:ext cx="753170" cy="7078279"/>
+        </a:xfrm>
+        <a:prstGeom prst="round2SameRect">
+          <a:avLst/>
+        </a:prstGeom>
+        <a:solidFill>
+          <a:schemeClr val="accent3">
+            <a:tint val="40000"/>
+            <a:alpha val="90000"/>
+            <a:hueOff val="2024460"/>
+            <a:satOff val="-1055"/>
+            <a:lumOff val="-506"/>
+            <a:alphaOff val="0"/>
+          </a:schemeClr>
+        </a:solidFill>
+        <a:ln w="12700" cap="flat" cmpd="sng" algn="ctr">
+          <a:solidFill>
+            <a:schemeClr val="accent3">
+              <a:tint val="40000"/>
+              <a:alpha val="90000"/>
+              <a:hueOff val="2024460"/>
+              <a:satOff val="-1055"/>
+              <a:lumOff val="-506"/>
+              <a:alphaOff val="0"/>
+            </a:schemeClr>
+          </a:solidFill>
+          <a:prstDash val="solid"/>
+          <a:miter lim="800000"/>
+        </a:ln>
+        <a:effectLst/>
+      </dsp:spPr>
+      <dsp:style>
+        <a:lnRef idx="2">
+          <a:scrgbClr r="0" g="0" b="0"/>
+        </a:lnRef>
+        <a:fillRef idx="1">
+          <a:scrgbClr r="0" g="0" b="0"/>
+        </a:fillRef>
+        <a:effectRef idx="0">
+          <a:scrgbClr r="0" g="0" b="0"/>
+        </a:effectRef>
+        <a:fontRef idx="minor"/>
+      </dsp:style>
+      <dsp:txBody>
+        <a:bodyPr spcFirstLastPara="0" vert="horz" wrap="square" lIns="114300" tIns="57150" rIns="114300" bIns="57150" numCol="1" spcCol="1270" anchor="ctr" anchorCtr="0">
+          <a:noAutofit/>
+        </a:bodyPr>
+        <a:lstStyle/>
+        <a:p>
+          <a:pPr marL="285750" lvl="1" indent="-285750" algn="l" defTabSz="1333500">
+            <a:lnSpc>
+              <a:spcPct val="90000"/>
+            </a:lnSpc>
+            <a:spcBef>
+              <a:spcPct val="0"/>
+            </a:spcBef>
+            <a:spcAft>
+              <a:spcPct val="15000"/>
+            </a:spcAft>
+            <a:buChar char="•"/>
+          </a:pPr>
+          <a:r>
+            <a:rPr lang="en-US" sz="3000" kern="1200"/>
+            <a:t>Product Owner, Developer</a:t>
+          </a:r>
+        </a:p>
+      </dsp:txBody>
+      <dsp:txXfrm rot="-5400000">
+        <a:off x="3981532" y="1121407"/>
+        <a:ext cx="7041512" cy="679636"/>
+      </dsp:txXfrm>
+    </dsp:sp>
+    <dsp:sp modelId="{8A4D4311-0381-4CCD-86E7-D64E6497A5F0}">
+      <dsp:nvSpPr>
+        <dsp:cNvPr id="0" name=""/>
+        <dsp:cNvSpPr/>
+      </dsp:nvSpPr>
+      <dsp:spPr>
+        <a:xfrm>
+          <a:off x="0" y="990493"/>
+          <a:ext cx="3981531" cy="941463"/>
+        </a:xfrm>
+        <a:prstGeom prst="roundRect">
+          <a:avLst/>
+        </a:prstGeom>
+        <a:solidFill>
+          <a:schemeClr val="accent3">
+            <a:hueOff val="1999948"/>
+            <a:satOff val="-1194"/>
+            <a:lumOff val="-2288"/>
+            <a:alphaOff val="0"/>
+          </a:schemeClr>
+        </a:solidFill>
+        <a:ln w="12700" cap="flat" cmpd="sng" algn="ctr">
+          <a:solidFill>
+            <a:schemeClr val="lt1">
+              <a:hueOff val="0"/>
+              <a:satOff val="0"/>
+              <a:lumOff val="0"/>
+              <a:alphaOff val="0"/>
+            </a:schemeClr>
+          </a:solidFill>
+          <a:prstDash val="solid"/>
+          <a:miter lim="800000"/>
+        </a:ln>
+        <a:effectLst/>
+      </dsp:spPr>
+      <dsp:style>
+        <a:lnRef idx="2">
+          <a:scrgbClr r="0" g="0" b="0"/>
+        </a:lnRef>
+        <a:fillRef idx="1">
+          <a:scrgbClr r="0" g="0" b="0"/>
+        </a:fillRef>
+        <a:effectRef idx="0">
+          <a:scrgbClr r="0" g="0" b="0"/>
+        </a:effectRef>
+        <a:fontRef idx="minor">
+          <a:schemeClr val="lt1"/>
+        </a:fontRef>
+      </dsp:style>
+      <dsp:txBody>
+        <a:bodyPr spcFirstLastPara="0" vert="horz" wrap="square" lIns="133350" tIns="66675" rIns="133350" bIns="66675" numCol="1" spcCol="1270" anchor="ctr" anchorCtr="0">
+          <a:noAutofit/>
+        </a:bodyPr>
+        <a:lstStyle/>
+        <a:p>
+          <a:pPr marL="0" lvl="0" indent="0" algn="ctr" defTabSz="1555750">
+            <a:lnSpc>
+              <a:spcPct val="90000"/>
+            </a:lnSpc>
+            <a:spcBef>
+              <a:spcPct val="0"/>
+            </a:spcBef>
+            <a:spcAft>
+              <a:spcPct val="35000"/>
+            </a:spcAft>
+            <a:buNone/>
+          </a:pPr>
+          <a:r>
+            <a:rPr lang="en-US" sz="3500" kern="1200"/>
+            <a:t>Jordany Gonzalez</a:t>
+          </a:r>
+        </a:p>
+      </dsp:txBody>
+      <dsp:txXfrm>
+        <a:off x="45958" y="1036451"/>
+        <a:ext cx="3889615" cy="849547"/>
+      </dsp:txXfrm>
+    </dsp:sp>
+    <dsp:sp modelId="{25F089FD-D893-43CF-AC14-9E38457C0ECF}">
+      <dsp:nvSpPr>
+        <dsp:cNvPr id="0" name=""/>
+        <dsp:cNvSpPr/>
+      </dsp:nvSpPr>
+      <dsp:spPr>
+        <a:xfrm rot="5400000">
+          <a:off x="7144086" y="-1089377"/>
+          <a:ext cx="753170" cy="7078279"/>
+        </a:xfrm>
+        <a:prstGeom prst="round2SameRect">
+          <a:avLst/>
+        </a:prstGeom>
+        <a:solidFill>
+          <a:schemeClr val="accent3">
+            <a:tint val="40000"/>
+            <a:alpha val="90000"/>
+            <a:hueOff val="4048920"/>
+            <a:satOff val="-2110"/>
+            <a:lumOff val="-1011"/>
+            <a:alphaOff val="0"/>
+          </a:schemeClr>
+        </a:solidFill>
+        <a:ln w="12700" cap="flat" cmpd="sng" algn="ctr">
+          <a:solidFill>
+            <a:schemeClr val="accent3">
+              <a:tint val="40000"/>
+              <a:alpha val="90000"/>
+              <a:hueOff val="4048920"/>
+              <a:satOff val="-2110"/>
+              <a:lumOff val="-1011"/>
+              <a:alphaOff val="0"/>
+            </a:schemeClr>
+          </a:solidFill>
+          <a:prstDash val="solid"/>
+          <a:miter lim="800000"/>
+        </a:ln>
+        <a:effectLst/>
+      </dsp:spPr>
+      <dsp:style>
+        <a:lnRef idx="2">
+          <a:scrgbClr r="0" g="0" b="0"/>
+        </a:lnRef>
+        <a:fillRef idx="1">
+          <a:scrgbClr r="0" g="0" b="0"/>
+        </a:fillRef>
+        <a:effectRef idx="0">
+          <a:scrgbClr r="0" g="0" b="0"/>
+        </a:effectRef>
+        <a:fontRef idx="minor"/>
+      </dsp:style>
+      <dsp:txBody>
+        <a:bodyPr spcFirstLastPara="0" vert="horz" wrap="square" lIns="114300" tIns="57150" rIns="114300" bIns="57150" numCol="1" spcCol="1270" anchor="ctr" anchorCtr="0">
+          <a:noAutofit/>
+        </a:bodyPr>
+        <a:lstStyle/>
+        <a:p>
+          <a:pPr marL="285750" lvl="1" indent="-285750" algn="l" defTabSz="1333500">
+            <a:lnSpc>
+              <a:spcPct val="90000"/>
+            </a:lnSpc>
+            <a:spcBef>
+              <a:spcPct val="0"/>
+            </a:spcBef>
+            <a:spcAft>
+              <a:spcPct val="15000"/>
+            </a:spcAft>
+            <a:buChar char="•"/>
+          </a:pPr>
+          <a:r>
+            <a:rPr lang="en-US" sz="3000" kern="1200"/>
+            <a:t>Co-Lead Developer, Business Analyst</a:t>
+          </a:r>
+        </a:p>
+      </dsp:txBody>
+      <dsp:txXfrm rot="-5400000">
+        <a:off x="3981532" y="2109944"/>
+        <a:ext cx="7041512" cy="679636"/>
+      </dsp:txXfrm>
+    </dsp:sp>
+    <dsp:sp modelId="{E93D3B08-F8AC-4AA6-8F8D-BE0D61960017}">
+      <dsp:nvSpPr>
+        <dsp:cNvPr id="0" name=""/>
+        <dsp:cNvSpPr/>
+      </dsp:nvSpPr>
+      <dsp:spPr>
+        <a:xfrm>
+          <a:off x="0" y="1979030"/>
+          <a:ext cx="3981531" cy="941463"/>
+        </a:xfrm>
+        <a:prstGeom prst="roundRect">
+          <a:avLst/>
+        </a:prstGeom>
+        <a:solidFill>
+          <a:schemeClr val="accent3">
+            <a:hueOff val="3999895"/>
+            <a:satOff val="-2389"/>
+            <a:lumOff val="-4575"/>
+            <a:alphaOff val="0"/>
+          </a:schemeClr>
+        </a:solidFill>
+        <a:ln w="12700" cap="flat" cmpd="sng" algn="ctr">
+          <a:solidFill>
+            <a:schemeClr val="lt1">
+              <a:hueOff val="0"/>
+              <a:satOff val="0"/>
+              <a:lumOff val="0"/>
+              <a:alphaOff val="0"/>
+            </a:schemeClr>
+          </a:solidFill>
+          <a:prstDash val="solid"/>
+          <a:miter lim="800000"/>
+        </a:ln>
+        <a:effectLst/>
+      </dsp:spPr>
+      <dsp:style>
+        <a:lnRef idx="2">
+          <a:scrgbClr r="0" g="0" b="0"/>
+        </a:lnRef>
+        <a:fillRef idx="1">
+          <a:scrgbClr r="0" g="0" b="0"/>
+        </a:fillRef>
+        <a:effectRef idx="0">
+          <a:scrgbClr r="0" g="0" b="0"/>
+        </a:effectRef>
+        <a:fontRef idx="minor">
+          <a:schemeClr val="lt1"/>
+        </a:fontRef>
+      </dsp:style>
+      <dsp:txBody>
+        <a:bodyPr spcFirstLastPara="0" vert="horz" wrap="square" lIns="133350" tIns="66675" rIns="133350" bIns="66675" numCol="1" spcCol="1270" anchor="ctr" anchorCtr="0">
+          <a:noAutofit/>
+        </a:bodyPr>
+        <a:lstStyle/>
+        <a:p>
+          <a:pPr marL="0" lvl="0" indent="0" algn="ctr" defTabSz="1555750">
+            <a:lnSpc>
+              <a:spcPct val="90000"/>
+            </a:lnSpc>
+            <a:spcBef>
+              <a:spcPct val="0"/>
+            </a:spcBef>
+            <a:spcAft>
+              <a:spcPct val="35000"/>
+            </a:spcAft>
+            <a:buNone/>
+          </a:pPr>
+          <a:r>
+            <a:rPr lang="en-US" sz="3500" kern="1200"/>
+            <a:t>Andres Melendez</a:t>
+          </a:r>
+        </a:p>
+      </dsp:txBody>
+      <dsp:txXfrm>
+        <a:off x="45958" y="2024988"/>
+        <a:ext cx="3889615" cy="849547"/>
+      </dsp:txXfrm>
+    </dsp:sp>
+    <dsp:sp modelId="{922A566D-5FA9-41ED-9A43-FCDBC73F6BE9}">
+      <dsp:nvSpPr>
+        <dsp:cNvPr id="0" name=""/>
+        <dsp:cNvSpPr/>
+      </dsp:nvSpPr>
+      <dsp:spPr>
+        <a:xfrm rot="5400000">
+          <a:off x="7144086" y="-100841"/>
+          <a:ext cx="753170" cy="7078279"/>
+        </a:xfrm>
+        <a:prstGeom prst="round2SameRect">
+          <a:avLst/>
+        </a:prstGeom>
+        <a:solidFill>
+          <a:schemeClr val="accent3">
+            <a:tint val="40000"/>
+            <a:alpha val="90000"/>
+            <a:hueOff val="6073379"/>
+            <a:satOff val="-3165"/>
+            <a:lumOff val="-1517"/>
+            <a:alphaOff val="0"/>
+          </a:schemeClr>
+        </a:solidFill>
+        <a:ln w="12700" cap="flat" cmpd="sng" algn="ctr">
+          <a:solidFill>
+            <a:schemeClr val="accent3">
+              <a:tint val="40000"/>
+              <a:alpha val="90000"/>
+              <a:hueOff val="6073379"/>
+              <a:satOff val="-3165"/>
+              <a:lumOff val="-1517"/>
+              <a:alphaOff val="0"/>
+            </a:schemeClr>
+          </a:solidFill>
+          <a:prstDash val="solid"/>
+          <a:miter lim="800000"/>
+        </a:ln>
+        <a:effectLst/>
+      </dsp:spPr>
+      <dsp:style>
+        <a:lnRef idx="2">
+          <a:scrgbClr r="0" g="0" b="0"/>
+        </a:lnRef>
+        <a:fillRef idx="1">
+          <a:scrgbClr r="0" g="0" b="0"/>
+        </a:fillRef>
+        <a:effectRef idx="0">
+          <a:scrgbClr r="0" g="0" b="0"/>
+        </a:effectRef>
+        <a:fontRef idx="minor"/>
+      </dsp:style>
+      <dsp:txBody>
+        <a:bodyPr spcFirstLastPara="0" vert="horz" wrap="square" lIns="114300" tIns="57150" rIns="114300" bIns="57150" numCol="1" spcCol="1270" anchor="ctr" anchorCtr="0">
+          <a:noAutofit/>
+        </a:bodyPr>
+        <a:lstStyle/>
+        <a:p>
+          <a:pPr marL="285750" lvl="1" indent="-285750" algn="l" defTabSz="1333500">
+            <a:lnSpc>
+              <a:spcPct val="90000"/>
+            </a:lnSpc>
+            <a:spcBef>
+              <a:spcPct val="0"/>
+            </a:spcBef>
+            <a:spcAft>
+              <a:spcPct val="15000"/>
+            </a:spcAft>
+            <a:buChar char="•"/>
+          </a:pPr>
+          <a:r>
+            <a:rPr lang="en-US" sz="3000" kern="1200"/>
+            <a:t>Co-Lead Developer, Software Tester</a:t>
+          </a:r>
+        </a:p>
+      </dsp:txBody>
+      <dsp:txXfrm rot="-5400000">
+        <a:off x="3981532" y="3098480"/>
+        <a:ext cx="7041512" cy="679636"/>
+      </dsp:txXfrm>
+    </dsp:sp>
+    <dsp:sp modelId="{AD60FF64-8368-4400-97E2-6AFE980E38D4}">
+      <dsp:nvSpPr>
+        <dsp:cNvPr id="0" name=""/>
+        <dsp:cNvSpPr/>
+      </dsp:nvSpPr>
+      <dsp:spPr>
+        <a:xfrm>
+          <a:off x="0" y="2967566"/>
+          <a:ext cx="3981531" cy="941463"/>
+        </a:xfrm>
+        <a:prstGeom prst="roundRect">
+          <a:avLst/>
+        </a:prstGeom>
+        <a:solidFill>
+          <a:schemeClr val="accent3">
+            <a:hueOff val="5999843"/>
+            <a:satOff val="-3583"/>
+            <a:lumOff val="-6863"/>
+            <a:alphaOff val="0"/>
+          </a:schemeClr>
+        </a:solidFill>
+        <a:ln w="12700" cap="flat" cmpd="sng" algn="ctr">
+          <a:solidFill>
+            <a:schemeClr val="lt1">
+              <a:hueOff val="0"/>
+              <a:satOff val="0"/>
+              <a:lumOff val="0"/>
+              <a:alphaOff val="0"/>
+            </a:schemeClr>
+          </a:solidFill>
+          <a:prstDash val="solid"/>
+          <a:miter lim="800000"/>
+        </a:ln>
+        <a:effectLst/>
+      </dsp:spPr>
+      <dsp:style>
+        <a:lnRef idx="2">
+          <a:scrgbClr r="0" g="0" b="0"/>
+        </a:lnRef>
+        <a:fillRef idx="1">
+          <a:scrgbClr r="0" g="0" b="0"/>
+        </a:fillRef>
+        <a:effectRef idx="0">
+          <a:scrgbClr r="0" g="0" b="0"/>
+        </a:effectRef>
+        <a:fontRef idx="minor">
+          <a:schemeClr val="lt1"/>
+        </a:fontRef>
+      </dsp:style>
+      <dsp:txBody>
+        <a:bodyPr spcFirstLastPara="0" vert="horz" wrap="square" lIns="133350" tIns="66675" rIns="133350" bIns="66675" numCol="1" spcCol="1270" anchor="ctr" anchorCtr="0">
+          <a:noAutofit/>
+        </a:bodyPr>
+        <a:lstStyle/>
+        <a:p>
+          <a:pPr marL="0" lvl="0" indent="0" algn="ctr" defTabSz="1555750">
+            <a:lnSpc>
+              <a:spcPct val="90000"/>
+            </a:lnSpc>
+            <a:spcBef>
+              <a:spcPct val="0"/>
+            </a:spcBef>
+            <a:spcAft>
+              <a:spcPct val="35000"/>
+            </a:spcAft>
+            <a:buNone/>
+          </a:pPr>
+          <a:r>
+            <a:rPr lang="en-US" sz="3500" kern="1200"/>
+            <a:t>Jeffrey Reid</a:t>
+          </a:r>
+        </a:p>
+      </dsp:txBody>
+      <dsp:txXfrm>
+        <a:off x="45958" y="3013524"/>
+        <a:ext cx="3889615" cy="849547"/>
+      </dsp:txXfrm>
+    </dsp:sp>
+  </dsp:spTree>
+</dsp:drawing>
+</file>
+
+<file path=ppt/diagrams/drawing2.xml><?xml version="1.0" encoding="utf-8"?>
+<dsp:drawing xmlns:dgm="http://schemas.openxmlformats.org/drawingml/2006/diagram" xmlns:dsp="http://schemas.microsoft.com/office/drawing/2008/diagram" xmlns:a="http://schemas.openxmlformats.org/drawingml/2006/main">
+  <dsp:spTree>
+    <dsp:nvGrpSpPr>
+      <dsp:cNvPr id="0" name=""/>
+      <dsp:cNvGrpSpPr/>
+    </dsp:nvGrpSpPr>
+    <dsp:grpSpPr/>
     <dsp:sp modelId="{9715A3C5-6CF7-45D4-AF8F-D1CE3DF77B2B}">
       <dsp:nvSpPr>
         <dsp:cNvPr id="0" name=""/>
@@ -3928,7 +5819,7 @@
 </dsp:drawing>
 </file>
 
-<file path=ppt/diagrams/drawing2.xml><?xml version="1.0" encoding="utf-8"?>
+<file path=ppt/diagrams/drawing3.xml><?xml version="1.0" encoding="utf-8"?>
 <dsp:drawing xmlns:dgm="http://schemas.openxmlformats.org/drawingml/2006/diagram" xmlns:dsp="http://schemas.microsoft.com/office/drawing/2008/diagram" xmlns:a="http://schemas.openxmlformats.org/drawingml/2006/main">
   <dsp:spTree>
     <dsp:nvGrpSpPr>
@@ -4613,7 +6504,7 @@
 </dsp:drawing>
 </file>
 
-<file path=ppt/diagrams/drawing3.xml><?xml version="1.0" encoding="utf-8"?>
+<file path=ppt/diagrams/drawing4.xml><?xml version="1.0" encoding="utf-8"?>
 <dsp:drawing xmlns:dgm="http://schemas.openxmlformats.org/drawingml/2006/diagram" xmlns:dsp="http://schemas.microsoft.com/office/drawing/2008/diagram" xmlns:a="http://schemas.openxmlformats.org/drawingml/2006/main">
   <dsp:spTree>
     <dsp:nvGrpSpPr>
@@ -5530,6 +7421,239 @@
 </file>
 
 <file path=ppt/diagrams/layout1.xml><?xml version="1.0" encoding="utf-8"?>
+<dgm:layoutDef xmlns:dgm="http://schemas.openxmlformats.org/drawingml/2006/diagram" xmlns:a="http://schemas.openxmlformats.org/drawingml/2006/main" uniqueId="urn:microsoft.com/office/officeart/2005/8/layout/vList5">
+  <dgm:title val=""/>
+  <dgm:desc val=""/>
+  <dgm:catLst>
+    <dgm:cat type="list" pri="15000"/>
+    <dgm:cat type="convert" pri="2000"/>
+  </dgm:catLst>
+  <dgm:sampData>
+    <dgm:dataModel>
+      <dgm:ptLst>
+        <dgm:pt modelId="0" type="doc"/>
+        <dgm:pt modelId="1">
+          <dgm:prSet phldr="1"/>
+        </dgm:pt>
+        <dgm:pt modelId="11">
+          <dgm:prSet phldr="1"/>
+        </dgm:pt>
+        <dgm:pt modelId="12">
+          <dgm:prSet phldr="1"/>
+        </dgm:pt>
+        <dgm:pt modelId="2">
+          <dgm:prSet phldr="1"/>
+        </dgm:pt>
+        <dgm:pt modelId="21">
+          <dgm:prSet phldr="1"/>
+        </dgm:pt>
+        <dgm:pt modelId="22">
+          <dgm:prSet phldr="1"/>
+        </dgm:pt>
+        <dgm:pt modelId="3">
+          <dgm:prSet phldr="1"/>
+        </dgm:pt>
+        <dgm:pt modelId="31">
+          <dgm:prSet phldr="1"/>
+        </dgm:pt>
+        <dgm:pt modelId="32">
+          <dgm:prSet phldr="1"/>
+        </dgm:pt>
+      </dgm:ptLst>
+      <dgm:cxnLst>
+        <dgm:cxn modelId="4" srcId="0" destId="1" srcOrd="0" destOrd="0"/>
+        <dgm:cxn modelId="5" srcId="0" destId="2" srcOrd="1" destOrd="0"/>
+        <dgm:cxn modelId="6" srcId="0" destId="3" srcOrd="2" destOrd="0"/>
+        <dgm:cxn modelId="13" srcId="1" destId="11" srcOrd="0" destOrd="0"/>
+        <dgm:cxn modelId="14" srcId="1" destId="12" srcOrd="1" destOrd="0"/>
+        <dgm:cxn modelId="23" srcId="2" destId="21" srcOrd="0" destOrd="0"/>
+        <dgm:cxn modelId="24" srcId="2" destId="22" srcOrd="1" destOrd="0"/>
+        <dgm:cxn modelId="33" srcId="3" destId="31" srcOrd="0" destOrd="0"/>
+        <dgm:cxn modelId="34" srcId="3" destId="32" srcOrd="1" destOrd="0"/>
+      </dgm:cxnLst>
+      <dgm:bg/>
+      <dgm:whole/>
+    </dgm:dataModel>
+  </dgm:sampData>
+  <dgm:styleData>
+    <dgm:dataModel>
+      <dgm:ptLst>
+        <dgm:pt modelId="0" type="doc"/>
+        <dgm:pt modelId="1"/>
+        <dgm:pt modelId="11"/>
+        <dgm:pt modelId="2"/>
+        <dgm:pt modelId="21"/>
+      </dgm:ptLst>
+      <dgm:cxnLst>
+        <dgm:cxn modelId="4" srcId="0" destId="1" srcOrd="0" destOrd="0"/>
+        <dgm:cxn modelId="5" srcId="0" destId="2" srcOrd="1" destOrd="0"/>
+        <dgm:cxn modelId="13" srcId="1" destId="11" srcOrd="0" destOrd="0"/>
+        <dgm:cxn modelId="23" srcId="2" destId="21" srcOrd="0" destOrd="0"/>
+      </dgm:cxnLst>
+      <dgm:bg/>
+      <dgm:whole/>
+    </dgm:dataModel>
+  </dgm:styleData>
+  <dgm:clrData>
+    <dgm:dataModel>
+      <dgm:ptLst>
+        <dgm:pt modelId="0" type="doc"/>
+        <dgm:pt modelId="1"/>
+        <dgm:pt modelId="11"/>
+        <dgm:pt modelId="2"/>
+        <dgm:pt modelId="21"/>
+        <dgm:pt modelId="3"/>
+        <dgm:pt modelId="31"/>
+        <dgm:pt modelId="4"/>
+        <dgm:pt modelId="41"/>
+      </dgm:ptLst>
+      <dgm:cxnLst>
+        <dgm:cxn modelId="5" srcId="0" destId="1" srcOrd="0" destOrd="0"/>
+        <dgm:cxn modelId="6" srcId="0" destId="2" srcOrd="1" destOrd="0"/>
+        <dgm:cxn modelId="7" srcId="0" destId="3" srcOrd="2" destOrd="0"/>
+        <dgm:cxn modelId="8" srcId="0" destId="4" srcOrd="3" destOrd="0"/>
+        <dgm:cxn modelId="13" srcId="1" destId="11" srcOrd="0" destOrd="0"/>
+        <dgm:cxn modelId="23" srcId="2" destId="21" srcOrd="0" destOrd="0"/>
+        <dgm:cxn modelId="33" srcId="3" destId="31" srcOrd="0" destOrd="0"/>
+        <dgm:cxn modelId="43" srcId="4" destId="41" srcOrd="0" destOrd="0"/>
+      </dgm:cxnLst>
+      <dgm:bg/>
+      <dgm:whole/>
+    </dgm:dataModel>
+  </dgm:clrData>
+  <dgm:layoutNode name="Name0">
+    <dgm:varLst>
+      <dgm:dir/>
+      <dgm:animLvl val="lvl"/>
+      <dgm:resizeHandles val="exact"/>
+    </dgm:varLst>
+    <dgm:choose name="Name1">
+      <dgm:if name="Name2" func="var" arg="dir" op="equ" val="norm">
+        <dgm:alg type="lin">
+          <dgm:param type="linDir" val="fromT"/>
+          <dgm:param type="nodeHorzAlign" val="l"/>
+        </dgm:alg>
+      </dgm:if>
+      <dgm:else name="Name3">
+        <dgm:alg type="lin">
+          <dgm:param type="linDir" val="fromT"/>
+          <dgm:param type="nodeHorzAlign" val="r"/>
+        </dgm:alg>
+      </dgm:else>
+    </dgm:choose>
+    <dgm:shape xmlns:r="http://schemas.openxmlformats.org/officeDocument/2006/relationships" r:blip="">
+      <dgm:adjLst/>
+    </dgm:shape>
+    <dgm:presOf/>
+    <dgm:constrLst>
+      <dgm:constr type="h" for="ch" forName="linNode" refType="h"/>
+      <dgm:constr type="w" for="ch" forName="linNode" refType="w"/>
+      <dgm:constr type="h" for="ch" forName="sp" refType="h" fact="0.05"/>
+      <dgm:constr type="primFontSz" for="des" forName="parentText" op="equ" val="65"/>
+      <dgm:constr type="secFontSz" for="des" forName="descendantText" op="equ"/>
+    </dgm:constrLst>
+    <dgm:ruleLst/>
+    <dgm:forEach name="Name4" axis="ch" ptType="node">
+      <dgm:layoutNode name="linNode">
+        <dgm:choose name="Name5">
+          <dgm:if name="Name6" func="var" arg="dir" op="equ" val="norm">
+            <dgm:alg type="lin">
+              <dgm:param type="linDir" val="fromL"/>
+            </dgm:alg>
+          </dgm:if>
+          <dgm:else name="Name7">
+            <dgm:alg type="lin">
+              <dgm:param type="linDir" val="fromR"/>
+            </dgm:alg>
+          </dgm:else>
+        </dgm:choose>
+        <dgm:shape xmlns:r="http://schemas.openxmlformats.org/officeDocument/2006/relationships" r:blip="">
+          <dgm:adjLst/>
+        </dgm:shape>
+        <dgm:presOf/>
+        <dgm:constrLst>
+          <dgm:constr type="w" for="ch" forName="parentText" refType="w" fact="0.36"/>
+          <dgm:constr type="w" for="ch" forName="descendantText" refType="w" fact="0.64"/>
+          <dgm:constr type="h" for="ch" forName="parentText" refType="h"/>
+          <dgm:constr type="h" for="ch" forName="descendantText" refType="h" refFor="ch" refForName="parentText" fact="0.8"/>
+        </dgm:constrLst>
+        <dgm:ruleLst/>
+        <dgm:layoutNode name="parentText">
+          <dgm:varLst>
+            <dgm:chMax val="1"/>
+            <dgm:bulletEnabled val="1"/>
+          </dgm:varLst>
+          <dgm:alg type="tx"/>
+          <dgm:shape xmlns:r="http://schemas.openxmlformats.org/officeDocument/2006/relationships" type="roundRect" r:blip="" zOrderOff="3">
+            <dgm:adjLst/>
+          </dgm:shape>
+          <dgm:presOf axis="self" ptType="node"/>
+          <dgm:constrLst>
+            <dgm:constr type="tMarg" refType="primFontSz" fact="0.15"/>
+            <dgm:constr type="bMarg" refType="primFontSz" fact="0.15"/>
+            <dgm:constr type="lMarg" refType="primFontSz" fact="0.3"/>
+            <dgm:constr type="rMarg" refType="primFontSz" fact="0.3"/>
+          </dgm:constrLst>
+          <dgm:ruleLst>
+            <dgm:rule type="primFontSz" val="5" fact="NaN" max="NaN"/>
+          </dgm:ruleLst>
+        </dgm:layoutNode>
+        <dgm:choose name="Name8">
+          <dgm:if name="Name9" axis="ch" ptType="node" func="cnt" op="gte" val="1">
+            <dgm:layoutNode name="descendantText" styleLbl="alignAccFollowNode1">
+              <dgm:varLst>
+                <dgm:bulletEnabled val="1"/>
+              </dgm:varLst>
+              <dgm:alg type="tx">
+                <dgm:param type="stBulletLvl" val="1"/>
+                <dgm:param type="txAnchorVertCh" val="mid"/>
+              </dgm:alg>
+              <dgm:choose name="Name10">
+                <dgm:if name="Name11" func="var" arg="dir" op="equ" val="norm">
+                  <dgm:shape xmlns:r="http://schemas.openxmlformats.org/officeDocument/2006/relationships" rot="90" type="round2SameRect" r:blip="">
+                    <dgm:adjLst/>
+                  </dgm:shape>
+                </dgm:if>
+                <dgm:else name="Name12">
+                  <dgm:shape xmlns:r="http://schemas.openxmlformats.org/officeDocument/2006/relationships" rot="-90" type="round2SameRect" r:blip="">
+                    <dgm:adjLst/>
+                  </dgm:shape>
+                </dgm:else>
+              </dgm:choose>
+              <dgm:presOf axis="des" ptType="node"/>
+              <dgm:constrLst>
+                <dgm:constr type="secFontSz" val="65"/>
+                <dgm:constr type="primFontSz" refType="secFontSz"/>
+                <dgm:constr type="lMarg" refType="secFontSz" fact="0.3"/>
+                <dgm:constr type="rMarg" refType="secFontSz" fact="0.3"/>
+                <dgm:constr type="tMarg" refType="secFontSz" fact="0.15"/>
+                <dgm:constr type="bMarg" refType="secFontSz" fact="0.15"/>
+              </dgm:constrLst>
+              <dgm:ruleLst>
+                <dgm:rule type="secFontSz" val="5" fact="NaN" max="NaN"/>
+              </dgm:ruleLst>
+            </dgm:layoutNode>
+          </dgm:if>
+          <dgm:else name="Name13"/>
+        </dgm:choose>
+      </dgm:layoutNode>
+      <dgm:forEach name="Name14" axis="followSib" ptType="sibTrans" cnt="1">
+        <dgm:layoutNode name="sp">
+          <dgm:alg type="sp"/>
+          <dgm:shape xmlns:r="http://schemas.openxmlformats.org/officeDocument/2006/relationships" r:blip="">
+            <dgm:adjLst/>
+          </dgm:shape>
+          <dgm:presOf/>
+          <dgm:constrLst/>
+          <dgm:ruleLst/>
+        </dgm:layoutNode>
+      </dgm:forEach>
+    </dgm:forEach>
+  </dgm:layoutNode>
+</dgm:layoutDef>
+</file>
+
+<file path=ppt/diagrams/layout2.xml><?xml version="1.0" encoding="utf-8"?>
 <dgm:layoutDef xmlns:dgm="http://schemas.openxmlformats.org/drawingml/2006/diagram" xmlns:a="http://schemas.openxmlformats.org/drawingml/2006/main" uniqueId="urn:microsoft.com/office/officeart/2005/8/layout/vList2">
   <dgm:title val=""/>
   <dgm:desc val=""/>
@@ -5696,7 +7820,7 @@
 </dgm:layoutDef>
 </file>
 
-<file path=ppt/diagrams/layout2.xml><?xml version="1.0" encoding="utf-8"?>
+<file path=ppt/diagrams/layout3.xml><?xml version="1.0" encoding="utf-8"?>
 <dgm:layoutDef xmlns:dgm="http://schemas.openxmlformats.org/drawingml/2006/diagram" xmlns:a="http://schemas.openxmlformats.org/drawingml/2006/main" uniqueId="urn:microsoft.com/office/officeart/2005/8/layout/hList1">
   <dgm:title val=""/>
   <dgm:desc val=""/>
@@ -5913,7 +8037,7 @@
 </dgm:layoutDef>
 </file>
 
-<file path=ppt/diagrams/layout3.xml><?xml version="1.0" encoding="utf-8"?>
+<file path=ppt/diagrams/layout4.xml><?xml version="1.0" encoding="utf-8"?>
 <dgm:layoutDef xmlns:dgm="http://schemas.openxmlformats.org/drawingml/2006/diagram" xmlns:a="http://schemas.openxmlformats.org/drawingml/2006/main" uniqueId="urn:microsoft.com/office/officeart/2016/7/layout/BasicLinearProcessNumbered">
   <dgm:title val="Basic Linear Process Numbered"/>
   <dgm:desc val="Used to show a progression; a timeline; sequential steps in a task, process, or workflow; or to emphasize movement or direction. Automatic numbers have been introduced to show the steps of the process which appears in a circle. Level 1 and Level 2 text appear in a rectangle."/>
@@ -7225,6 +9349,1040 @@
 </file>
 
 <file path=ppt/diagrams/quickStyle2.xml><?xml version="1.0" encoding="utf-8"?>
+<dgm:styleDef xmlns:dgm="http://schemas.openxmlformats.org/drawingml/2006/diagram" xmlns:a="http://schemas.openxmlformats.org/drawingml/2006/main" uniqueId="urn:microsoft.com/office/officeart/2005/8/quickstyle/simple1">
+  <dgm:title val=""/>
+  <dgm:desc val=""/>
+  <dgm:catLst>
+    <dgm:cat type="simple" pri="10100"/>
+  </dgm:catLst>
+  <dgm:scene3d>
+    <a:camera prst="orthographicFront"/>
+    <a:lightRig rig="threePt" dir="t"/>
+  </dgm:scene3d>
+  <dgm:styleLbl name="node0">
+    <dgm:scene3d>
+      <a:camera prst="orthographicFront"/>
+      <a:lightRig rig="threePt" dir="t"/>
+    </dgm:scene3d>
+    <dgm:sp3d/>
+    <dgm:txPr/>
+    <dgm:style>
+      <a:lnRef idx="2">
+        <a:scrgbClr r="0" g="0" b="0"/>
+      </a:lnRef>
+      <a:fillRef idx="1">
+        <a:scrgbClr r="0" g="0" b="0"/>
+      </a:fillRef>
+      <a:effectRef idx="0">
+        <a:scrgbClr r="0" g="0" b="0"/>
+      </a:effectRef>
+      <a:fontRef idx="minor">
+        <a:schemeClr val="lt1"/>
+      </a:fontRef>
+    </dgm:style>
+  </dgm:styleLbl>
+  <dgm:styleLbl name="lnNode1">
+    <dgm:scene3d>
+      <a:camera prst="orthographicFront"/>
+      <a:lightRig rig="threePt" dir="t"/>
+    </dgm:scene3d>
+    <dgm:sp3d/>
+    <dgm:txPr/>
+    <dgm:style>
+      <a:lnRef idx="2">
+        <a:scrgbClr r="0" g="0" b="0"/>
+      </a:lnRef>
+      <a:fillRef idx="1">
+        <a:scrgbClr r="0" g="0" b="0"/>
+      </a:fillRef>
+      <a:effectRef idx="0">
+        <a:scrgbClr r="0" g="0" b="0"/>
+      </a:effectRef>
+      <a:fontRef idx="minor">
+        <a:schemeClr val="lt1"/>
+      </a:fontRef>
+    </dgm:style>
+  </dgm:styleLbl>
+  <dgm:styleLbl name="vennNode1">
+    <dgm:scene3d>
+      <a:camera prst="orthographicFront"/>
+      <a:lightRig rig="threePt" dir="t"/>
+    </dgm:scene3d>
+    <dgm:sp3d/>
+    <dgm:txPr/>
+    <dgm:style>
+      <a:lnRef idx="2">
+        <a:scrgbClr r="0" g="0" b="0"/>
+      </a:lnRef>
+      <a:fillRef idx="1">
+        <a:scrgbClr r="0" g="0" b="0"/>
+      </a:fillRef>
+      <a:effectRef idx="0">
+        <a:scrgbClr r="0" g="0" b="0"/>
+      </a:effectRef>
+      <a:fontRef idx="minor">
+        <a:schemeClr val="tx1"/>
+      </a:fontRef>
+    </dgm:style>
+  </dgm:styleLbl>
+  <dgm:styleLbl name="alignNode1">
+    <dgm:scene3d>
+      <a:camera prst="orthographicFront"/>
+      <a:lightRig rig="threePt" dir="t"/>
+    </dgm:scene3d>
+    <dgm:sp3d/>
+    <dgm:txPr/>
+    <dgm:style>
+      <a:lnRef idx="2">
+        <a:scrgbClr r="0" g="0" b="0"/>
+      </a:lnRef>
+      <a:fillRef idx="1">
+        <a:scrgbClr r="0" g="0" b="0"/>
+      </a:fillRef>
+      <a:effectRef idx="0">
+        <a:scrgbClr r="0" g="0" b="0"/>
+      </a:effectRef>
+      <a:fontRef idx="minor">
+        <a:schemeClr val="lt1"/>
+      </a:fontRef>
+    </dgm:style>
+  </dgm:styleLbl>
+  <dgm:styleLbl name="node1">
+    <dgm:scene3d>
+      <a:camera prst="orthographicFront"/>
+      <a:lightRig rig="threePt" dir="t"/>
+    </dgm:scene3d>
+    <dgm:sp3d/>
+    <dgm:txPr/>
+    <dgm:style>
+      <a:lnRef idx="2">
+        <a:scrgbClr r="0" g="0" b="0"/>
+      </a:lnRef>
+      <a:fillRef idx="1">
+        <a:scrgbClr r="0" g="0" b="0"/>
+      </a:fillRef>
+      <a:effectRef idx="0">
+        <a:scrgbClr r="0" g="0" b="0"/>
+      </a:effectRef>
+      <a:fontRef idx="minor">
+        <a:schemeClr val="lt1"/>
+      </a:fontRef>
+    </dgm:style>
+  </dgm:styleLbl>
+  <dgm:styleLbl name="node2">
+    <dgm:scene3d>
+      <a:camera prst="orthographicFront"/>
+      <a:lightRig rig="threePt" dir="t"/>
+    </dgm:scene3d>
+    <dgm:sp3d/>
+    <dgm:txPr/>
+    <dgm:style>
+      <a:lnRef idx="2">
+        <a:scrgbClr r="0" g="0" b="0"/>
+      </a:lnRef>
+      <a:fillRef idx="1">
+        <a:scrgbClr r="0" g="0" b="0"/>
+      </a:fillRef>
+      <a:effectRef idx="0">
+        <a:scrgbClr r="0" g="0" b="0"/>
+      </a:effectRef>
+      <a:fontRef idx="minor">
+        <a:schemeClr val="lt1"/>
+      </a:fontRef>
+    </dgm:style>
+  </dgm:styleLbl>
+  <dgm:styleLbl name="node3">
+    <dgm:scene3d>
+      <a:camera prst="orthographicFront"/>
+      <a:lightRig rig="threePt" dir="t"/>
+    </dgm:scene3d>
+    <dgm:sp3d/>
+    <dgm:txPr/>
+    <dgm:style>
+      <a:lnRef idx="2">
+        <a:scrgbClr r="0" g="0" b="0"/>
+      </a:lnRef>
+      <a:fillRef idx="1">
+        <a:scrgbClr r="0" g="0" b="0"/>
+      </a:fillRef>
+      <a:effectRef idx="0">
+        <a:scrgbClr r="0" g="0" b="0"/>
+      </a:effectRef>
+      <a:fontRef idx="minor">
+        <a:schemeClr val="lt1"/>
+      </a:fontRef>
+    </dgm:style>
+  </dgm:styleLbl>
+  <dgm:styleLbl name="node4">
+    <dgm:scene3d>
+      <a:camera prst="orthographicFront"/>
+      <a:lightRig rig="threePt" dir="t"/>
+    </dgm:scene3d>
+    <dgm:sp3d/>
+    <dgm:txPr/>
+    <dgm:style>
+      <a:lnRef idx="2">
+        <a:scrgbClr r="0" g="0" b="0"/>
+      </a:lnRef>
+      <a:fillRef idx="1">
+        <a:scrgbClr r="0" g="0" b="0"/>
+      </a:fillRef>
+      <a:effectRef idx="0">
+        <a:scrgbClr r="0" g="0" b="0"/>
+      </a:effectRef>
+      <a:fontRef idx="minor">
+        <a:schemeClr val="lt1"/>
+      </a:fontRef>
+    </dgm:style>
+  </dgm:styleLbl>
+  <dgm:styleLbl name="fgImgPlace1">
+    <dgm:scene3d>
+      <a:camera prst="orthographicFront"/>
+      <a:lightRig rig="threePt" dir="t"/>
+    </dgm:scene3d>
+    <dgm:sp3d/>
+    <dgm:txPr/>
+    <dgm:style>
+      <a:lnRef idx="2">
+        <a:scrgbClr r="0" g="0" b="0"/>
+      </a:lnRef>
+      <a:fillRef idx="1">
+        <a:scrgbClr r="0" g="0" b="0"/>
+      </a:fillRef>
+      <a:effectRef idx="0">
+        <a:scrgbClr r="0" g="0" b="0"/>
+      </a:effectRef>
+      <a:fontRef idx="minor"/>
+    </dgm:style>
+  </dgm:styleLbl>
+  <dgm:styleLbl name="alignImgPlace1">
+    <dgm:scene3d>
+      <a:camera prst="orthographicFront"/>
+      <a:lightRig rig="threePt" dir="t"/>
+    </dgm:scene3d>
+    <dgm:sp3d/>
+    <dgm:txPr/>
+    <dgm:style>
+      <a:lnRef idx="2">
+        <a:scrgbClr r="0" g="0" b="0"/>
+      </a:lnRef>
+      <a:fillRef idx="1">
+        <a:scrgbClr r="0" g="0" b="0"/>
+      </a:fillRef>
+      <a:effectRef idx="0">
+        <a:scrgbClr r="0" g="0" b="0"/>
+      </a:effectRef>
+      <a:fontRef idx="minor"/>
+    </dgm:style>
+  </dgm:styleLbl>
+  <dgm:styleLbl name="bgImgPlace1">
+    <dgm:scene3d>
+      <a:camera prst="orthographicFront"/>
+      <a:lightRig rig="threePt" dir="t"/>
+    </dgm:scene3d>
+    <dgm:sp3d/>
+    <dgm:txPr/>
+    <dgm:style>
+      <a:lnRef idx="2">
+        <a:scrgbClr r="0" g="0" b="0"/>
+      </a:lnRef>
+      <a:fillRef idx="1">
+        <a:scrgbClr r="0" g="0" b="0"/>
+      </a:fillRef>
+      <a:effectRef idx="0">
+        <a:scrgbClr r="0" g="0" b="0"/>
+      </a:effectRef>
+      <a:fontRef idx="minor"/>
+    </dgm:style>
+  </dgm:styleLbl>
+  <dgm:styleLbl name="sibTrans2D1">
+    <dgm:scene3d>
+      <a:camera prst="orthographicFront"/>
+      <a:lightRig rig="threePt" dir="t"/>
+    </dgm:scene3d>
+    <dgm:sp3d/>
+    <dgm:txPr/>
+    <dgm:style>
+      <a:lnRef idx="0">
+        <a:scrgbClr r="0" g="0" b="0"/>
+      </a:lnRef>
+      <a:fillRef idx="1">
+        <a:scrgbClr r="0" g="0" b="0"/>
+      </a:fillRef>
+      <a:effectRef idx="0">
+        <a:scrgbClr r="0" g="0" b="0"/>
+      </a:effectRef>
+      <a:fontRef idx="minor">
+        <a:schemeClr val="lt1"/>
+      </a:fontRef>
+    </dgm:style>
+  </dgm:styleLbl>
+  <dgm:styleLbl name="fgSibTrans2D1">
+    <dgm:scene3d>
+      <a:camera prst="orthographicFront"/>
+      <a:lightRig rig="threePt" dir="t"/>
+    </dgm:scene3d>
+    <dgm:sp3d/>
+    <dgm:txPr/>
+    <dgm:style>
+      <a:lnRef idx="0">
+        <a:scrgbClr r="0" g="0" b="0"/>
+      </a:lnRef>
+      <a:fillRef idx="1">
+        <a:scrgbClr r="0" g="0" b="0"/>
+      </a:fillRef>
+      <a:effectRef idx="0">
+        <a:scrgbClr r="0" g="0" b="0"/>
+      </a:effectRef>
+      <a:fontRef idx="minor">
+        <a:schemeClr val="lt1"/>
+      </a:fontRef>
+    </dgm:style>
+  </dgm:styleLbl>
+  <dgm:styleLbl name="bgSibTrans2D1">
+    <dgm:scene3d>
+      <a:camera prst="orthographicFront"/>
+      <a:lightRig rig="threePt" dir="t"/>
+    </dgm:scene3d>
+    <dgm:sp3d/>
+    <dgm:txPr/>
+    <dgm:style>
+      <a:lnRef idx="0">
+        <a:scrgbClr r="0" g="0" b="0"/>
+      </a:lnRef>
+      <a:fillRef idx="1">
+        <a:scrgbClr r="0" g="0" b="0"/>
+      </a:fillRef>
+      <a:effectRef idx="0">
+        <a:scrgbClr r="0" g="0" b="0"/>
+      </a:effectRef>
+      <a:fontRef idx="minor">
+        <a:schemeClr val="lt1"/>
+      </a:fontRef>
+    </dgm:style>
+  </dgm:styleLbl>
+  <dgm:styleLbl name="sibTrans1D1">
+    <dgm:scene3d>
+      <a:camera prst="orthographicFront"/>
+      <a:lightRig rig="threePt" dir="t"/>
+    </dgm:scene3d>
+    <dgm:sp3d/>
+    <dgm:txPr/>
+    <dgm:style>
+      <a:lnRef idx="1">
+        <a:scrgbClr r="0" g="0" b="0"/>
+      </a:lnRef>
+      <a:fillRef idx="0">
+        <a:scrgbClr r="0" g="0" b="0"/>
+      </a:fillRef>
+      <a:effectRef idx="0">
+        <a:scrgbClr r="0" g="0" b="0"/>
+      </a:effectRef>
+      <a:fontRef idx="minor"/>
+    </dgm:style>
+  </dgm:styleLbl>
+  <dgm:styleLbl name="callout">
+    <dgm:scene3d>
+      <a:camera prst="orthographicFront"/>
+      <a:lightRig rig="threePt" dir="t"/>
+    </dgm:scene3d>
+    <dgm:sp3d/>
+    <dgm:txPr/>
+    <dgm:style>
+      <a:lnRef idx="2">
+        <a:scrgbClr r="0" g="0" b="0"/>
+      </a:lnRef>
+      <a:fillRef idx="1">
+        <a:scrgbClr r="0" g="0" b="0"/>
+      </a:fillRef>
+      <a:effectRef idx="0">
+        <a:scrgbClr r="0" g="0" b="0"/>
+      </a:effectRef>
+      <a:fontRef idx="minor"/>
+    </dgm:style>
+  </dgm:styleLbl>
+  <dgm:styleLbl name="asst0">
+    <dgm:scene3d>
+      <a:camera prst="orthographicFront"/>
+      <a:lightRig rig="threePt" dir="t"/>
+    </dgm:scene3d>
+    <dgm:sp3d/>
+    <dgm:txPr/>
+    <dgm:style>
+      <a:lnRef idx="2">
+        <a:scrgbClr r="0" g="0" b="0"/>
+      </a:lnRef>
+      <a:fillRef idx="1">
+        <a:scrgbClr r="0" g="0" b="0"/>
+      </a:fillRef>
+      <a:effectRef idx="0">
+        <a:scrgbClr r="0" g="0" b="0"/>
+      </a:effectRef>
+      <a:fontRef idx="minor">
+        <a:schemeClr val="lt1"/>
+      </a:fontRef>
+    </dgm:style>
+  </dgm:styleLbl>
+  <dgm:styleLbl name="asst1">
+    <dgm:scene3d>
+      <a:camera prst="orthographicFront"/>
+      <a:lightRig rig="threePt" dir="t"/>
+    </dgm:scene3d>
+    <dgm:sp3d/>
+    <dgm:txPr/>
+    <dgm:style>
+      <a:lnRef idx="2">
+        <a:scrgbClr r="0" g="0" b="0"/>
+      </a:lnRef>
+      <a:fillRef idx="1">
+        <a:scrgbClr r="0" g="0" b="0"/>
+      </a:fillRef>
+      <a:effectRef idx="0">
+        <a:scrgbClr r="0" g="0" b="0"/>
+      </a:effectRef>
+      <a:fontRef idx="minor">
+        <a:schemeClr val="lt1"/>
+      </a:fontRef>
+    </dgm:style>
+  </dgm:styleLbl>
+  <dgm:styleLbl name="asst2">
+    <dgm:scene3d>
+      <a:camera prst="orthographicFront"/>
+      <a:lightRig rig="threePt" dir="t"/>
+    </dgm:scene3d>
+    <dgm:sp3d/>
+    <dgm:txPr/>
+    <dgm:style>
+      <a:lnRef idx="2">
+        <a:scrgbClr r="0" g="0" b="0"/>
+      </a:lnRef>
+      <a:fillRef idx="1">
+        <a:scrgbClr r="0" g="0" b="0"/>
+      </a:fillRef>
+      <a:effectRef idx="0">
+        <a:scrgbClr r="0" g="0" b="0"/>
+      </a:effectRef>
+      <a:fontRef idx="minor">
+        <a:schemeClr val="lt1"/>
+      </a:fontRef>
+    </dgm:style>
+  </dgm:styleLbl>
+  <dgm:styleLbl name="asst3">
+    <dgm:scene3d>
+      <a:camera prst="orthographicFront"/>
+      <a:lightRig rig="threePt" dir="t"/>
+    </dgm:scene3d>
+    <dgm:sp3d/>
+    <dgm:txPr/>
+    <dgm:style>
+      <a:lnRef idx="2">
+        <a:scrgbClr r="0" g="0" b="0"/>
+      </a:lnRef>
+      <a:fillRef idx="1">
+        <a:scrgbClr r="0" g="0" b="0"/>
+      </a:fillRef>
+      <a:effectRef idx="0">
+        <a:scrgbClr r="0" g="0" b="0"/>
+      </a:effectRef>
+      <a:fontRef idx="minor">
+        <a:schemeClr val="lt1"/>
+      </a:fontRef>
+    </dgm:style>
+  </dgm:styleLbl>
+  <dgm:styleLbl name="asst4">
+    <dgm:scene3d>
+      <a:camera prst="orthographicFront"/>
+      <a:lightRig rig="threePt" dir="t"/>
+    </dgm:scene3d>
+    <dgm:sp3d/>
+    <dgm:txPr/>
+    <dgm:style>
+      <a:lnRef idx="2">
+        <a:scrgbClr r="0" g="0" b="0"/>
+      </a:lnRef>
+      <a:fillRef idx="1">
+        <a:scrgbClr r="0" g="0" b="0"/>
+      </a:fillRef>
+      <a:effectRef idx="0">
+        <a:scrgbClr r="0" g="0" b="0"/>
+      </a:effectRef>
+      <a:fontRef idx="minor">
+        <a:schemeClr val="lt1"/>
+      </a:fontRef>
+    </dgm:style>
+  </dgm:styleLbl>
+  <dgm:styleLbl name="parChTrans2D1">
+    <dgm:scene3d>
+      <a:camera prst="orthographicFront"/>
+      <a:lightRig rig="threePt" dir="t"/>
+    </dgm:scene3d>
+    <dgm:sp3d/>
+    <dgm:txPr/>
+    <dgm:style>
+      <a:lnRef idx="2">
+        <a:scrgbClr r="0" g="0" b="0"/>
+      </a:lnRef>
+      <a:fillRef idx="1">
+        <a:scrgbClr r="0" g="0" b="0"/>
+      </a:fillRef>
+      <a:effectRef idx="0">
+        <a:scrgbClr r="0" g="0" b="0"/>
+      </a:effectRef>
+      <a:fontRef idx="minor">
+        <a:schemeClr val="lt1"/>
+      </a:fontRef>
+    </dgm:style>
+  </dgm:styleLbl>
+  <dgm:styleLbl name="parChTrans2D2">
+    <dgm:scene3d>
+      <a:camera prst="orthographicFront"/>
+      <a:lightRig rig="threePt" dir="t"/>
+    </dgm:scene3d>
+    <dgm:sp3d/>
+    <dgm:txPr/>
+    <dgm:style>
+      <a:lnRef idx="2">
+        <a:scrgbClr r="0" g="0" b="0"/>
+      </a:lnRef>
+      <a:fillRef idx="1">
+        <a:scrgbClr r="0" g="0" b="0"/>
+      </a:fillRef>
+      <a:effectRef idx="0">
+        <a:scrgbClr r="0" g="0" b="0"/>
+      </a:effectRef>
+      <a:fontRef idx="minor">
+        <a:schemeClr val="lt1"/>
+      </a:fontRef>
+    </dgm:style>
+  </dgm:styleLbl>
+  <dgm:styleLbl name="parChTrans2D3">
+    <dgm:scene3d>
+      <a:camera prst="orthographicFront"/>
+      <a:lightRig rig="threePt" dir="t"/>
+    </dgm:scene3d>
+    <dgm:sp3d/>
+    <dgm:txPr/>
+    <dgm:style>
+      <a:lnRef idx="2">
+        <a:scrgbClr r="0" g="0" b="0"/>
+      </a:lnRef>
+      <a:fillRef idx="1">
+        <a:scrgbClr r="0" g="0" b="0"/>
+      </a:fillRef>
+      <a:effectRef idx="0">
+        <a:scrgbClr r="0" g="0" b="0"/>
+      </a:effectRef>
+      <a:fontRef idx="minor">
+        <a:schemeClr val="lt1"/>
+      </a:fontRef>
+    </dgm:style>
+  </dgm:styleLbl>
+  <dgm:styleLbl name="parChTrans2D4">
+    <dgm:scene3d>
+      <a:camera prst="orthographicFront"/>
+      <a:lightRig rig="threePt" dir="t"/>
+    </dgm:scene3d>
+    <dgm:sp3d/>
+    <dgm:txPr/>
+    <dgm:style>
+      <a:lnRef idx="2">
+        <a:scrgbClr r="0" g="0" b="0"/>
+      </a:lnRef>
+      <a:fillRef idx="1">
+        <a:scrgbClr r="0" g="0" b="0"/>
+      </a:fillRef>
+      <a:effectRef idx="0">
+        <a:scrgbClr r="0" g="0" b="0"/>
+      </a:effectRef>
+      <a:fontRef idx="minor">
+        <a:schemeClr val="lt1"/>
+      </a:fontRef>
+    </dgm:style>
+  </dgm:styleLbl>
+  <dgm:styleLbl name="parChTrans1D1">
+    <dgm:scene3d>
+      <a:camera prst="orthographicFront"/>
+      <a:lightRig rig="threePt" dir="t"/>
+    </dgm:scene3d>
+    <dgm:sp3d/>
+    <dgm:txPr/>
+    <dgm:style>
+      <a:lnRef idx="2">
+        <a:scrgbClr r="0" g="0" b="0"/>
+      </a:lnRef>
+      <a:fillRef idx="0">
+        <a:scrgbClr r="0" g="0" b="0"/>
+      </a:fillRef>
+      <a:effectRef idx="0">
+        <a:scrgbClr r="0" g="0" b="0"/>
+      </a:effectRef>
+      <a:fontRef idx="minor"/>
+    </dgm:style>
+  </dgm:styleLbl>
+  <dgm:styleLbl name="parChTrans1D2">
+    <dgm:scene3d>
+      <a:camera prst="orthographicFront"/>
+      <a:lightRig rig="threePt" dir="t"/>
+    </dgm:scene3d>
+    <dgm:sp3d/>
+    <dgm:txPr/>
+    <dgm:style>
+      <a:lnRef idx="2">
+        <a:scrgbClr r="0" g="0" b="0"/>
+      </a:lnRef>
+      <a:fillRef idx="0">
+        <a:scrgbClr r="0" g="0" b="0"/>
+      </a:fillRef>
+      <a:effectRef idx="0">
+        <a:scrgbClr r="0" g="0" b="0"/>
+      </a:effectRef>
+      <a:fontRef idx="minor"/>
+    </dgm:style>
+  </dgm:styleLbl>
+  <dgm:styleLbl name="parChTrans1D3">
+    <dgm:scene3d>
+      <a:camera prst="orthographicFront"/>
+      <a:lightRig rig="threePt" dir="t"/>
+    </dgm:scene3d>
+    <dgm:sp3d/>
+    <dgm:txPr/>
+    <dgm:style>
+      <a:lnRef idx="2">
+        <a:scrgbClr r="0" g="0" b="0"/>
+      </a:lnRef>
+      <a:fillRef idx="0">
+        <a:scrgbClr r="0" g="0" b="0"/>
+      </a:fillRef>
+      <a:effectRef idx="0">
+        <a:scrgbClr r="0" g="0" b="0"/>
+      </a:effectRef>
+      <a:fontRef idx="minor"/>
+    </dgm:style>
+  </dgm:styleLbl>
+  <dgm:styleLbl name="parChTrans1D4">
+    <dgm:scene3d>
+      <a:camera prst="orthographicFront"/>
+      <a:lightRig rig="threePt" dir="t"/>
+    </dgm:scene3d>
+    <dgm:sp3d/>
+    <dgm:txPr/>
+    <dgm:style>
+      <a:lnRef idx="2">
+        <a:scrgbClr r="0" g="0" b="0"/>
+      </a:lnRef>
+      <a:fillRef idx="0">
+        <a:scrgbClr r="0" g="0" b="0"/>
+      </a:fillRef>
+      <a:effectRef idx="0">
+        <a:scrgbClr r="0" g="0" b="0"/>
+      </a:effectRef>
+      <a:fontRef idx="minor"/>
+    </dgm:style>
+  </dgm:styleLbl>
+  <dgm:styleLbl name="fgAcc1">
+    <dgm:scene3d>
+      <a:camera prst="orthographicFront"/>
+      <a:lightRig rig="threePt" dir="t"/>
+    </dgm:scene3d>
+    <dgm:sp3d/>
+    <dgm:txPr/>
+    <dgm:style>
+      <a:lnRef idx="2">
+        <a:scrgbClr r="0" g="0" b="0"/>
+      </a:lnRef>
+      <a:fillRef idx="1">
+        <a:scrgbClr r="0" g="0" b="0"/>
+      </a:fillRef>
+      <a:effectRef idx="0">
+        <a:scrgbClr r="0" g="0" b="0"/>
+      </a:effectRef>
+      <a:fontRef idx="minor"/>
+    </dgm:style>
+  </dgm:styleLbl>
+  <dgm:styleLbl name="conFgAcc1">
+    <dgm:scene3d>
+      <a:camera prst="orthographicFront"/>
+      <a:lightRig rig="threePt" dir="t"/>
+    </dgm:scene3d>
+    <dgm:sp3d/>
+    <dgm:txPr/>
+    <dgm:style>
+      <a:lnRef idx="2">
+        <a:scrgbClr r="0" g="0" b="0"/>
+      </a:lnRef>
+      <a:fillRef idx="1">
+        <a:scrgbClr r="0" g="0" b="0"/>
+      </a:fillRef>
+      <a:effectRef idx="0">
+        <a:scrgbClr r="0" g="0" b="0"/>
+      </a:effectRef>
+      <a:fontRef idx="minor"/>
+    </dgm:style>
+  </dgm:styleLbl>
+  <dgm:styleLbl name="alignAcc1">
+    <dgm:scene3d>
+      <a:camera prst="orthographicFront"/>
+      <a:lightRig rig="threePt" dir="t"/>
+    </dgm:scene3d>
+    <dgm:sp3d/>
+    <dgm:txPr/>
+    <dgm:style>
+      <a:lnRef idx="2">
+        <a:scrgbClr r="0" g="0" b="0"/>
+      </a:lnRef>
+      <a:fillRef idx="1">
+        <a:scrgbClr r="0" g="0" b="0"/>
+      </a:fillRef>
+      <a:effectRef idx="0">
+        <a:scrgbClr r="0" g="0" b="0"/>
+      </a:effectRef>
+      <a:fontRef idx="minor"/>
+    </dgm:style>
+  </dgm:styleLbl>
+  <dgm:styleLbl name="trAlignAcc1">
+    <dgm:scene3d>
+      <a:camera prst="orthographicFront"/>
+      <a:lightRig rig="threePt" dir="t"/>
+    </dgm:scene3d>
+    <dgm:sp3d/>
+    <dgm:txPr/>
+    <dgm:style>
+      <a:lnRef idx="1">
+        <a:scrgbClr r="0" g="0" b="0"/>
+      </a:lnRef>
+      <a:fillRef idx="1">
+        <a:scrgbClr r="0" g="0" b="0"/>
+      </a:fillRef>
+      <a:effectRef idx="0">
+        <a:scrgbClr r="0" g="0" b="0"/>
+      </a:effectRef>
+      <a:fontRef idx="minor"/>
+    </dgm:style>
+  </dgm:styleLbl>
+  <dgm:styleLbl name="bgAcc1">
+    <dgm:scene3d>
+      <a:camera prst="orthographicFront"/>
+      <a:lightRig rig="threePt" dir="t"/>
+    </dgm:scene3d>
+    <dgm:sp3d/>
+    <dgm:txPr/>
+    <dgm:style>
+      <a:lnRef idx="2">
+        <a:scrgbClr r="0" g="0" b="0"/>
+      </a:lnRef>
+      <a:fillRef idx="1">
+        <a:scrgbClr r="0" g="0" b="0"/>
+      </a:fillRef>
+      <a:effectRef idx="0">
+        <a:scrgbClr r="0" g="0" b="0"/>
+      </a:effectRef>
+      <a:fontRef idx="minor"/>
+    </dgm:style>
+  </dgm:styleLbl>
+  <dgm:styleLbl name="solidFgAcc1">
+    <dgm:scene3d>
+      <a:camera prst="orthographicFront"/>
+      <a:lightRig rig="threePt" dir="t"/>
+    </dgm:scene3d>
+    <dgm:sp3d/>
+    <dgm:txPr/>
+    <dgm:style>
+      <a:lnRef idx="2">
+        <a:scrgbClr r="0" g="0" b="0"/>
+      </a:lnRef>
+      <a:fillRef idx="1">
+        <a:scrgbClr r="0" g="0" b="0"/>
+      </a:fillRef>
+      <a:effectRef idx="0">
+        <a:scrgbClr r="0" g="0" b="0"/>
+      </a:effectRef>
+      <a:fontRef idx="minor"/>
+    </dgm:style>
+  </dgm:styleLbl>
+  <dgm:styleLbl name="solidAlignAcc1">
+    <dgm:scene3d>
+      <a:camera prst="orthographicFront"/>
+      <a:lightRig rig="threePt" dir="t"/>
+    </dgm:scene3d>
+    <dgm:sp3d/>
+    <dgm:txPr/>
+    <dgm:style>
+      <a:lnRef idx="2">
+        <a:scrgbClr r="0" g="0" b="0"/>
+      </a:lnRef>
+      <a:fillRef idx="1">
+        <a:scrgbClr r="0" g="0" b="0"/>
+      </a:fillRef>
+      <a:effectRef idx="0">
+        <a:scrgbClr r="0" g="0" b="0"/>
+      </a:effectRef>
+      <a:fontRef idx="minor"/>
+    </dgm:style>
+  </dgm:styleLbl>
+  <dgm:styleLbl name="solidBgAcc1">
+    <dgm:scene3d>
+      <a:camera prst="orthographicFront"/>
+      <a:lightRig rig="threePt" dir="t"/>
+    </dgm:scene3d>
+    <dgm:sp3d/>
+    <dgm:txPr/>
+    <dgm:style>
+      <a:lnRef idx="2">
+        <a:scrgbClr r="0" g="0" b="0"/>
+      </a:lnRef>
+      <a:fillRef idx="1">
+        <a:scrgbClr r="0" g="0" b="0"/>
+      </a:fillRef>
+      <a:effectRef idx="0">
+        <a:scrgbClr r="0" g="0" b="0"/>
+      </a:effectRef>
+      <a:fontRef idx="minor"/>
+    </dgm:style>
+  </dgm:styleLbl>
+  <dgm:styleLbl name="fgAccFollowNode1">
+    <dgm:scene3d>
+      <a:camera prst="orthographicFront"/>
+      <a:lightRig rig="threePt" dir="t"/>
+    </dgm:scene3d>
+    <dgm:sp3d/>
+    <dgm:txPr/>
+    <dgm:style>
+      <a:lnRef idx="2">
+        <a:scrgbClr r="0" g="0" b="0"/>
+      </a:lnRef>
+      <a:fillRef idx="1">
+        <a:scrgbClr r="0" g="0" b="0"/>
+      </a:fillRef>
+      <a:effectRef idx="0">
+        <a:scrgbClr r="0" g="0" b="0"/>
+      </a:effectRef>
+      <a:fontRef idx="minor"/>
+    </dgm:style>
+  </dgm:styleLbl>
+  <dgm:styleLbl name="alignAccFollowNode1">
+    <dgm:scene3d>
+      <a:camera prst="orthographicFront"/>
+      <a:lightRig rig="threePt" dir="t"/>
+    </dgm:scene3d>
+    <dgm:sp3d/>
+    <dgm:txPr/>
+    <dgm:style>
+      <a:lnRef idx="2">
+        <a:scrgbClr r="0" g="0" b="0"/>
+      </a:lnRef>
+      <a:fillRef idx="1">
+        <a:scrgbClr r="0" g="0" b="0"/>
+      </a:fillRef>
+      <a:effectRef idx="0">
+        <a:scrgbClr r="0" g="0" b="0"/>
+      </a:effectRef>
+      <a:fontRef idx="minor"/>
+    </dgm:style>
+  </dgm:styleLbl>
+  <dgm:styleLbl name="bgAccFollowNode1">
+    <dgm:scene3d>
+      <a:camera prst="orthographicFront"/>
+      <a:lightRig rig="threePt" dir="t"/>
+    </dgm:scene3d>
+    <dgm:sp3d/>
+    <dgm:txPr/>
+    <dgm:style>
+      <a:lnRef idx="2">
+        <a:scrgbClr r="0" g="0" b="0"/>
+      </a:lnRef>
+      <a:fillRef idx="1">
+        <a:scrgbClr r="0" g="0" b="0"/>
+      </a:fillRef>
+      <a:effectRef idx="0">
+        <a:scrgbClr r="0" g="0" b="0"/>
+      </a:effectRef>
+      <a:fontRef idx="minor"/>
+    </dgm:style>
+  </dgm:styleLbl>
+  <dgm:styleLbl name="fgAcc0">
+    <dgm:scene3d>
+      <a:camera prst="orthographicFront"/>
+      <a:lightRig rig="threePt" dir="t"/>
+    </dgm:scene3d>
+    <dgm:sp3d/>
+    <dgm:txPr/>
+    <dgm:style>
+      <a:lnRef idx="2">
+        <a:scrgbClr r="0" g="0" b="0"/>
+      </a:lnRef>
+      <a:fillRef idx="1">
+        <a:scrgbClr r="0" g="0" b="0"/>
+      </a:fillRef>
+      <a:effectRef idx="0">
+        <a:scrgbClr r="0" g="0" b="0"/>
+      </a:effectRef>
+      <a:fontRef idx="minor"/>
+    </dgm:style>
+  </dgm:styleLbl>
+  <dgm:styleLbl name="fgAcc2">
+    <dgm:scene3d>
+      <a:camera prst="orthographicFront"/>
+      <a:lightRig rig="threePt" dir="t"/>
+    </dgm:scene3d>
+    <dgm:sp3d/>
+    <dgm:txPr/>
+    <dgm:style>
+      <a:lnRef idx="2">
+        <a:scrgbClr r="0" g="0" b="0"/>
+      </a:lnRef>
+      <a:fillRef idx="1">
+        <a:scrgbClr r="0" g="0" b="0"/>
+      </a:fillRef>
+      <a:effectRef idx="0">
+        <a:scrgbClr r="0" g="0" b="0"/>
+      </a:effectRef>
+      <a:fontRef idx="minor"/>
+    </dgm:style>
+  </dgm:styleLbl>
+  <dgm:styleLbl name="fgAcc3">
+    <dgm:scene3d>
+      <a:camera prst="orthographicFront"/>
+      <a:lightRig rig="threePt" dir="t"/>
+    </dgm:scene3d>
+    <dgm:sp3d/>
+    <dgm:txPr/>
+    <dgm:style>
+      <a:lnRef idx="2">
+        <a:scrgbClr r="0" g="0" b="0"/>
+      </a:lnRef>
+      <a:fillRef idx="1">
+        <a:scrgbClr r="0" g="0" b="0"/>
+      </a:fillRef>
+      <a:effectRef idx="0">
+        <a:scrgbClr r="0" g="0" b="0"/>
+      </a:effectRef>
+      <a:fontRef idx="minor"/>
+    </dgm:style>
+  </dgm:styleLbl>
+  <dgm:styleLbl name="fgAcc4">
+    <dgm:scene3d>
+      <a:camera prst="orthographicFront"/>
+      <a:lightRig rig="threePt" dir="t"/>
+    </dgm:scene3d>
+    <dgm:sp3d/>
+    <dgm:txPr/>
+    <dgm:style>
+      <a:lnRef idx="2">
+        <a:scrgbClr r="0" g="0" b="0"/>
+      </a:lnRef>
+      <a:fillRef idx="1">
+        <a:scrgbClr r="0" g="0" b="0"/>
+      </a:fillRef>
+      <a:effectRef idx="0">
+        <a:scrgbClr r="0" g="0" b="0"/>
+      </a:effectRef>
+      <a:fontRef idx="minor"/>
+    </dgm:style>
+  </dgm:styleLbl>
+  <dgm:styleLbl name="bgShp">
+    <dgm:scene3d>
+      <a:camera prst="orthographicFront"/>
+      <a:lightRig rig="threePt" dir="t"/>
+    </dgm:scene3d>
+    <dgm:sp3d/>
+    <dgm:txPr/>
+    <dgm:style>
+      <a:lnRef idx="0">
+        <a:scrgbClr r="0" g="0" b="0"/>
+      </a:lnRef>
+      <a:fillRef idx="1">
+        <a:scrgbClr r="0" g="0" b="0"/>
+      </a:fillRef>
+      <a:effectRef idx="0">
+        <a:scrgbClr r="0" g="0" b="0"/>
+      </a:effectRef>
+      <a:fontRef idx="minor"/>
+    </dgm:style>
+  </dgm:styleLbl>
+  <dgm:styleLbl name="dkBgShp">
+    <dgm:scene3d>
+      <a:camera prst="orthographicFront"/>
+      <a:lightRig rig="threePt" dir="t"/>
+    </dgm:scene3d>
+    <dgm:sp3d/>
+    <dgm:txPr/>
+    <dgm:style>
+      <a:lnRef idx="0">
+        <a:scrgbClr r="0" g="0" b="0"/>
+      </a:lnRef>
+      <a:fillRef idx="1">
+        <a:scrgbClr r="0" g="0" b="0"/>
+      </a:fillRef>
+      <a:effectRef idx="0">
+        <a:scrgbClr r="0" g="0" b="0"/>
+      </a:effectRef>
+      <a:fontRef idx="minor"/>
+    </dgm:style>
+  </dgm:styleLbl>
+  <dgm:styleLbl name="trBgShp">
+    <dgm:scene3d>
+      <a:camera prst="orthographicFront"/>
+      <a:lightRig rig="threePt" dir="t"/>
+    </dgm:scene3d>
+    <dgm:sp3d/>
+    <dgm:txPr/>
+    <dgm:style>
+      <a:lnRef idx="0">
+        <a:scrgbClr r="0" g="0" b="0"/>
+      </a:lnRef>
+      <a:fillRef idx="1">
+        <a:scrgbClr r="0" g="0" b="0"/>
+      </a:fillRef>
+      <a:effectRef idx="0">
+        <a:scrgbClr r="0" g="0" b="0"/>
+      </a:effectRef>
+      <a:fontRef idx="minor"/>
+    </dgm:style>
+  </dgm:styleLbl>
+  <dgm:styleLbl name="fgShp">
+    <dgm:scene3d>
+      <a:camera prst="orthographicFront"/>
+      <a:lightRig rig="threePt" dir="t"/>
+    </dgm:scene3d>
+    <dgm:sp3d/>
+    <dgm:txPr/>
+    <dgm:style>
+      <a:lnRef idx="2">
+        <a:scrgbClr r="0" g="0" b="0"/>
+      </a:lnRef>
+      <a:fillRef idx="1">
+        <a:scrgbClr r="0" g="0" b="0"/>
+      </a:fillRef>
+      <a:effectRef idx="0">
+        <a:scrgbClr r="0" g="0" b="0"/>
+      </a:effectRef>
+      <a:fontRef idx="minor"/>
+    </dgm:style>
+  </dgm:styleLbl>
+  <dgm:styleLbl name="revTx">
+    <dgm:scene3d>
+      <a:camera prst="orthographicFront"/>
+      <a:lightRig rig="threePt" dir="t"/>
+    </dgm:scene3d>
+    <dgm:sp3d/>
+    <dgm:txPr/>
+    <dgm:style>
+      <a:lnRef idx="0">
+        <a:scrgbClr r="0" g="0" b="0"/>
+      </a:lnRef>
+      <a:fillRef idx="0">
+        <a:scrgbClr r="0" g="0" b="0"/>
+      </a:fillRef>
+      <a:effectRef idx="0">
+        <a:scrgbClr r="0" g="0" b="0"/>
+      </a:effectRef>
+      <a:fontRef idx="minor"/>
+    </dgm:style>
+  </dgm:styleLbl>
+</dgm:styleDef>
+</file>
+
+<file path=ppt/diagrams/quickStyle3.xml><?xml version="1.0" encoding="utf-8"?>
 <dgm:styleDef xmlns:dgm="http://schemas.openxmlformats.org/drawingml/2006/diagram" xmlns:a="http://schemas.openxmlformats.org/drawingml/2006/main" uniqueId="urn:microsoft.com/office/officeart/2005/8/quickstyle/simple4">
   <dgm:title val=""/>
   <dgm:desc val=""/>
@@ -8258,7 +11416,7 @@
 </dgm:styleDef>
 </file>
 
-<file path=ppt/diagrams/quickStyle3.xml><?xml version="1.0" encoding="utf-8"?>
+<file path=ppt/diagrams/quickStyle4.xml><?xml version="1.0" encoding="utf-8"?>
 <dgm:styleDef xmlns:dgm="http://schemas.openxmlformats.org/drawingml/2006/diagram" xmlns:a="http://schemas.openxmlformats.org/drawingml/2006/main" uniqueId="urn:microsoft.com/office/officeart/2005/8/quickstyle/simple1">
   <dgm:title val=""/>
   <dgm:desc val=""/>
@@ -9374,7 +12532,7 @@
           <a:p>
             <a:fld id="{34613A2A-6ED0-4AA8-B527-2593DCBACD3D}" type="datetimeFigureOut">
               <a:rPr lang="en-US" smtClean="0"/>
-              <a:t>7/21/2024</a:t>
+              <a:t>7/25/2024</a:t>
             </a:fld>
             <a:endParaRPr lang="en-US"/>
           </a:p>
@@ -9879,7 +13037,7 @@
           <a:p>
             <a:fld id="{1C8322F6-1C60-46CF-968C-BC20E470F443}" type="datetimeFigureOut">
               <a:rPr lang="en-US" smtClean="0"/>
-              <a:t>7/21/2024</a:t>
+              <a:t>7/25/2024</a:t>
             </a:fld>
             <a:endParaRPr lang="en-US"/>
           </a:p>
@@ -10211,7 +13369,7 @@
           <a:p>
             <a:fld id="{1C8322F6-1C60-46CF-968C-BC20E470F443}" type="datetimeFigureOut">
               <a:rPr lang="en-US" smtClean="0"/>
-              <a:t>7/21/2024</a:t>
+              <a:t>7/25/2024</a:t>
             </a:fld>
             <a:endParaRPr lang="en-US"/>
           </a:p>
@@ -10462,7 +13620,7 @@
           <a:p>
             <a:fld id="{1C8322F6-1C60-46CF-968C-BC20E470F443}" type="datetimeFigureOut">
               <a:rPr lang="en-US" smtClean="0"/>
-              <a:t>7/21/2024</a:t>
+              <a:t>7/25/2024</a:t>
             </a:fld>
             <a:endParaRPr lang="en-US"/>
           </a:p>
@@ -10794,7 +13952,7 @@
           <a:p>
             <a:fld id="{1C8322F6-1C60-46CF-968C-BC20E470F443}" type="datetimeFigureOut">
               <a:rPr lang="en-US" smtClean="0"/>
-              <a:t>7/21/2024</a:t>
+              <a:t>7/25/2024</a:t>
             </a:fld>
             <a:endParaRPr lang="en-US"/>
           </a:p>
@@ -11074,7 +14232,7 @@
           <a:p>
             <a:fld id="{1C8322F6-1C60-46CF-968C-BC20E470F443}" type="datetimeFigureOut">
               <a:rPr lang="en-US" smtClean="0"/>
-              <a:t>7/21/2024</a:t>
+              <a:t>7/25/2024</a:t>
             </a:fld>
             <a:endParaRPr lang="en-US"/>
           </a:p>
@@ -11473,7 +14631,7 @@
           <a:p>
             <a:fld id="{1C8322F6-1C60-46CF-968C-BC20E470F443}" type="datetimeFigureOut">
               <a:rPr lang="en-US" smtClean="0"/>
-              <a:t>7/21/2024</a:t>
+              <a:t>7/25/2024</a:t>
             </a:fld>
             <a:endParaRPr lang="en-US"/>
           </a:p>
@@ -11932,7 +15090,7 @@
           <a:p>
             <a:fld id="{1C8322F6-1C60-46CF-968C-BC20E470F443}" type="datetimeFigureOut">
               <a:rPr lang="en-US" smtClean="0"/>
-              <a:t>7/21/2024</a:t>
+              <a:t>7/25/2024</a:t>
             </a:fld>
             <a:endParaRPr lang="en-US"/>
           </a:p>
@@ -12164,7 +15322,7 @@
           <a:p>
             <a:fld id="{1C8322F6-1C60-46CF-968C-BC20E470F443}" type="datetimeFigureOut">
               <a:rPr lang="en-US" smtClean="0"/>
-              <a:t>7/21/2024</a:t>
+              <a:t>7/25/2024</a:t>
             </a:fld>
             <a:endParaRPr lang="en-US"/>
           </a:p>
@@ -12363,7 +15521,7 @@
           <a:p>
             <a:fld id="{1C8322F6-1C60-46CF-968C-BC20E470F443}" type="datetimeFigureOut">
               <a:rPr lang="en-US" smtClean="0"/>
-              <a:t>7/21/2024</a:t>
+              <a:t>7/25/2024</a:t>
             </a:fld>
             <a:endParaRPr lang="en-US"/>
           </a:p>
@@ -12674,7 +15832,7 @@
           <a:p>
             <a:fld id="{1C8322F6-1C60-46CF-968C-BC20E470F443}" type="datetimeFigureOut">
               <a:rPr lang="en-US" smtClean="0"/>
-              <a:t>7/21/2024</a:t>
+              <a:t>7/25/2024</a:t>
             </a:fld>
             <a:endParaRPr lang="en-US"/>
           </a:p>
@@ -13137,7 +16295,7 @@
           <a:p>
             <a:fld id="{1C8322F6-1C60-46CF-968C-BC20E470F443}" type="datetimeFigureOut">
               <a:rPr lang="en-US" smtClean="0"/>
-              <a:t>7/21/2024</a:t>
+              <a:t>7/25/2024</a:t>
             </a:fld>
             <a:endParaRPr lang="en-US"/>
           </a:p>
@@ -13548,7 +16706,7 @@
           <a:p>
             <a:fld id="{1C8322F6-1C60-46CF-968C-BC20E470F443}" type="datetimeFigureOut">
               <a:rPr lang="en-US" smtClean="0"/>
-              <a:t>7/21/2024</a:t>
+              <a:t>7/25/2024</a:t>
             </a:fld>
             <a:endParaRPr lang="en-US"/>
           </a:p>
@@ -14273,7 +17431,7 @@
               </a:spcAft>
             </a:pPr>
             <a:r>
-              <a:rPr lang="en-US" b="1" kern="100">
+              <a:rPr lang="en-US" b="1" kern="100" dirty="0">
                 <a:solidFill>
                   <a:srgbClr val="FFFFFF"/>
                 </a:solidFill>
@@ -14285,7 +17443,7 @@
               <a:t>Group Name</a:t>
             </a:r>
             <a:r>
-              <a:rPr lang="en-US" kern="100">
+              <a:rPr lang="en-US" kern="100" dirty="0">
                 <a:solidFill>
                   <a:srgbClr val="FFFFFF"/>
                 </a:solidFill>
@@ -14307,7 +17465,7 @@
               </a:spcAft>
             </a:pPr>
             <a:r>
-              <a:rPr lang="en-US" b="1" kern="100">
+              <a:rPr lang="en-US" b="1" kern="100" dirty="0">
                 <a:solidFill>
                   <a:srgbClr val="FFFFFF"/>
                 </a:solidFill>
@@ -14319,7 +17477,7 @@
               <a:t>Team Members</a:t>
             </a:r>
             <a:r>
-              <a:rPr lang="en-US" kern="100">
+              <a:rPr lang="en-US" kern="100" dirty="0">
                 <a:solidFill>
                   <a:srgbClr val="FFFFFF"/>
                 </a:solidFill>
@@ -14341,7 +17499,7 @@
               </a:spcAft>
             </a:pPr>
             <a:r>
-              <a:rPr lang="en-US" kern="100">
+              <a:rPr lang="en-US" kern="100" dirty="0">
                 <a:solidFill>
                   <a:srgbClr val="FFFFFF"/>
                 </a:solidFill>
@@ -14363,7 +17521,7 @@
               </a:spcAft>
             </a:pPr>
             <a:r>
-              <a:rPr lang="en-US" kern="100">
+              <a:rPr lang="en-US" kern="100" dirty="0">
                 <a:solidFill>
                   <a:srgbClr val="FFFFFF"/>
                 </a:solidFill>
@@ -14385,7 +17543,7 @@
               </a:spcAft>
             </a:pPr>
             <a:r>
-              <a:rPr lang="en-US" kern="100">
+              <a:rPr lang="en-US" kern="100" dirty="0">
                 <a:solidFill>
                   <a:srgbClr val="FFFFFF"/>
                 </a:solidFill>
@@ -14407,7 +17565,7 @@
               </a:spcAft>
             </a:pPr>
             <a:r>
-              <a:rPr lang="en-US" kern="100">
+              <a:rPr lang="en-US" kern="100" dirty="0">
                 <a:solidFill>
                   <a:srgbClr val="FFFFFF"/>
                 </a:solidFill>
@@ -14420,7 +17578,7 @@
             </a:r>
           </a:p>
           <a:p>
-            <a:endParaRPr lang="en-US">
+            <a:endParaRPr lang="en-US" dirty="0">
               <a:solidFill>
                 <a:srgbClr val="FFFFFF"/>
               </a:solidFill>
@@ -14728,33 +17886,15 @@
                                   </p:childTnLst>
                                 </p:cTn>
                               </p:par>
-                            </p:childTnLst>
-                          </p:cTn>
-                        </p:par>
-                      </p:childTnLst>
-                    </p:cTn>
-                  </p:par>
-                  <p:par>
-                    <p:cTn id="13" fill="hold">
-                      <p:stCondLst>
-                        <p:cond delay="indefinite"/>
-                      </p:stCondLst>
-                      <p:childTnLst>
-                        <p:par>
-                          <p:cTn id="14" fill="hold">
-                            <p:stCondLst>
-                              <p:cond delay="0"/>
-                            </p:stCondLst>
-                            <p:childTnLst>
                               <p:par>
-                                <p:cTn id="15" presetID="22" presetClass="entr" presetSubtype="4" fill="hold" grpId="0" nodeType="clickEffect">
+                                <p:cTn id="13" presetID="22" presetClass="entr" presetSubtype="4" fill="hold" grpId="0" nodeType="withEffect">
                                   <p:stCondLst>
                                     <p:cond delay="0"/>
                                   </p:stCondLst>
                                   <p:childTnLst>
                                     <p:set>
                                       <p:cBhvr>
-                                        <p:cTn id="16" dur="1" fill="hold">
+                                        <p:cTn id="14" dur="1" fill="hold">
                                           <p:stCondLst>
                                             <p:cond delay="0"/>
                                           </p:stCondLst>
@@ -14776,7 +17916,7 @@
                                     </p:set>
                                     <p:animEffect transition="in" filter="wipe(down)">
                                       <p:cBhvr>
-                                        <p:cTn id="17" dur="500"/>
+                                        <p:cTn id="15" dur="500"/>
                                         <p:tgtEl>
                                           <p:spTgt spid="3">
                                             <p:txEl>
@@ -14789,33 +17929,15 @@
                                   </p:childTnLst>
                                 </p:cTn>
                               </p:par>
-                            </p:childTnLst>
-                          </p:cTn>
-                        </p:par>
-                      </p:childTnLst>
-                    </p:cTn>
-                  </p:par>
-                  <p:par>
-                    <p:cTn id="18" fill="hold">
-                      <p:stCondLst>
-                        <p:cond delay="indefinite"/>
-                      </p:stCondLst>
-                      <p:childTnLst>
-                        <p:par>
-                          <p:cTn id="19" fill="hold">
-                            <p:stCondLst>
-                              <p:cond delay="0"/>
-                            </p:stCondLst>
-                            <p:childTnLst>
                               <p:par>
-                                <p:cTn id="20" presetID="22" presetClass="entr" presetSubtype="4" fill="hold" grpId="0" nodeType="clickEffect">
+                                <p:cTn id="16" presetID="22" presetClass="entr" presetSubtype="4" fill="hold" grpId="0" nodeType="withEffect">
                                   <p:stCondLst>
                                     <p:cond delay="0"/>
                                   </p:stCondLst>
                                   <p:childTnLst>
                                     <p:set>
                                       <p:cBhvr>
-                                        <p:cTn id="21" dur="1" fill="hold">
+                                        <p:cTn id="17" dur="1" fill="hold">
                                           <p:stCondLst>
                                             <p:cond delay="0"/>
                                           </p:stCondLst>
@@ -14837,7 +17959,7 @@
                                     </p:set>
                                     <p:animEffect transition="in" filter="wipe(down)">
                                       <p:cBhvr>
-                                        <p:cTn id="22" dur="500"/>
+                                        <p:cTn id="18" dur="500"/>
                                         <p:tgtEl>
                                           <p:spTgt spid="3">
                                             <p:txEl>
@@ -14850,33 +17972,15 @@
                                   </p:childTnLst>
                                 </p:cTn>
                               </p:par>
-                            </p:childTnLst>
-                          </p:cTn>
-                        </p:par>
-                      </p:childTnLst>
-                    </p:cTn>
-                  </p:par>
-                  <p:par>
-                    <p:cTn id="23" fill="hold">
-                      <p:stCondLst>
-                        <p:cond delay="indefinite"/>
-                      </p:stCondLst>
-                      <p:childTnLst>
-                        <p:par>
-                          <p:cTn id="24" fill="hold">
-                            <p:stCondLst>
-                              <p:cond delay="0"/>
-                            </p:stCondLst>
-                            <p:childTnLst>
                               <p:par>
-                                <p:cTn id="25" presetID="22" presetClass="entr" presetSubtype="4" fill="hold" grpId="0" nodeType="clickEffect">
+                                <p:cTn id="19" presetID="22" presetClass="entr" presetSubtype="4" fill="hold" grpId="0" nodeType="withEffect">
                                   <p:stCondLst>
                                     <p:cond delay="0"/>
                                   </p:stCondLst>
                                   <p:childTnLst>
                                     <p:set>
                                       <p:cBhvr>
-                                        <p:cTn id="26" dur="1" fill="hold">
+                                        <p:cTn id="20" dur="1" fill="hold">
                                           <p:stCondLst>
                                             <p:cond delay="0"/>
                                           </p:stCondLst>
@@ -14898,7 +18002,7 @@
                                     </p:set>
                                     <p:animEffect transition="in" filter="wipe(down)">
                                       <p:cBhvr>
-                                        <p:cTn id="27" dur="500"/>
+                                        <p:cTn id="21" dur="500"/>
                                         <p:tgtEl>
                                           <p:spTgt spid="3">
                                             <p:txEl>
@@ -14911,33 +18015,15 @@
                                   </p:childTnLst>
                                 </p:cTn>
                               </p:par>
-                            </p:childTnLst>
-                          </p:cTn>
-                        </p:par>
-                      </p:childTnLst>
-                    </p:cTn>
-                  </p:par>
-                  <p:par>
-                    <p:cTn id="28" fill="hold">
-                      <p:stCondLst>
-                        <p:cond delay="indefinite"/>
-                      </p:stCondLst>
-                      <p:childTnLst>
-                        <p:par>
-                          <p:cTn id="29" fill="hold">
-                            <p:stCondLst>
-                              <p:cond delay="0"/>
-                            </p:stCondLst>
-                            <p:childTnLst>
                               <p:par>
-                                <p:cTn id="30" presetID="22" presetClass="entr" presetSubtype="4" fill="hold" grpId="0" nodeType="clickEffect">
+                                <p:cTn id="22" presetID="22" presetClass="entr" presetSubtype="4" fill="hold" grpId="0" nodeType="withEffect">
                                   <p:stCondLst>
                                     <p:cond delay="0"/>
                                   </p:stCondLst>
                                   <p:childTnLst>
                                     <p:set>
                                       <p:cBhvr>
-                                        <p:cTn id="31" dur="1" fill="hold">
+                                        <p:cTn id="23" dur="1" fill="hold">
                                           <p:stCondLst>
                                             <p:cond delay="0"/>
                                           </p:stCondLst>
@@ -14959,7 +18045,7 @@
                                     </p:set>
                                     <p:animEffect transition="in" filter="wipe(down)">
                                       <p:cBhvr>
-                                        <p:cTn id="32" dur="500"/>
+                                        <p:cTn id="24" dur="500"/>
                                         <p:tgtEl>
                                           <p:spTgt spid="3">
                                             <p:txEl>
@@ -14972,33 +18058,15 @@
                                   </p:childTnLst>
                                 </p:cTn>
                               </p:par>
-                            </p:childTnLst>
-                          </p:cTn>
-                        </p:par>
-                      </p:childTnLst>
-                    </p:cTn>
-                  </p:par>
-                  <p:par>
-                    <p:cTn id="33" fill="hold">
-                      <p:stCondLst>
-                        <p:cond delay="indefinite"/>
-                      </p:stCondLst>
-                      <p:childTnLst>
-                        <p:par>
-                          <p:cTn id="34" fill="hold">
-                            <p:stCondLst>
-                              <p:cond delay="0"/>
-                            </p:stCondLst>
-                            <p:childTnLst>
                               <p:par>
-                                <p:cTn id="35" presetID="22" presetClass="entr" presetSubtype="4" fill="hold" grpId="0" nodeType="clickEffect">
+                                <p:cTn id="25" presetID="22" presetClass="entr" presetSubtype="4" fill="hold" grpId="0" nodeType="withEffect">
                                   <p:stCondLst>
                                     <p:cond delay="0"/>
                                   </p:stCondLst>
                                   <p:childTnLst>
                                     <p:set>
                                       <p:cBhvr>
-                                        <p:cTn id="36" dur="1" fill="hold">
+                                        <p:cTn id="26" dur="1" fill="hold">
                                           <p:stCondLst>
                                             <p:cond delay="0"/>
                                           </p:stCondLst>
@@ -15020,7 +18088,7 @@
                                     </p:set>
                                     <p:animEffect transition="in" filter="wipe(down)">
                                       <p:cBhvr>
-                                        <p:cTn id="37" dur="500"/>
+                                        <p:cTn id="27" dur="500"/>
                                         <p:tgtEl>
                                           <p:spTgt spid="3">
                                             <p:txEl>
@@ -15062,13 +18130,3768 @@
     </p:tnLst>
     <p:bldLst>
       <p:bldP spid="2" grpId="0"/>
-      <p:bldP spid="3" grpId="0" build="p"/>
+      <p:bldP spid="3" grpId="0" build="allAtOnce"/>
+    </p:bldLst>
+  </p:timing>
+</p:sld>
+</file>
+
+<file path=ppt/slides/slide10.xml><?xml version="1.0" encoding="utf-8"?>
+<p:sld xmlns:a="http://schemas.openxmlformats.org/drawingml/2006/main" xmlns:r="http://schemas.openxmlformats.org/officeDocument/2006/relationships" xmlns:p="http://schemas.openxmlformats.org/presentationml/2006/main">
+  <p:cSld>
+    <p:bg>
+      <p:bgPr>
+        <a:solidFill>
+          <a:schemeClr val="bg2"/>
+        </a:solidFill>
+        <a:effectLst/>
+      </p:bgPr>
+    </p:bg>
+    <p:spTree>
+      <p:nvGrpSpPr>
+        <p:cNvPr id="1" name=""/>
+        <p:cNvGrpSpPr/>
+        <p:nvPr/>
+      </p:nvGrpSpPr>
+      <p:grpSpPr>
+        <a:xfrm>
+          <a:off x="0" y="0"/>
+          <a:ext cx="0" cy="0"/>
+          <a:chOff x="0" y="0"/>
+          <a:chExt cx="0" cy="0"/>
+        </a:xfrm>
+      </p:grpSpPr>
+      <p:sp>
+        <p:nvSpPr>
+          <p:cNvPr id="28" name="Rectangle 27">
+            <a:extLst>
+              <a:ext uri="{FF2B5EF4-FFF2-40B4-BE49-F238E27FC236}">
+                <a16:creationId xmlns:a16="http://schemas.microsoft.com/office/drawing/2014/main" id="{EBAF395E-7D52-496C-ACDD-468AEC1ADF0A}"/>
+              </a:ext>
+              <a:ext uri="{C183D7F6-B498-43B3-948B-1728B52AA6E4}">
+                <adec:decorative xmlns:adec="http://schemas.microsoft.com/office/drawing/2017/decorative" val="1"/>
+              </a:ext>
+            </a:extLst>
+          </p:cNvPr>
+          <p:cNvSpPr>
+            <a:spLocks noGrp="1" noRot="1" noChangeAspect="1" noMove="1" noResize="1" noEditPoints="1" noAdjustHandles="1" noChangeArrowheads="1" noChangeShapeType="1" noTextEdit="1"/>
+          </p:cNvSpPr>
+          <p:nvPr>
+            <p:extLst>
+              <p:ext uri="{386F3935-93C4-4BCD-93E2-E3B085C9AB24}">
+                <p16:designElem xmlns:p16="http://schemas.microsoft.com/office/powerpoint/2015/main" val="1"/>
+              </p:ext>
+            </p:extLst>
+          </p:nvPr>
+        </p:nvSpPr>
+        <p:spPr>
+          <a:xfrm>
+            <a:off x="1" y="0"/>
+            <a:ext cx="12192000" cy="6858000"/>
+          </a:xfrm>
+          <a:prstGeom prst="rect">
+            <a:avLst/>
+          </a:prstGeom>
+          <a:solidFill>
+            <a:srgbClr val="000000"/>
+          </a:solidFill>
+          <a:ln>
+            <a:noFill/>
+          </a:ln>
+        </p:spPr>
+        <p:style>
+          <a:lnRef idx="2">
+            <a:schemeClr val="accent1">
+              <a:shade val="50000"/>
+            </a:schemeClr>
+          </a:lnRef>
+          <a:fillRef idx="1">
+            <a:schemeClr val="accent1"/>
+          </a:fillRef>
+          <a:effectRef idx="0">
+            <a:schemeClr val="accent1"/>
+          </a:effectRef>
+          <a:fontRef idx="minor">
+            <a:schemeClr val="lt1"/>
+          </a:fontRef>
+        </p:style>
+        <p:txBody>
+          <a:bodyPr rtlCol="0" anchor="ctr"/>
+          <a:lstStyle/>
+          <a:p>
+            <a:pPr algn="ctr"/>
+            <a:endParaRPr lang="en-US"/>
+          </a:p>
+        </p:txBody>
+      </p:sp>
+      <p:pic>
+        <p:nvPicPr>
+          <p:cNvPr id="5" name="Picture 4" descr="Graph on document with pen">
+            <a:extLst>
+              <a:ext uri="{FF2B5EF4-FFF2-40B4-BE49-F238E27FC236}">
+                <a16:creationId xmlns:a16="http://schemas.microsoft.com/office/drawing/2014/main" id="{DAFB3045-2A77-D667-6142-733E7F6E080E}"/>
+              </a:ext>
+            </a:extLst>
+          </p:cNvPr>
+          <p:cNvPicPr>
+            <a:picLocks noChangeAspect="1"/>
+          </p:cNvPicPr>
+          <p:nvPr/>
+        </p:nvPicPr>
+        <p:blipFill>
+          <a:blip r:embed="rId2">
+            <a:alphaModFix amt="60000"/>
+          </a:blip>
+          <a:srcRect t="1415" b="14315"/>
+          <a:stretch/>
+        </p:blipFill>
+        <p:spPr>
+          <a:xfrm>
+            <a:off x="20" y="-9456"/>
+            <a:ext cx="12191980" cy="6858000"/>
+          </a:xfrm>
+          <a:prstGeom prst="rect">
+            <a:avLst/>
+          </a:prstGeom>
+        </p:spPr>
+      </p:pic>
+      <p:sp>
+        <p:nvSpPr>
+          <p:cNvPr id="2" name="Title 1">
+            <a:extLst>
+              <a:ext uri="{FF2B5EF4-FFF2-40B4-BE49-F238E27FC236}">
+                <a16:creationId xmlns:a16="http://schemas.microsoft.com/office/drawing/2014/main" id="{BE85F7E6-8B80-6634-BA96-AD801E5FCC16}"/>
+              </a:ext>
+            </a:extLst>
+          </p:cNvPr>
+          <p:cNvSpPr>
+            <a:spLocks noGrp="1"/>
+          </p:cNvSpPr>
+          <p:nvPr>
+            <p:ph type="title"/>
+          </p:nvPr>
+        </p:nvSpPr>
+        <p:spPr>
+          <a:xfrm>
+            <a:off x="528735" y="938253"/>
+            <a:ext cx="3479383" cy="4977011"/>
+          </a:xfrm>
+        </p:spPr>
+        <p:txBody>
+          <a:bodyPr vert="horz" lIns="91440" tIns="45720" rIns="91440" bIns="45720" rtlCol="0" anchor="b">
+            <a:normAutofit/>
+          </a:bodyPr>
+          <a:lstStyle/>
+          <a:p>
+            <a:r>
+              <a:rPr lang="en-US">
+                <a:solidFill>
+                  <a:srgbClr val="FFFFFF"/>
+                </a:solidFill>
+              </a:rPr>
+              <a:t>Conclusion</a:t>
+            </a:r>
+          </a:p>
+        </p:txBody>
+      </p:sp>
+      <p:cxnSp>
+        <p:nvCxnSpPr>
+          <p:cNvPr id="30" name="Straight Connector 29">
+            <a:extLst>
+              <a:ext uri="{FF2B5EF4-FFF2-40B4-BE49-F238E27FC236}">
+                <a16:creationId xmlns:a16="http://schemas.microsoft.com/office/drawing/2014/main" id="{56BAADB1-054E-4A82-8D07-643BD1F433EF}"/>
+              </a:ext>
+              <a:ext uri="{C183D7F6-B498-43B3-948B-1728B52AA6E4}">
+                <adec:decorative xmlns:adec="http://schemas.microsoft.com/office/drawing/2017/decorative" val="1"/>
+              </a:ext>
+            </a:extLst>
+          </p:cNvPr>
+          <p:cNvCxnSpPr>
+            <a:cxnSpLocks noGrp="1" noRot="1" noChangeAspect="1" noMove="1" noResize="1" noEditPoints="1" noAdjustHandles="1" noChangeArrowheads="1" noChangeShapeType="1"/>
+          </p:cNvCxnSpPr>
+          <p:nvPr>
+            <p:extLst>
+              <p:ext uri="{386F3935-93C4-4BCD-93E2-E3B085C9AB24}">
+                <p16:designElem xmlns:p16="http://schemas.microsoft.com/office/powerpoint/2015/main" val="1"/>
+              </p:ext>
+            </p:extLst>
+          </p:nvPr>
+        </p:nvCxnSpPr>
+        <p:spPr>
+          <a:xfrm flipH="1">
+            <a:off x="568602" y="576201"/>
+            <a:ext cx="11054799" cy="0"/>
+          </a:xfrm>
+          <a:prstGeom prst="line">
+            <a:avLst/>
+          </a:prstGeom>
+          <a:ln>
+            <a:solidFill>
+              <a:srgbClr val="FFFFFF"/>
+            </a:solidFill>
+          </a:ln>
+        </p:spPr>
+        <p:style>
+          <a:lnRef idx="1">
+            <a:schemeClr val="accent1"/>
+          </a:lnRef>
+          <a:fillRef idx="0">
+            <a:schemeClr val="accent1"/>
+          </a:fillRef>
+          <a:effectRef idx="0">
+            <a:schemeClr val="accent1"/>
+          </a:effectRef>
+          <a:fontRef idx="minor">
+            <a:schemeClr val="tx1"/>
+          </a:fontRef>
+        </p:style>
+      </p:cxnSp>
+      <p:cxnSp>
+        <p:nvCxnSpPr>
+          <p:cNvPr id="32" name="Straight Connector 31">
+            <a:extLst>
+              <a:ext uri="{FF2B5EF4-FFF2-40B4-BE49-F238E27FC236}">
+                <a16:creationId xmlns:a16="http://schemas.microsoft.com/office/drawing/2014/main" id="{B3121654-FB13-441C-AB60-76710D9170C9}"/>
+              </a:ext>
+              <a:ext uri="{C183D7F6-B498-43B3-948B-1728B52AA6E4}">
+                <adec:decorative xmlns:adec="http://schemas.microsoft.com/office/drawing/2017/decorative" val="1"/>
+              </a:ext>
+            </a:extLst>
+          </p:cNvPr>
+          <p:cNvCxnSpPr>
+            <a:cxnSpLocks noGrp="1" noRot="1" noChangeAspect="1" noMove="1" noResize="1" noEditPoints="1" noAdjustHandles="1" noChangeArrowheads="1" noChangeShapeType="1"/>
+          </p:cNvCxnSpPr>
+          <p:nvPr>
+            <p:extLst>
+              <p:ext uri="{386F3935-93C4-4BCD-93E2-E3B085C9AB24}">
+                <p16:designElem xmlns:p16="http://schemas.microsoft.com/office/powerpoint/2015/main" val="1"/>
+              </p:ext>
+            </p:extLst>
+          </p:nvPr>
+        </p:nvCxnSpPr>
+        <p:spPr>
+          <a:xfrm>
+            <a:off x="4419600" y="584948"/>
+            <a:ext cx="0" cy="5702865"/>
+          </a:xfrm>
+          <a:prstGeom prst="line">
+            <a:avLst/>
+          </a:prstGeom>
+          <a:ln>
+            <a:solidFill>
+              <a:srgbClr val="FFFFFF"/>
+            </a:solidFill>
+          </a:ln>
+        </p:spPr>
+        <p:style>
+          <a:lnRef idx="1">
+            <a:schemeClr val="accent1"/>
+          </a:lnRef>
+          <a:fillRef idx="0">
+            <a:schemeClr val="accent1"/>
+          </a:fillRef>
+          <a:effectRef idx="0">
+            <a:schemeClr val="accent1"/>
+          </a:effectRef>
+          <a:fontRef idx="minor">
+            <a:schemeClr val="tx1"/>
+          </a:fontRef>
+        </p:style>
+      </p:cxnSp>
+      <p:sp>
+        <p:nvSpPr>
+          <p:cNvPr id="4" name="TextBox 3">
+            <a:extLst>
+              <a:ext uri="{FF2B5EF4-FFF2-40B4-BE49-F238E27FC236}">
+                <a16:creationId xmlns:a16="http://schemas.microsoft.com/office/drawing/2014/main" id="{119B211D-DD76-4068-91DD-1F478752F542}"/>
+              </a:ext>
+            </a:extLst>
+          </p:cNvPr>
+          <p:cNvSpPr txBox="1"/>
+          <p:nvPr/>
+        </p:nvSpPr>
+        <p:spPr>
+          <a:xfrm>
+            <a:off x="4892040" y="1009817"/>
+            <a:ext cx="6731362" cy="4905448"/>
+          </a:xfrm>
+          <a:prstGeom prst="rect">
+            <a:avLst/>
+          </a:prstGeom>
+        </p:spPr>
+        <p:txBody>
+          <a:bodyPr vert="horz" lIns="91440" tIns="45720" rIns="91440" bIns="45720" rtlCol="0">
+            <a:normAutofit/>
+          </a:bodyPr>
+          <a:lstStyle/>
+          <a:p>
+            <a:pPr indent="-228600">
+              <a:lnSpc>
+                <a:spcPct val="120000"/>
+              </a:lnSpc>
+              <a:spcAft>
+                <a:spcPts val="600"/>
+              </a:spcAft>
+              <a:buSzPct val="80000"/>
+              <a:buFont typeface="Arial" panose="020B0604020202020204" pitchFamily="34" charset="0"/>
+              <a:buChar char="•"/>
+            </a:pPr>
+            <a:r>
+              <a:rPr lang="en-US" b="1" dirty="0">
+                <a:solidFill>
+                  <a:srgbClr val="FFFFFF"/>
+                </a:solidFill>
+              </a:rPr>
+              <a:t>Summary</a:t>
+            </a:r>
+            <a:r>
+              <a:rPr lang="en-US" dirty="0">
+                <a:solidFill>
+                  <a:srgbClr val="FFFFFF"/>
+                </a:solidFill>
+              </a:rPr>
+              <a:t>:</a:t>
+            </a:r>
+          </a:p>
+          <a:p>
+            <a:pPr lvl="1" indent="-228600">
+              <a:lnSpc>
+                <a:spcPct val="120000"/>
+              </a:lnSpc>
+              <a:spcAft>
+                <a:spcPts val="600"/>
+              </a:spcAft>
+              <a:buSzPct val="80000"/>
+              <a:buFont typeface="Arial" panose="020B0604020202020204" pitchFamily="34" charset="0"/>
+              <a:buChar char="•"/>
+            </a:pPr>
+            <a:r>
+              <a:rPr lang="en-US" dirty="0">
+                <a:solidFill>
+                  <a:srgbClr val="FFFFFF"/>
+                </a:solidFill>
+              </a:rPr>
+              <a:t>Implemented a robust database design to support </a:t>
+            </a:r>
+            <a:r>
+              <a:rPr lang="en-US" dirty="0" err="1">
+                <a:solidFill>
+                  <a:srgbClr val="FFFFFF"/>
+                </a:solidFill>
+              </a:rPr>
+              <a:t>Willson</a:t>
+            </a:r>
+            <a:r>
+              <a:rPr lang="en-US" dirty="0">
+                <a:solidFill>
+                  <a:srgbClr val="FFFFFF"/>
+                </a:solidFill>
+              </a:rPr>
+              <a:t> Financials' operations.</a:t>
+            </a:r>
+          </a:p>
+          <a:p>
+            <a:pPr lvl="1" indent="-228600">
+              <a:lnSpc>
+                <a:spcPct val="120000"/>
+              </a:lnSpc>
+              <a:spcAft>
+                <a:spcPts val="600"/>
+              </a:spcAft>
+              <a:buSzPct val="80000"/>
+              <a:buFont typeface="Arial" panose="020B0604020202020204" pitchFamily="34" charset="0"/>
+              <a:buChar char="•"/>
+            </a:pPr>
+            <a:r>
+              <a:rPr lang="en-US" dirty="0">
+                <a:solidFill>
+                  <a:srgbClr val="FFFFFF"/>
+                </a:solidFill>
+              </a:rPr>
+              <a:t>Generated essential reports based </a:t>
+            </a:r>
+            <a:r>
+              <a:rPr lang="en-US">
+                <a:solidFill>
+                  <a:srgbClr val="FFFFFF"/>
+                </a:solidFill>
+              </a:rPr>
+              <a:t>on current date to aid in business decision-making.</a:t>
+            </a:r>
+          </a:p>
+          <a:p>
+            <a:pPr lvl="1" indent="-228600">
+              <a:lnSpc>
+                <a:spcPct val="120000"/>
+              </a:lnSpc>
+              <a:spcAft>
+                <a:spcPts val="600"/>
+              </a:spcAft>
+              <a:buSzPct val="80000"/>
+              <a:buFont typeface="Arial" panose="020B0604020202020204" pitchFamily="34" charset="0"/>
+              <a:buChar char="•"/>
+            </a:pPr>
+            <a:r>
+              <a:rPr lang="en-US" dirty="0">
+                <a:solidFill>
+                  <a:srgbClr val="FFFFFF"/>
+                </a:solidFill>
+              </a:rPr>
+              <a:t>Ensured compliance and data integrity throughout the process.</a:t>
+            </a:r>
+          </a:p>
+        </p:txBody>
+      </p:sp>
+      <p:cxnSp>
+        <p:nvCxnSpPr>
+          <p:cNvPr id="34" name="Straight Connector 33">
+            <a:extLst>
+              <a:ext uri="{FF2B5EF4-FFF2-40B4-BE49-F238E27FC236}">
+                <a16:creationId xmlns:a16="http://schemas.microsoft.com/office/drawing/2014/main" id="{C58D2D3E-B980-4D6F-BBFB-DF7A3A947292}"/>
+              </a:ext>
+              <a:ext uri="{C183D7F6-B498-43B3-948B-1728B52AA6E4}">
+                <adec:decorative xmlns:adec="http://schemas.microsoft.com/office/drawing/2017/decorative" val="1"/>
+              </a:ext>
+            </a:extLst>
+          </p:cNvPr>
+          <p:cNvCxnSpPr>
+            <a:cxnSpLocks noGrp="1" noRot="1" noChangeAspect="1" noMove="1" noResize="1" noEditPoints="1" noAdjustHandles="1" noChangeArrowheads="1" noChangeShapeType="1"/>
+          </p:cNvCxnSpPr>
+          <p:nvPr>
+            <p:extLst>
+              <p:ext uri="{386F3935-93C4-4BCD-93E2-E3B085C9AB24}">
+                <p16:designElem xmlns:p16="http://schemas.microsoft.com/office/powerpoint/2015/main" val="1"/>
+              </p:ext>
+            </p:extLst>
+          </p:nvPr>
+        </p:nvCxnSpPr>
+        <p:spPr>
+          <a:xfrm flipH="1">
+            <a:off x="568602" y="6287813"/>
+            <a:ext cx="11054799" cy="0"/>
+          </a:xfrm>
+          <a:prstGeom prst="line">
+            <a:avLst/>
+          </a:prstGeom>
+          <a:ln>
+            <a:solidFill>
+              <a:srgbClr val="FFFFFF"/>
+            </a:solidFill>
+          </a:ln>
+        </p:spPr>
+        <p:style>
+          <a:lnRef idx="1">
+            <a:schemeClr val="accent1"/>
+          </a:lnRef>
+          <a:fillRef idx="0">
+            <a:schemeClr val="accent1"/>
+          </a:fillRef>
+          <a:effectRef idx="0">
+            <a:schemeClr val="accent1"/>
+          </a:effectRef>
+          <a:fontRef idx="minor">
+            <a:schemeClr val="tx1"/>
+          </a:fontRef>
+        </p:style>
+      </p:cxnSp>
+    </p:spTree>
+    <p:extLst>
+      <p:ext uri="{BB962C8B-B14F-4D97-AF65-F5344CB8AC3E}">
+        <p14:creationId xmlns:p14="http://schemas.microsoft.com/office/powerpoint/2010/main" val="3721026420"/>
+      </p:ext>
+    </p:extLst>
+  </p:cSld>
+  <p:clrMapOvr>
+    <a:masterClrMapping/>
+  </p:clrMapOvr>
+  <mc:AlternateContent xmlns:mc="http://schemas.openxmlformats.org/markup-compatibility/2006" xmlns:p14="http://schemas.microsoft.com/office/powerpoint/2010/main">
+    <mc:Choice Requires="p14">
+      <p:transition spd="slow" p14:dur="4400">
+        <p14:honeycomb/>
+      </p:transition>
+    </mc:Choice>
+    <mc:Fallback xmlns="">
+      <p:transition spd="slow">
+        <p:fade/>
+      </p:transition>
+    </mc:Fallback>
+  </mc:AlternateContent>
+  <p:timing>
+    <p:tnLst>
+      <p:par>
+        <p:cTn id="1" dur="indefinite" restart="never" nodeType="tmRoot">
+          <p:childTnLst>
+            <p:seq concurrent="1" nextAc="seek">
+              <p:cTn id="2" dur="indefinite" nodeType="mainSeq">
+                <p:childTnLst>
+                  <p:par>
+                    <p:cTn id="3" fill="hold">
+                      <p:stCondLst>
+                        <p:cond delay="indefinite"/>
+                      </p:stCondLst>
+                      <p:childTnLst>
+                        <p:par>
+                          <p:cTn id="4" fill="hold">
+                            <p:stCondLst>
+                              <p:cond delay="0"/>
+                            </p:stCondLst>
+                            <p:childTnLst>
+                              <p:par>
+                                <p:cTn id="5" presetID="10" presetClass="entr" presetSubtype="0" fill="hold" grpId="0" nodeType="clickEffect">
+                                  <p:stCondLst>
+                                    <p:cond delay="0"/>
+                                  </p:stCondLst>
+                                  <p:childTnLst>
+                                    <p:set>
+                                      <p:cBhvr>
+                                        <p:cTn id="6" dur="1" fill="hold">
+                                          <p:stCondLst>
+                                            <p:cond delay="0"/>
+                                          </p:stCondLst>
+                                        </p:cTn>
+                                        <p:tgtEl>
+                                          <p:spTgt spid="2"/>
+                                        </p:tgtEl>
+                                        <p:attrNameLst>
+                                          <p:attrName>style.visibility</p:attrName>
+                                        </p:attrNameLst>
+                                      </p:cBhvr>
+                                      <p:to>
+                                        <p:strVal val="visible"/>
+                                      </p:to>
+                                    </p:set>
+                                    <p:animEffect transition="in" filter="fade">
+                                      <p:cBhvr>
+                                        <p:cTn id="7" dur="500"/>
+                                        <p:tgtEl>
+                                          <p:spTgt spid="2"/>
+                                        </p:tgtEl>
+                                      </p:cBhvr>
+                                    </p:animEffect>
+                                  </p:childTnLst>
+                                </p:cTn>
+                              </p:par>
+                            </p:childTnLst>
+                          </p:cTn>
+                        </p:par>
+                      </p:childTnLst>
+                    </p:cTn>
+                  </p:par>
+                  <p:par>
+                    <p:cTn id="8" fill="hold">
+                      <p:stCondLst>
+                        <p:cond delay="indefinite"/>
+                      </p:stCondLst>
+                      <p:childTnLst>
+                        <p:par>
+                          <p:cTn id="9" fill="hold">
+                            <p:stCondLst>
+                              <p:cond delay="0"/>
+                            </p:stCondLst>
+                            <p:childTnLst>
+                              <p:par>
+                                <p:cTn id="10" presetID="53" presetClass="entr" presetSubtype="16" fill="hold" grpId="0" nodeType="clickEffect">
+                                  <p:stCondLst>
+                                    <p:cond delay="0"/>
+                                  </p:stCondLst>
+                                  <p:childTnLst>
+                                    <p:set>
+                                      <p:cBhvr>
+                                        <p:cTn id="11" dur="1" fill="hold">
+                                          <p:stCondLst>
+                                            <p:cond delay="0"/>
+                                          </p:stCondLst>
+                                        </p:cTn>
+                                        <p:tgtEl>
+                                          <p:spTgt spid="4"/>
+                                        </p:tgtEl>
+                                        <p:attrNameLst>
+                                          <p:attrName>style.visibility</p:attrName>
+                                        </p:attrNameLst>
+                                      </p:cBhvr>
+                                      <p:to>
+                                        <p:strVal val="visible"/>
+                                      </p:to>
+                                    </p:set>
+                                    <p:anim calcmode="lin" valueType="num">
+                                      <p:cBhvr>
+                                        <p:cTn id="12" dur="500" fill="hold"/>
+                                        <p:tgtEl>
+                                          <p:spTgt spid="4"/>
+                                        </p:tgtEl>
+                                        <p:attrNameLst>
+                                          <p:attrName>ppt_w</p:attrName>
+                                        </p:attrNameLst>
+                                      </p:cBhvr>
+                                      <p:tavLst>
+                                        <p:tav tm="0">
+                                          <p:val>
+                                            <p:fltVal val="0"/>
+                                          </p:val>
+                                        </p:tav>
+                                        <p:tav tm="100000">
+                                          <p:val>
+                                            <p:strVal val="#ppt_w"/>
+                                          </p:val>
+                                        </p:tav>
+                                      </p:tavLst>
+                                    </p:anim>
+                                    <p:anim calcmode="lin" valueType="num">
+                                      <p:cBhvr>
+                                        <p:cTn id="13" dur="500" fill="hold"/>
+                                        <p:tgtEl>
+                                          <p:spTgt spid="4"/>
+                                        </p:tgtEl>
+                                        <p:attrNameLst>
+                                          <p:attrName>ppt_h</p:attrName>
+                                        </p:attrNameLst>
+                                      </p:cBhvr>
+                                      <p:tavLst>
+                                        <p:tav tm="0">
+                                          <p:val>
+                                            <p:fltVal val="0"/>
+                                          </p:val>
+                                        </p:tav>
+                                        <p:tav tm="100000">
+                                          <p:val>
+                                            <p:strVal val="#ppt_h"/>
+                                          </p:val>
+                                        </p:tav>
+                                      </p:tavLst>
+                                    </p:anim>
+                                    <p:animEffect transition="in" filter="fade">
+                                      <p:cBhvr>
+                                        <p:cTn id="14" dur="500"/>
+                                        <p:tgtEl>
+                                          <p:spTgt spid="4"/>
+                                        </p:tgtEl>
+                                      </p:cBhvr>
+                                    </p:animEffect>
+                                  </p:childTnLst>
+                                </p:cTn>
+                              </p:par>
+                            </p:childTnLst>
+                          </p:cTn>
+                        </p:par>
+                      </p:childTnLst>
+                    </p:cTn>
+                  </p:par>
+                </p:childTnLst>
+              </p:cTn>
+              <p:prevCondLst>
+                <p:cond evt="onPrev" delay="0">
+                  <p:tgtEl>
+                    <p:sldTgt/>
+                  </p:tgtEl>
+                </p:cond>
+              </p:prevCondLst>
+              <p:nextCondLst>
+                <p:cond evt="onNext" delay="0">
+                  <p:tgtEl>
+                    <p:sldTgt/>
+                  </p:tgtEl>
+                </p:cond>
+              </p:nextCondLst>
+            </p:seq>
+          </p:childTnLst>
+        </p:cTn>
+      </p:par>
+    </p:tnLst>
+    <p:bldLst>
+      <p:bldP spid="2" grpId="0"/>
+      <p:bldP spid="4" grpId="0"/>
     </p:bldLst>
   </p:timing>
 </p:sld>
 </file>
 
 <file path=ppt/slides/slide2.xml><?xml version="1.0" encoding="utf-8"?>
+<p:sld xmlns:a="http://schemas.openxmlformats.org/drawingml/2006/main" xmlns:r="http://schemas.openxmlformats.org/officeDocument/2006/relationships" xmlns:p="http://schemas.openxmlformats.org/presentationml/2006/main">
+  <p:cSld>
+    <p:spTree>
+      <p:nvGrpSpPr>
+        <p:cNvPr id="1" name=""/>
+        <p:cNvGrpSpPr/>
+        <p:nvPr/>
+      </p:nvGrpSpPr>
+      <p:grpSpPr>
+        <a:xfrm>
+          <a:off x="0" y="0"/>
+          <a:ext cx="0" cy="0"/>
+          <a:chOff x="0" y="0"/>
+          <a:chExt cx="0" cy="0"/>
+        </a:xfrm>
+      </p:grpSpPr>
+      <p:sp>
+        <p:nvSpPr>
+          <p:cNvPr id="2" name="Title 1">
+            <a:extLst>
+              <a:ext uri="{FF2B5EF4-FFF2-40B4-BE49-F238E27FC236}">
+                <a16:creationId xmlns:a16="http://schemas.microsoft.com/office/drawing/2014/main" id="{124F2361-EA00-4B54-F992-4514A6AC89D4}"/>
+              </a:ext>
+            </a:extLst>
+          </p:cNvPr>
+          <p:cNvSpPr>
+            <a:spLocks noGrp="1"/>
+          </p:cNvSpPr>
+          <p:nvPr>
+            <p:ph type="title"/>
+          </p:nvPr>
+        </p:nvSpPr>
+        <p:spPr/>
+        <p:txBody>
+          <a:bodyPr/>
+          <a:lstStyle/>
+          <a:p>
+            <a:r>
+              <a:rPr lang="en-US" dirty="0"/>
+              <a:t>Group Introduction</a:t>
+            </a:r>
+          </a:p>
+        </p:txBody>
+      </p:sp>
+      <p:graphicFrame>
+        <p:nvGraphicFramePr>
+          <p:cNvPr id="15" name="Content Placeholder 2">
+            <a:extLst>
+              <a:ext uri="{FF2B5EF4-FFF2-40B4-BE49-F238E27FC236}">
+                <a16:creationId xmlns:a16="http://schemas.microsoft.com/office/drawing/2014/main" id="{B5879334-AC5A-727D-BF20-A5E6A840B3A9}"/>
+              </a:ext>
+            </a:extLst>
+          </p:cNvPr>
+          <p:cNvGraphicFramePr>
+            <a:graphicFrameLocks noGrp="1"/>
+          </p:cNvGraphicFramePr>
+          <p:nvPr>
+            <p:ph idx="1"/>
+            <p:extLst>
+              <p:ext uri="{D42A27DB-BD31-4B8C-83A1-F6EECF244321}">
+                <p14:modId xmlns:p14="http://schemas.microsoft.com/office/powerpoint/2010/main" val="193562624"/>
+              </p:ext>
+            </p:extLst>
+          </p:nvPr>
+        </p:nvGraphicFramePr>
+        <p:xfrm>
+          <a:off x="571499" y="2075688"/>
+          <a:ext cx="11059811" cy="3910987"/>
+        </p:xfrm>
+        <a:graphic>
+          <a:graphicData uri="http://schemas.openxmlformats.org/drawingml/2006/diagram">
+            <dgm:relIds xmlns:dgm="http://schemas.openxmlformats.org/drawingml/2006/diagram" xmlns:r="http://schemas.openxmlformats.org/officeDocument/2006/relationships" r:dm="rId2" r:lo="rId3" r:qs="rId4" r:cs="rId5"/>
+          </a:graphicData>
+        </a:graphic>
+      </p:graphicFrame>
+    </p:spTree>
+    <p:extLst>
+      <p:ext uri="{BB962C8B-B14F-4D97-AF65-F5344CB8AC3E}">
+        <p14:creationId xmlns:p14="http://schemas.microsoft.com/office/powerpoint/2010/main" val="3665180587"/>
+      </p:ext>
+    </p:extLst>
+  </p:cSld>
+  <p:clrMapOvr>
+    <a:masterClrMapping/>
+  </p:clrMapOvr>
+  <mc:AlternateContent xmlns:mc="http://schemas.openxmlformats.org/markup-compatibility/2006" xmlns:p14="http://schemas.microsoft.com/office/powerpoint/2010/main">
+    <mc:Choice Requires="p14">
+      <p:transition spd="slow" p14:dur="1500">
+        <p:split orient="vert"/>
+      </p:transition>
+    </mc:Choice>
+    <mc:Fallback xmlns="">
+      <p:transition spd="slow">
+        <p:split orient="vert"/>
+      </p:transition>
+    </mc:Fallback>
+  </mc:AlternateContent>
+  <p:timing>
+    <p:tnLst>
+      <p:par>
+        <p:cTn id="1" dur="indefinite" restart="never" nodeType="tmRoot">
+          <p:childTnLst>
+            <p:seq concurrent="1" nextAc="seek">
+              <p:cTn id="2" dur="indefinite" nodeType="mainSeq">
+                <p:childTnLst>
+                  <p:par>
+                    <p:cTn id="3" fill="hold">
+                      <p:stCondLst>
+                        <p:cond delay="indefinite"/>
+                      </p:stCondLst>
+                      <p:childTnLst>
+                        <p:par>
+                          <p:cTn id="4" fill="hold">
+                            <p:stCondLst>
+                              <p:cond delay="0"/>
+                            </p:stCondLst>
+                            <p:childTnLst>
+                              <p:par>
+                                <p:cTn id="5" presetID="53" presetClass="entr" presetSubtype="16" fill="hold" grpId="0" nodeType="clickEffect">
+                                  <p:stCondLst>
+                                    <p:cond delay="0"/>
+                                  </p:stCondLst>
+                                  <p:childTnLst>
+                                    <p:set>
+                                      <p:cBhvr>
+                                        <p:cTn id="6" dur="1" fill="hold">
+                                          <p:stCondLst>
+                                            <p:cond delay="0"/>
+                                          </p:stCondLst>
+                                        </p:cTn>
+                                        <p:tgtEl>
+                                          <p:spTgt spid="2"/>
+                                        </p:tgtEl>
+                                        <p:attrNameLst>
+                                          <p:attrName>style.visibility</p:attrName>
+                                        </p:attrNameLst>
+                                      </p:cBhvr>
+                                      <p:to>
+                                        <p:strVal val="visible"/>
+                                      </p:to>
+                                    </p:set>
+                                    <p:anim calcmode="lin" valueType="num">
+                                      <p:cBhvr>
+                                        <p:cTn id="7" dur="500" fill="hold"/>
+                                        <p:tgtEl>
+                                          <p:spTgt spid="2"/>
+                                        </p:tgtEl>
+                                        <p:attrNameLst>
+                                          <p:attrName>ppt_w</p:attrName>
+                                        </p:attrNameLst>
+                                      </p:cBhvr>
+                                      <p:tavLst>
+                                        <p:tav tm="0">
+                                          <p:val>
+                                            <p:fltVal val="0"/>
+                                          </p:val>
+                                        </p:tav>
+                                        <p:tav tm="100000">
+                                          <p:val>
+                                            <p:strVal val="#ppt_w"/>
+                                          </p:val>
+                                        </p:tav>
+                                      </p:tavLst>
+                                    </p:anim>
+                                    <p:anim calcmode="lin" valueType="num">
+                                      <p:cBhvr>
+                                        <p:cTn id="8" dur="500" fill="hold"/>
+                                        <p:tgtEl>
+                                          <p:spTgt spid="2"/>
+                                        </p:tgtEl>
+                                        <p:attrNameLst>
+                                          <p:attrName>ppt_h</p:attrName>
+                                        </p:attrNameLst>
+                                      </p:cBhvr>
+                                      <p:tavLst>
+                                        <p:tav tm="0">
+                                          <p:val>
+                                            <p:fltVal val="0"/>
+                                          </p:val>
+                                        </p:tav>
+                                        <p:tav tm="100000">
+                                          <p:val>
+                                            <p:strVal val="#ppt_h"/>
+                                          </p:val>
+                                        </p:tav>
+                                      </p:tavLst>
+                                    </p:anim>
+                                    <p:animEffect transition="in" filter="fade">
+                                      <p:cBhvr>
+                                        <p:cTn id="9" dur="500"/>
+                                        <p:tgtEl>
+                                          <p:spTgt spid="2"/>
+                                        </p:tgtEl>
+                                      </p:cBhvr>
+                                    </p:animEffect>
+                                  </p:childTnLst>
+                                </p:cTn>
+                              </p:par>
+                            </p:childTnLst>
+                          </p:cTn>
+                        </p:par>
+                      </p:childTnLst>
+                    </p:cTn>
+                  </p:par>
+                  <p:par>
+                    <p:cTn id="10" fill="hold">
+                      <p:stCondLst>
+                        <p:cond delay="indefinite"/>
+                      </p:stCondLst>
+                      <p:childTnLst>
+                        <p:par>
+                          <p:cTn id="11" fill="hold">
+                            <p:stCondLst>
+                              <p:cond delay="0"/>
+                            </p:stCondLst>
+                            <p:childTnLst>
+                              <p:par>
+                                <p:cTn id="12" presetID="26" presetClass="entr" presetSubtype="0" fill="hold" grpId="0" nodeType="clickEffect">
+                                  <p:stCondLst>
+                                    <p:cond delay="0"/>
+                                  </p:stCondLst>
+                                  <p:childTnLst>
+                                    <p:set>
+                                      <p:cBhvr>
+                                        <p:cTn id="13" dur="1" fill="hold">
+                                          <p:stCondLst>
+                                            <p:cond delay="0"/>
+                                          </p:stCondLst>
+                                        </p:cTn>
+                                        <p:tgtEl>
+                                          <p:spTgt spid="15">
+                                            <p:graphicEl>
+                                              <a:dgm id="{EB8EB477-9AB8-43A4-9A68-B0511289F65B}"/>
+                                            </p:graphicEl>
+                                          </p:spTgt>
+                                        </p:tgtEl>
+                                        <p:attrNameLst>
+                                          <p:attrName>style.visibility</p:attrName>
+                                        </p:attrNameLst>
+                                      </p:cBhvr>
+                                      <p:to>
+                                        <p:strVal val="visible"/>
+                                      </p:to>
+                                    </p:set>
+                                    <p:animEffect transition="in" filter="wipe(down)">
+                                      <p:cBhvr>
+                                        <p:cTn id="14" dur="580">
+                                          <p:stCondLst>
+                                            <p:cond delay="0"/>
+                                          </p:stCondLst>
+                                        </p:cTn>
+                                        <p:tgtEl>
+                                          <p:spTgt spid="15">
+                                            <p:graphicEl>
+                                              <a:dgm id="{EB8EB477-9AB8-43A4-9A68-B0511289F65B}"/>
+                                            </p:graphicEl>
+                                          </p:spTgt>
+                                        </p:tgtEl>
+                                      </p:cBhvr>
+                                    </p:animEffect>
+                                    <p:anim calcmode="lin" valueType="num">
+                                      <p:cBhvr>
+                                        <p:cTn id="15" dur="1822" tmFilter="0,0; 0.14,0.36; 0.43,0.73; 0.71,0.91; 1.0,1.0">
+                                          <p:stCondLst>
+                                            <p:cond delay="0"/>
+                                          </p:stCondLst>
+                                        </p:cTn>
+                                        <p:tgtEl>
+                                          <p:spTgt spid="15">
+                                            <p:graphicEl>
+                                              <a:dgm id="{EB8EB477-9AB8-43A4-9A68-B0511289F65B}"/>
+                                            </p:graphicEl>
+                                          </p:spTgt>
+                                        </p:tgtEl>
+                                        <p:attrNameLst>
+                                          <p:attrName>ppt_x</p:attrName>
+                                        </p:attrNameLst>
+                                      </p:cBhvr>
+                                      <p:tavLst>
+                                        <p:tav tm="0">
+                                          <p:val>
+                                            <p:strVal val="#ppt_x-0.25"/>
+                                          </p:val>
+                                        </p:tav>
+                                        <p:tav tm="100000">
+                                          <p:val>
+                                            <p:strVal val="#ppt_x"/>
+                                          </p:val>
+                                        </p:tav>
+                                      </p:tavLst>
+                                    </p:anim>
+                                    <p:anim calcmode="lin" valueType="num">
+                                      <p:cBhvr>
+                                        <p:cTn id="16" dur="664" tmFilter="0.0,0.0; 0.25,0.07; 0.50,0.2; 0.75,0.467; 1.0,1.0">
+                                          <p:stCondLst>
+                                            <p:cond delay="0"/>
+                                          </p:stCondLst>
+                                        </p:cTn>
+                                        <p:tgtEl>
+                                          <p:spTgt spid="15">
+                                            <p:graphicEl>
+                                              <a:dgm id="{EB8EB477-9AB8-43A4-9A68-B0511289F65B}"/>
+                                            </p:graphicEl>
+                                          </p:spTgt>
+                                        </p:tgtEl>
+                                        <p:attrNameLst>
+                                          <p:attrName>ppt_y</p:attrName>
+                                        </p:attrNameLst>
+                                      </p:cBhvr>
+                                      <p:tavLst>
+                                        <p:tav tm="0" fmla="#ppt_y-sin(pi*$)/3">
+                                          <p:val>
+                                            <p:fltVal val="0.5"/>
+                                          </p:val>
+                                        </p:tav>
+                                        <p:tav tm="100000">
+                                          <p:val>
+                                            <p:fltVal val="1"/>
+                                          </p:val>
+                                        </p:tav>
+                                      </p:tavLst>
+                                    </p:anim>
+                                    <p:anim calcmode="lin" valueType="num">
+                                      <p:cBhvr>
+                                        <p:cTn id="17" dur="664" tmFilter="0, 0; 0.125,0.2665; 0.25,0.4; 0.375,0.465; 0.5,0.5;  0.625,0.535; 0.75,0.6; 0.875,0.7335; 1,1">
+                                          <p:stCondLst>
+                                            <p:cond delay="664"/>
+                                          </p:stCondLst>
+                                        </p:cTn>
+                                        <p:tgtEl>
+                                          <p:spTgt spid="15">
+                                            <p:graphicEl>
+                                              <a:dgm id="{EB8EB477-9AB8-43A4-9A68-B0511289F65B}"/>
+                                            </p:graphicEl>
+                                          </p:spTgt>
+                                        </p:tgtEl>
+                                        <p:attrNameLst>
+                                          <p:attrName>ppt_y</p:attrName>
+                                        </p:attrNameLst>
+                                      </p:cBhvr>
+                                      <p:tavLst>
+                                        <p:tav tm="0" fmla="#ppt_y-sin(pi*$)/9">
+                                          <p:val>
+                                            <p:fltVal val="0"/>
+                                          </p:val>
+                                        </p:tav>
+                                        <p:tav tm="100000">
+                                          <p:val>
+                                            <p:fltVal val="1"/>
+                                          </p:val>
+                                        </p:tav>
+                                      </p:tavLst>
+                                    </p:anim>
+                                    <p:anim calcmode="lin" valueType="num">
+                                      <p:cBhvr>
+                                        <p:cTn id="18" dur="332" tmFilter="0, 0; 0.125,0.2665; 0.25,0.4; 0.375,0.465; 0.5,0.5;  0.625,0.535; 0.75,0.6; 0.875,0.7335; 1,1">
+                                          <p:stCondLst>
+                                            <p:cond delay="1324"/>
+                                          </p:stCondLst>
+                                        </p:cTn>
+                                        <p:tgtEl>
+                                          <p:spTgt spid="15">
+                                            <p:graphicEl>
+                                              <a:dgm id="{EB8EB477-9AB8-43A4-9A68-B0511289F65B}"/>
+                                            </p:graphicEl>
+                                          </p:spTgt>
+                                        </p:tgtEl>
+                                        <p:attrNameLst>
+                                          <p:attrName>ppt_y</p:attrName>
+                                        </p:attrNameLst>
+                                      </p:cBhvr>
+                                      <p:tavLst>
+                                        <p:tav tm="0" fmla="#ppt_y-sin(pi*$)/27">
+                                          <p:val>
+                                            <p:fltVal val="0"/>
+                                          </p:val>
+                                        </p:tav>
+                                        <p:tav tm="100000">
+                                          <p:val>
+                                            <p:fltVal val="1"/>
+                                          </p:val>
+                                        </p:tav>
+                                      </p:tavLst>
+                                    </p:anim>
+                                    <p:anim calcmode="lin" valueType="num">
+                                      <p:cBhvr>
+                                        <p:cTn id="19" dur="164" tmFilter="0, 0; 0.125,0.2665; 0.25,0.4; 0.375,0.465; 0.5,0.5;  0.625,0.535; 0.75,0.6; 0.875,0.7335; 1,1">
+                                          <p:stCondLst>
+                                            <p:cond delay="1656"/>
+                                          </p:stCondLst>
+                                        </p:cTn>
+                                        <p:tgtEl>
+                                          <p:spTgt spid="15">
+                                            <p:graphicEl>
+                                              <a:dgm id="{EB8EB477-9AB8-43A4-9A68-B0511289F65B}"/>
+                                            </p:graphicEl>
+                                          </p:spTgt>
+                                        </p:tgtEl>
+                                        <p:attrNameLst>
+                                          <p:attrName>ppt_y</p:attrName>
+                                        </p:attrNameLst>
+                                      </p:cBhvr>
+                                      <p:tavLst>
+                                        <p:tav tm="0" fmla="#ppt_y-sin(pi*$)/81">
+                                          <p:val>
+                                            <p:fltVal val="0"/>
+                                          </p:val>
+                                        </p:tav>
+                                        <p:tav tm="100000">
+                                          <p:val>
+                                            <p:fltVal val="1"/>
+                                          </p:val>
+                                        </p:tav>
+                                      </p:tavLst>
+                                    </p:anim>
+                                    <p:animScale>
+                                      <p:cBhvr>
+                                        <p:cTn id="20" dur="26">
+                                          <p:stCondLst>
+                                            <p:cond delay="650"/>
+                                          </p:stCondLst>
+                                        </p:cTn>
+                                        <p:tgtEl>
+                                          <p:spTgt spid="15">
+                                            <p:graphicEl>
+                                              <a:dgm id="{EB8EB477-9AB8-43A4-9A68-B0511289F65B}"/>
+                                            </p:graphicEl>
+                                          </p:spTgt>
+                                        </p:tgtEl>
+                                      </p:cBhvr>
+                                      <p:to x="100000" y="60000"/>
+                                    </p:animScale>
+                                    <p:animScale>
+                                      <p:cBhvr>
+                                        <p:cTn id="21" dur="166" decel="50000">
+                                          <p:stCondLst>
+                                            <p:cond delay="676"/>
+                                          </p:stCondLst>
+                                        </p:cTn>
+                                        <p:tgtEl>
+                                          <p:spTgt spid="15">
+                                            <p:graphicEl>
+                                              <a:dgm id="{EB8EB477-9AB8-43A4-9A68-B0511289F65B}"/>
+                                            </p:graphicEl>
+                                          </p:spTgt>
+                                        </p:tgtEl>
+                                      </p:cBhvr>
+                                      <p:to x="100000" y="100000"/>
+                                    </p:animScale>
+                                    <p:animScale>
+                                      <p:cBhvr>
+                                        <p:cTn id="22" dur="26">
+                                          <p:stCondLst>
+                                            <p:cond delay="1312"/>
+                                          </p:stCondLst>
+                                        </p:cTn>
+                                        <p:tgtEl>
+                                          <p:spTgt spid="15">
+                                            <p:graphicEl>
+                                              <a:dgm id="{EB8EB477-9AB8-43A4-9A68-B0511289F65B}"/>
+                                            </p:graphicEl>
+                                          </p:spTgt>
+                                        </p:tgtEl>
+                                      </p:cBhvr>
+                                      <p:to x="100000" y="80000"/>
+                                    </p:animScale>
+                                    <p:animScale>
+                                      <p:cBhvr>
+                                        <p:cTn id="23" dur="166" decel="50000">
+                                          <p:stCondLst>
+                                            <p:cond delay="1338"/>
+                                          </p:stCondLst>
+                                        </p:cTn>
+                                        <p:tgtEl>
+                                          <p:spTgt spid="15">
+                                            <p:graphicEl>
+                                              <a:dgm id="{EB8EB477-9AB8-43A4-9A68-B0511289F65B}"/>
+                                            </p:graphicEl>
+                                          </p:spTgt>
+                                        </p:tgtEl>
+                                      </p:cBhvr>
+                                      <p:to x="100000" y="100000"/>
+                                    </p:animScale>
+                                    <p:animScale>
+                                      <p:cBhvr>
+                                        <p:cTn id="24" dur="26">
+                                          <p:stCondLst>
+                                            <p:cond delay="1642"/>
+                                          </p:stCondLst>
+                                        </p:cTn>
+                                        <p:tgtEl>
+                                          <p:spTgt spid="15">
+                                            <p:graphicEl>
+                                              <a:dgm id="{EB8EB477-9AB8-43A4-9A68-B0511289F65B}"/>
+                                            </p:graphicEl>
+                                          </p:spTgt>
+                                        </p:tgtEl>
+                                      </p:cBhvr>
+                                      <p:to x="100000" y="90000"/>
+                                    </p:animScale>
+                                    <p:animScale>
+                                      <p:cBhvr>
+                                        <p:cTn id="25" dur="166" decel="50000">
+                                          <p:stCondLst>
+                                            <p:cond delay="1668"/>
+                                          </p:stCondLst>
+                                        </p:cTn>
+                                        <p:tgtEl>
+                                          <p:spTgt spid="15">
+                                            <p:graphicEl>
+                                              <a:dgm id="{EB8EB477-9AB8-43A4-9A68-B0511289F65B}"/>
+                                            </p:graphicEl>
+                                          </p:spTgt>
+                                        </p:tgtEl>
+                                      </p:cBhvr>
+                                      <p:to x="100000" y="100000"/>
+                                    </p:animScale>
+                                    <p:animScale>
+                                      <p:cBhvr>
+                                        <p:cTn id="26" dur="26">
+                                          <p:stCondLst>
+                                            <p:cond delay="1808"/>
+                                          </p:stCondLst>
+                                        </p:cTn>
+                                        <p:tgtEl>
+                                          <p:spTgt spid="15">
+                                            <p:graphicEl>
+                                              <a:dgm id="{EB8EB477-9AB8-43A4-9A68-B0511289F65B}"/>
+                                            </p:graphicEl>
+                                          </p:spTgt>
+                                        </p:tgtEl>
+                                      </p:cBhvr>
+                                      <p:to x="100000" y="95000"/>
+                                    </p:animScale>
+                                    <p:animScale>
+                                      <p:cBhvr>
+                                        <p:cTn id="27" dur="166" decel="50000">
+                                          <p:stCondLst>
+                                            <p:cond delay="1834"/>
+                                          </p:stCondLst>
+                                        </p:cTn>
+                                        <p:tgtEl>
+                                          <p:spTgt spid="15">
+                                            <p:graphicEl>
+                                              <a:dgm id="{EB8EB477-9AB8-43A4-9A68-B0511289F65B}"/>
+                                            </p:graphicEl>
+                                          </p:spTgt>
+                                        </p:tgtEl>
+                                      </p:cBhvr>
+                                      <p:to x="100000" y="100000"/>
+                                    </p:animScale>
+                                  </p:childTnLst>
+                                </p:cTn>
+                              </p:par>
+                            </p:childTnLst>
+                          </p:cTn>
+                        </p:par>
+                      </p:childTnLst>
+                    </p:cTn>
+                  </p:par>
+                  <p:par>
+                    <p:cTn id="28" fill="hold">
+                      <p:stCondLst>
+                        <p:cond delay="indefinite"/>
+                      </p:stCondLst>
+                      <p:childTnLst>
+                        <p:par>
+                          <p:cTn id="29" fill="hold">
+                            <p:stCondLst>
+                              <p:cond delay="0"/>
+                            </p:stCondLst>
+                            <p:childTnLst>
+                              <p:par>
+                                <p:cTn id="30" presetID="26" presetClass="entr" presetSubtype="0" fill="hold" grpId="0" nodeType="clickEffect">
+                                  <p:stCondLst>
+                                    <p:cond delay="0"/>
+                                  </p:stCondLst>
+                                  <p:childTnLst>
+                                    <p:set>
+                                      <p:cBhvr>
+                                        <p:cTn id="31" dur="1" fill="hold">
+                                          <p:stCondLst>
+                                            <p:cond delay="0"/>
+                                          </p:stCondLst>
+                                        </p:cTn>
+                                        <p:tgtEl>
+                                          <p:spTgt spid="15">
+                                            <p:graphicEl>
+                                              <a:dgm id="{9BA43678-A9F2-45F1-9B72-DABFDA8B4693}"/>
+                                            </p:graphicEl>
+                                          </p:spTgt>
+                                        </p:tgtEl>
+                                        <p:attrNameLst>
+                                          <p:attrName>style.visibility</p:attrName>
+                                        </p:attrNameLst>
+                                      </p:cBhvr>
+                                      <p:to>
+                                        <p:strVal val="visible"/>
+                                      </p:to>
+                                    </p:set>
+                                    <p:animEffect transition="in" filter="wipe(down)">
+                                      <p:cBhvr>
+                                        <p:cTn id="32" dur="580">
+                                          <p:stCondLst>
+                                            <p:cond delay="0"/>
+                                          </p:stCondLst>
+                                        </p:cTn>
+                                        <p:tgtEl>
+                                          <p:spTgt spid="15">
+                                            <p:graphicEl>
+                                              <a:dgm id="{9BA43678-A9F2-45F1-9B72-DABFDA8B4693}"/>
+                                            </p:graphicEl>
+                                          </p:spTgt>
+                                        </p:tgtEl>
+                                      </p:cBhvr>
+                                    </p:animEffect>
+                                    <p:anim calcmode="lin" valueType="num">
+                                      <p:cBhvr>
+                                        <p:cTn id="33" dur="1822" tmFilter="0,0; 0.14,0.36; 0.43,0.73; 0.71,0.91; 1.0,1.0">
+                                          <p:stCondLst>
+                                            <p:cond delay="0"/>
+                                          </p:stCondLst>
+                                        </p:cTn>
+                                        <p:tgtEl>
+                                          <p:spTgt spid="15">
+                                            <p:graphicEl>
+                                              <a:dgm id="{9BA43678-A9F2-45F1-9B72-DABFDA8B4693}"/>
+                                            </p:graphicEl>
+                                          </p:spTgt>
+                                        </p:tgtEl>
+                                        <p:attrNameLst>
+                                          <p:attrName>ppt_x</p:attrName>
+                                        </p:attrNameLst>
+                                      </p:cBhvr>
+                                      <p:tavLst>
+                                        <p:tav tm="0">
+                                          <p:val>
+                                            <p:strVal val="#ppt_x-0.25"/>
+                                          </p:val>
+                                        </p:tav>
+                                        <p:tav tm="100000">
+                                          <p:val>
+                                            <p:strVal val="#ppt_x"/>
+                                          </p:val>
+                                        </p:tav>
+                                      </p:tavLst>
+                                    </p:anim>
+                                    <p:anim calcmode="lin" valueType="num">
+                                      <p:cBhvr>
+                                        <p:cTn id="34" dur="664" tmFilter="0.0,0.0; 0.25,0.07; 0.50,0.2; 0.75,0.467; 1.0,1.0">
+                                          <p:stCondLst>
+                                            <p:cond delay="0"/>
+                                          </p:stCondLst>
+                                        </p:cTn>
+                                        <p:tgtEl>
+                                          <p:spTgt spid="15">
+                                            <p:graphicEl>
+                                              <a:dgm id="{9BA43678-A9F2-45F1-9B72-DABFDA8B4693}"/>
+                                            </p:graphicEl>
+                                          </p:spTgt>
+                                        </p:tgtEl>
+                                        <p:attrNameLst>
+                                          <p:attrName>ppt_y</p:attrName>
+                                        </p:attrNameLst>
+                                      </p:cBhvr>
+                                      <p:tavLst>
+                                        <p:tav tm="0" fmla="#ppt_y-sin(pi*$)/3">
+                                          <p:val>
+                                            <p:fltVal val="0.5"/>
+                                          </p:val>
+                                        </p:tav>
+                                        <p:tav tm="100000">
+                                          <p:val>
+                                            <p:fltVal val="1"/>
+                                          </p:val>
+                                        </p:tav>
+                                      </p:tavLst>
+                                    </p:anim>
+                                    <p:anim calcmode="lin" valueType="num">
+                                      <p:cBhvr>
+                                        <p:cTn id="35" dur="664" tmFilter="0, 0; 0.125,0.2665; 0.25,0.4; 0.375,0.465; 0.5,0.5;  0.625,0.535; 0.75,0.6; 0.875,0.7335; 1,1">
+                                          <p:stCondLst>
+                                            <p:cond delay="664"/>
+                                          </p:stCondLst>
+                                        </p:cTn>
+                                        <p:tgtEl>
+                                          <p:spTgt spid="15">
+                                            <p:graphicEl>
+                                              <a:dgm id="{9BA43678-A9F2-45F1-9B72-DABFDA8B4693}"/>
+                                            </p:graphicEl>
+                                          </p:spTgt>
+                                        </p:tgtEl>
+                                        <p:attrNameLst>
+                                          <p:attrName>ppt_y</p:attrName>
+                                        </p:attrNameLst>
+                                      </p:cBhvr>
+                                      <p:tavLst>
+                                        <p:tav tm="0" fmla="#ppt_y-sin(pi*$)/9">
+                                          <p:val>
+                                            <p:fltVal val="0"/>
+                                          </p:val>
+                                        </p:tav>
+                                        <p:tav tm="100000">
+                                          <p:val>
+                                            <p:fltVal val="1"/>
+                                          </p:val>
+                                        </p:tav>
+                                      </p:tavLst>
+                                    </p:anim>
+                                    <p:anim calcmode="lin" valueType="num">
+                                      <p:cBhvr>
+                                        <p:cTn id="36" dur="332" tmFilter="0, 0; 0.125,0.2665; 0.25,0.4; 0.375,0.465; 0.5,0.5;  0.625,0.535; 0.75,0.6; 0.875,0.7335; 1,1">
+                                          <p:stCondLst>
+                                            <p:cond delay="1324"/>
+                                          </p:stCondLst>
+                                        </p:cTn>
+                                        <p:tgtEl>
+                                          <p:spTgt spid="15">
+                                            <p:graphicEl>
+                                              <a:dgm id="{9BA43678-A9F2-45F1-9B72-DABFDA8B4693}"/>
+                                            </p:graphicEl>
+                                          </p:spTgt>
+                                        </p:tgtEl>
+                                        <p:attrNameLst>
+                                          <p:attrName>ppt_y</p:attrName>
+                                        </p:attrNameLst>
+                                      </p:cBhvr>
+                                      <p:tavLst>
+                                        <p:tav tm="0" fmla="#ppt_y-sin(pi*$)/27">
+                                          <p:val>
+                                            <p:fltVal val="0"/>
+                                          </p:val>
+                                        </p:tav>
+                                        <p:tav tm="100000">
+                                          <p:val>
+                                            <p:fltVal val="1"/>
+                                          </p:val>
+                                        </p:tav>
+                                      </p:tavLst>
+                                    </p:anim>
+                                    <p:anim calcmode="lin" valueType="num">
+                                      <p:cBhvr>
+                                        <p:cTn id="37" dur="164" tmFilter="0, 0; 0.125,0.2665; 0.25,0.4; 0.375,0.465; 0.5,0.5;  0.625,0.535; 0.75,0.6; 0.875,0.7335; 1,1">
+                                          <p:stCondLst>
+                                            <p:cond delay="1656"/>
+                                          </p:stCondLst>
+                                        </p:cTn>
+                                        <p:tgtEl>
+                                          <p:spTgt spid="15">
+                                            <p:graphicEl>
+                                              <a:dgm id="{9BA43678-A9F2-45F1-9B72-DABFDA8B4693}"/>
+                                            </p:graphicEl>
+                                          </p:spTgt>
+                                        </p:tgtEl>
+                                        <p:attrNameLst>
+                                          <p:attrName>ppt_y</p:attrName>
+                                        </p:attrNameLst>
+                                      </p:cBhvr>
+                                      <p:tavLst>
+                                        <p:tav tm="0" fmla="#ppt_y-sin(pi*$)/81">
+                                          <p:val>
+                                            <p:fltVal val="0"/>
+                                          </p:val>
+                                        </p:tav>
+                                        <p:tav tm="100000">
+                                          <p:val>
+                                            <p:fltVal val="1"/>
+                                          </p:val>
+                                        </p:tav>
+                                      </p:tavLst>
+                                    </p:anim>
+                                    <p:animScale>
+                                      <p:cBhvr>
+                                        <p:cTn id="38" dur="26">
+                                          <p:stCondLst>
+                                            <p:cond delay="650"/>
+                                          </p:stCondLst>
+                                        </p:cTn>
+                                        <p:tgtEl>
+                                          <p:spTgt spid="15">
+                                            <p:graphicEl>
+                                              <a:dgm id="{9BA43678-A9F2-45F1-9B72-DABFDA8B4693}"/>
+                                            </p:graphicEl>
+                                          </p:spTgt>
+                                        </p:tgtEl>
+                                      </p:cBhvr>
+                                      <p:to x="100000" y="60000"/>
+                                    </p:animScale>
+                                    <p:animScale>
+                                      <p:cBhvr>
+                                        <p:cTn id="39" dur="166" decel="50000">
+                                          <p:stCondLst>
+                                            <p:cond delay="676"/>
+                                          </p:stCondLst>
+                                        </p:cTn>
+                                        <p:tgtEl>
+                                          <p:spTgt spid="15">
+                                            <p:graphicEl>
+                                              <a:dgm id="{9BA43678-A9F2-45F1-9B72-DABFDA8B4693}"/>
+                                            </p:graphicEl>
+                                          </p:spTgt>
+                                        </p:tgtEl>
+                                      </p:cBhvr>
+                                      <p:to x="100000" y="100000"/>
+                                    </p:animScale>
+                                    <p:animScale>
+                                      <p:cBhvr>
+                                        <p:cTn id="40" dur="26">
+                                          <p:stCondLst>
+                                            <p:cond delay="1312"/>
+                                          </p:stCondLst>
+                                        </p:cTn>
+                                        <p:tgtEl>
+                                          <p:spTgt spid="15">
+                                            <p:graphicEl>
+                                              <a:dgm id="{9BA43678-A9F2-45F1-9B72-DABFDA8B4693}"/>
+                                            </p:graphicEl>
+                                          </p:spTgt>
+                                        </p:tgtEl>
+                                      </p:cBhvr>
+                                      <p:to x="100000" y="80000"/>
+                                    </p:animScale>
+                                    <p:animScale>
+                                      <p:cBhvr>
+                                        <p:cTn id="41" dur="166" decel="50000">
+                                          <p:stCondLst>
+                                            <p:cond delay="1338"/>
+                                          </p:stCondLst>
+                                        </p:cTn>
+                                        <p:tgtEl>
+                                          <p:spTgt spid="15">
+                                            <p:graphicEl>
+                                              <a:dgm id="{9BA43678-A9F2-45F1-9B72-DABFDA8B4693}"/>
+                                            </p:graphicEl>
+                                          </p:spTgt>
+                                        </p:tgtEl>
+                                      </p:cBhvr>
+                                      <p:to x="100000" y="100000"/>
+                                    </p:animScale>
+                                    <p:animScale>
+                                      <p:cBhvr>
+                                        <p:cTn id="42" dur="26">
+                                          <p:stCondLst>
+                                            <p:cond delay="1642"/>
+                                          </p:stCondLst>
+                                        </p:cTn>
+                                        <p:tgtEl>
+                                          <p:spTgt spid="15">
+                                            <p:graphicEl>
+                                              <a:dgm id="{9BA43678-A9F2-45F1-9B72-DABFDA8B4693}"/>
+                                            </p:graphicEl>
+                                          </p:spTgt>
+                                        </p:tgtEl>
+                                      </p:cBhvr>
+                                      <p:to x="100000" y="90000"/>
+                                    </p:animScale>
+                                    <p:animScale>
+                                      <p:cBhvr>
+                                        <p:cTn id="43" dur="166" decel="50000">
+                                          <p:stCondLst>
+                                            <p:cond delay="1668"/>
+                                          </p:stCondLst>
+                                        </p:cTn>
+                                        <p:tgtEl>
+                                          <p:spTgt spid="15">
+                                            <p:graphicEl>
+                                              <a:dgm id="{9BA43678-A9F2-45F1-9B72-DABFDA8B4693}"/>
+                                            </p:graphicEl>
+                                          </p:spTgt>
+                                        </p:tgtEl>
+                                      </p:cBhvr>
+                                      <p:to x="100000" y="100000"/>
+                                    </p:animScale>
+                                    <p:animScale>
+                                      <p:cBhvr>
+                                        <p:cTn id="44" dur="26">
+                                          <p:stCondLst>
+                                            <p:cond delay="1808"/>
+                                          </p:stCondLst>
+                                        </p:cTn>
+                                        <p:tgtEl>
+                                          <p:spTgt spid="15">
+                                            <p:graphicEl>
+                                              <a:dgm id="{9BA43678-A9F2-45F1-9B72-DABFDA8B4693}"/>
+                                            </p:graphicEl>
+                                          </p:spTgt>
+                                        </p:tgtEl>
+                                      </p:cBhvr>
+                                      <p:to x="100000" y="95000"/>
+                                    </p:animScale>
+                                    <p:animScale>
+                                      <p:cBhvr>
+                                        <p:cTn id="45" dur="166" decel="50000">
+                                          <p:stCondLst>
+                                            <p:cond delay="1834"/>
+                                          </p:stCondLst>
+                                        </p:cTn>
+                                        <p:tgtEl>
+                                          <p:spTgt spid="15">
+                                            <p:graphicEl>
+                                              <a:dgm id="{9BA43678-A9F2-45F1-9B72-DABFDA8B4693}"/>
+                                            </p:graphicEl>
+                                          </p:spTgt>
+                                        </p:tgtEl>
+                                      </p:cBhvr>
+                                      <p:to x="100000" y="100000"/>
+                                    </p:animScale>
+                                  </p:childTnLst>
+                                </p:cTn>
+                              </p:par>
+                            </p:childTnLst>
+                          </p:cTn>
+                        </p:par>
+                      </p:childTnLst>
+                    </p:cTn>
+                  </p:par>
+                  <p:par>
+                    <p:cTn id="46" fill="hold">
+                      <p:stCondLst>
+                        <p:cond delay="indefinite"/>
+                      </p:stCondLst>
+                      <p:childTnLst>
+                        <p:par>
+                          <p:cTn id="47" fill="hold">
+                            <p:stCondLst>
+                              <p:cond delay="0"/>
+                            </p:stCondLst>
+                            <p:childTnLst>
+                              <p:par>
+                                <p:cTn id="48" presetID="26" presetClass="entr" presetSubtype="0" fill="hold" grpId="0" nodeType="clickEffect">
+                                  <p:stCondLst>
+                                    <p:cond delay="0"/>
+                                  </p:stCondLst>
+                                  <p:childTnLst>
+                                    <p:set>
+                                      <p:cBhvr>
+                                        <p:cTn id="49" dur="1" fill="hold">
+                                          <p:stCondLst>
+                                            <p:cond delay="0"/>
+                                          </p:stCondLst>
+                                        </p:cTn>
+                                        <p:tgtEl>
+                                          <p:spTgt spid="15">
+                                            <p:graphicEl>
+                                              <a:dgm id="{8A4D4311-0381-4CCD-86E7-D64E6497A5F0}"/>
+                                            </p:graphicEl>
+                                          </p:spTgt>
+                                        </p:tgtEl>
+                                        <p:attrNameLst>
+                                          <p:attrName>style.visibility</p:attrName>
+                                        </p:attrNameLst>
+                                      </p:cBhvr>
+                                      <p:to>
+                                        <p:strVal val="visible"/>
+                                      </p:to>
+                                    </p:set>
+                                    <p:animEffect transition="in" filter="wipe(down)">
+                                      <p:cBhvr>
+                                        <p:cTn id="50" dur="580">
+                                          <p:stCondLst>
+                                            <p:cond delay="0"/>
+                                          </p:stCondLst>
+                                        </p:cTn>
+                                        <p:tgtEl>
+                                          <p:spTgt spid="15">
+                                            <p:graphicEl>
+                                              <a:dgm id="{8A4D4311-0381-4CCD-86E7-D64E6497A5F0}"/>
+                                            </p:graphicEl>
+                                          </p:spTgt>
+                                        </p:tgtEl>
+                                      </p:cBhvr>
+                                    </p:animEffect>
+                                    <p:anim calcmode="lin" valueType="num">
+                                      <p:cBhvr>
+                                        <p:cTn id="51" dur="1822" tmFilter="0,0; 0.14,0.36; 0.43,0.73; 0.71,0.91; 1.0,1.0">
+                                          <p:stCondLst>
+                                            <p:cond delay="0"/>
+                                          </p:stCondLst>
+                                        </p:cTn>
+                                        <p:tgtEl>
+                                          <p:spTgt spid="15">
+                                            <p:graphicEl>
+                                              <a:dgm id="{8A4D4311-0381-4CCD-86E7-D64E6497A5F0}"/>
+                                            </p:graphicEl>
+                                          </p:spTgt>
+                                        </p:tgtEl>
+                                        <p:attrNameLst>
+                                          <p:attrName>ppt_x</p:attrName>
+                                        </p:attrNameLst>
+                                      </p:cBhvr>
+                                      <p:tavLst>
+                                        <p:tav tm="0">
+                                          <p:val>
+                                            <p:strVal val="#ppt_x-0.25"/>
+                                          </p:val>
+                                        </p:tav>
+                                        <p:tav tm="100000">
+                                          <p:val>
+                                            <p:strVal val="#ppt_x"/>
+                                          </p:val>
+                                        </p:tav>
+                                      </p:tavLst>
+                                    </p:anim>
+                                    <p:anim calcmode="lin" valueType="num">
+                                      <p:cBhvr>
+                                        <p:cTn id="52" dur="664" tmFilter="0.0,0.0; 0.25,0.07; 0.50,0.2; 0.75,0.467; 1.0,1.0">
+                                          <p:stCondLst>
+                                            <p:cond delay="0"/>
+                                          </p:stCondLst>
+                                        </p:cTn>
+                                        <p:tgtEl>
+                                          <p:spTgt spid="15">
+                                            <p:graphicEl>
+                                              <a:dgm id="{8A4D4311-0381-4CCD-86E7-D64E6497A5F0}"/>
+                                            </p:graphicEl>
+                                          </p:spTgt>
+                                        </p:tgtEl>
+                                        <p:attrNameLst>
+                                          <p:attrName>ppt_y</p:attrName>
+                                        </p:attrNameLst>
+                                      </p:cBhvr>
+                                      <p:tavLst>
+                                        <p:tav tm="0" fmla="#ppt_y-sin(pi*$)/3">
+                                          <p:val>
+                                            <p:fltVal val="0.5"/>
+                                          </p:val>
+                                        </p:tav>
+                                        <p:tav tm="100000">
+                                          <p:val>
+                                            <p:fltVal val="1"/>
+                                          </p:val>
+                                        </p:tav>
+                                      </p:tavLst>
+                                    </p:anim>
+                                    <p:anim calcmode="lin" valueType="num">
+                                      <p:cBhvr>
+                                        <p:cTn id="53" dur="664" tmFilter="0, 0; 0.125,0.2665; 0.25,0.4; 0.375,0.465; 0.5,0.5;  0.625,0.535; 0.75,0.6; 0.875,0.7335; 1,1">
+                                          <p:stCondLst>
+                                            <p:cond delay="664"/>
+                                          </p:stCondLst>
+                                        </p:cTn>
+                                        <p:tgtEl>
+                                          <p:spTgt spid="15">
+                                            <p:graphicEl>
+                                              <a:dgm id="{8A4D4311-0381-4CCD-86E7-D64E6497A5F0}"/>
+                                            </p:graphicEl>
+                                          </p:spTgt>
+                                        </p:tgtEl>
+                                        <p:attrNameLst>
+                                          <p:attrName>ppt_y</p:attrName>
+                                        </p:attrNameLst>
+                                      </p:cBhvr>
+                                      <p:tavLst>
+                                        <p:tav tm="0" fmla="#ppt_y-sin(pi*$)/9">
+                                          <p:val>
+                                            <p:fltVal val="0"/>
+                                          </p:val>
+                                        </p:tav>
+                                        <p:tav tm="100000">
+                                          <p:val>
+                                            <p:fltVal val="1"/>
+                                          </p:val>
+                                        </p:tav>
+                                      </p:tavLst>
+                                    </p:anim>
+                                    <p:anim calcmode="lin" valueType="num">
+                                      <p:cBhvr>
+                                        <p:cTn id="54" dur="332" tmFilter="0, 0; 0.125,0.2665; 0.25,0.4; 0.375,0.465; 0.5,0.5;  0.625,0.535; 0.75,0.6; 0.875,0.7335; 1,1">
+                                          <p:stCondLst>
+                                            <p:cond delay="1324"/>
+                                          </p:stCondLst>
+                                        </p:cTn>
+                                        <p:tgtEl>
+                                          <p:spTgt spid="15">
+                                            <p:graphicEl>
+                                              <a:dgm id="{8A4D4311-0381-4CCD-86E7-D64E6497A5F0}"/>
+                                            </p:graphicEl>
+                                          </p:spTgt>
+                                        </p:tgtEl>
+                                        <p:attrNameLst>
+                                          <p:attrName>ppt_y</p:attrName>
+                                        </p:attrNameLst>
+                                      </p:cBhvr>
+                                      <p:tavLst>
+                                        <p:tav tm="0" fmla="#ppt_y-sin(pi*$)/27">
+                                          <p:val>
+                                            <p:fltVal val="0"/>
+                                          </p:val>
+                                        </p:tav>
+                                        <p:tav tm="100000">
+                                          <p:val>
+                                            <p:fltVal val="1"/>
+                                          </p:val>
+                                        </p:tav>
+                                      </p:tavLst>
+                                    </p:anim>
+                                    <p:anim calcmode="lin" valueType="num">
+                                      <p:cBhvr>
+                                        <p:cTn id="55" dur="164" tmFilter="0, 0; 0.125,0.2665; 0.25,0.4; 0.375,0.465; 0.5,0.5;  0.625,0.535; 0.75,0.6; 0.875,0.7335; 1,1">
+                                          <p:stCondLst>
+                                            <p:cond delay="1656"/>
+                                          </p:stCondLst>
+                                        </p:cTn>
+                                        <p:tgtEl>
+                                          <p:spTgt spid="15">
+                                            <p:graphicEl>
+                                              <a:dgm id="{8A4D4311-0381-4CCD-86E7-D64E6497A5F0}"/>
+                                            </p:graphicEl>
+                                          </p:spTgt>
+                                        </p:tgtEl>
+                                        <p:attrNameLst>
+                                          <p:attrName>ppt_y</p:attrName>
+                                        </p:attrNameLst>
+                                      </p:cBhvr>
+                                      <p:tavLst>
+                                        <p:tav tm="0" fmla="#ppt_y-sin(pi*$)/81">
+                                          <p:val>
+                                            <p:fltVal val="0"/>
+                                          </p:val>
+                                        </p:tav>
+                                        <p:tav tm="100000">
+                                          <p:val>
+                                            <p:fltVal val="1"/>
+                                          </p:val>
+                                        </p:tav>
+                                      </p:tavLst>
+                                    </p:anim>
+                                    <p:animScale>
+                                      <p:cBhvr>
+                                        <p:cTn id="56" dur="26">
+                                          <p:stCondLst>
+                                            <p:cond delay="650"/>
+                                          </p:stCondLst>
+                                        </p:cTn>
+                                        <p:tgtEl>
+                                          <p:spTgt spid="15">
+                                            <p:graphicEl>
+                                              <a:dgm id="{8A4D4311-0381-4CCD-86E7-D64E6497A5F0}"/>
+                                            </p:graphicEl>
+                                          </p:spTgt>
+                                        </p:tgtEl>
+                                      </p:cBhvr>
+                                      <p:to x="100000" y="60000"/>
+                                    </p:animScale>
+                                    <p:animScale>
+                                      <p:cBhvr>
+                                        <p:cTn id="57" dur="166" decel="50000">
+                                          <p:stCondLst>
+                                            <p:cond delay="676"/>
+                                          </p:stCondLst>
+                                        </p:cTn>
+                                        <p:tgtEl>
+                                          <p:spTgt spid="15">
+                                            <p:graphicEl>
+                                              <a:dgm id="{8A4D4311-0381-4CCD-86E7-D64E6497A5F0}"/>
+                                            </p:graphicEl>
+                                          </p:spTgt>
+                                        </p:tgtEl>
+                                      </p:cBhvr>
+                                      <p:to x="100000" y="100000"/>
+                                    </p:animScale>
+                                    <p:animScale>
+                                      <p:cBhvr>
+                                        <p:cTn id="58" dur="26">
+                                          <p:stCondLst>
+                                            <p:cond delay="1312"/>
+                                          </p:stCondLst>
+                                        </p:cTn>
+                                        <p:tgtEl>
+                                          <p:spTgt spid="15">
+                                            <p:graphicEl>
+                                              <a:dgm id="{8A4D4311-0381-4CCD-86E7-D64E6497A5F0}"/>
+                                            </p:graphicEl>
+                                          </p:spTgt>
+                                        </p:tgtEl>
+                                      </p:cBhvr>
+                                      <p:to x="100000" y="80000"/>
+                                    </p:animScale>
+                                    <p:animScale>
+                                      <p:cBhvr>
+                                        <p:cTn id="59" dur="166" decel="50000">
+                                          <p:stCondLst>
+                                            <p:cond delay="1338"/>
+                                          </p:stCondLst>
+                                        </p:cTn>
+                                        <p:tgtEl>
+                                          <p:spTgt spid="15">
+                                            <p:graphicEl>
+                                              <a:dgm id="{8A4D4311-0381-4CCD-86E7-D64E6497A5F0}"/>
+                                            </p:graphicEl>
+                                          </p:spTgt>
+                                        </p:tgtEl>
+                                      </p:cBhvr>
+                                      <p:to x="100000" y="100000"/>
+                                    </p:animScale>
+                                    <p:animScale>
+                                      <p:cBhvr>
+                                        <p:cTn id="60" dur="26">
+                                          <p:stCondLst>
+                                            <p:cond delay="1642"/>
+                                          </p:stCondLst>
+                                        </p:cTn>
+                                        <p:tgtEl>
+                                          <p:spTgt spid="15">
+                                            <p:graphicEl>
+                                              <a:dgm id="{8A4D4311-0381-4CCD-86E7-D64E6497A5F0}"/>
+                                            </p:graphicEl>
+                                          </p:spTgt>
+                                        </p:tgtEl>
+                                      </p:cBhvr>
+                                      <p:to x="100000" y="90000"/>
+                                    </p:animScale>
+                                    <p:animScale>
+                                      <p:cBhvr>
+                                        <p:cTn id="61" dur="166" decel="50000">
+                                          <p:stCondLst>
+                                            <p:cond delay="1668"/>
+                                          </p:stCondLst>
+                                        </p:cTn>
+                                        <p:tgtEl>
+                                          <p:spTgt spid="15">
+                                            <p:graphicEl>
+                                              <a:dgm id="{8A4D4311-0381-4CCD-86E7-D64E6497A5F0}"/>
+                                            </p:graphicEl>
+                                          </p:spTgt>
+                                        </p:tgtEl>
+                                      </p:cBhvr>
+                                      <p:to x="100000" y="100000"/>
+                                    </p:animScale>
+                                    <p:animScale>
+                                      <p:cBhvr>
+                                        <p:cTn id="62" dur="26">
+                                          <p:stCondLst>
+                                            <p:cond delay="1808"/>
+                                          </p:stCondLst>
+                                        </p:cTn>
+                                        <p:tgtEl>
+                                          <p:spTgt spid="15">
+                                            <p:graphicEl>
+                                              <a:dgm id="{8A4D4311-0381-4CCD-86E7-D64E6497A5F0}"/>
+                                            </p:graphicEl>
+                                          </p:spTgt>
+                                        </p:tgtEl>
+                                      </p:cBhvr>
+                                      <p:to x="100000" y="95000"/>
+                                    </p:animScale>
+                                    <p:animScale>
+                                      <p:cBhvr>
+                                        <p:cTn id="63" dur="166" decel="50000">
+                                          <p:stCondLst>
+                                            <p:cond delay="1834"/>
+                                          </p:stCondLst>
+                                        </p:cTn>
+                                        <p:tgtEl>
+                                          <p:spTgt spid="15">
+                                            <p:graphicEl>
+                                              <a:dgm id="{8A4D4311-0381-4CCD-86E7-D64E6497A5F0}"/>
+                                            </p:graphicEl>
+                                          </p:spTgt>
+                                        </p:tgtEl>
+                                      </p:cBhvr>
+                                      <p:to x="100000" y="100000"/>
+                                    </p:animScale>
+                                  </p:childTnLst>
+                                </p:cTn>
+                              </p:par>
+                            </p:childTnLst>
+                          </p:cTn>
+                        </p:par>
+                      </p:childTnLst>
+                    </p:cTn>
+                  </p:par>
+                  <p:par>
+                    <p:cTn id="64" fill="hold">
+                      <p:stCondLst>
+                        <p:cond delay="indefinite"/>
+                      </p:stCondLst>
+                      <p:childTnLst>
+                        <p:par>
+                          <p:cTn id="65" fill="hold">
+                            <p:stCondLst>
+                              <p:cond delay="0"/>
+                            </p:stCondLst>
+                            <p:childTnLst>
+                              <p:par>
+                                <p:cTn id="66" presetID="26" presetClass="entr" presetSubtype="0" fill="hold" grpId="0" nodeType="clickEffect">
+                                  <p:stCondLst>
+                                    <p:cond delay="0"/>
+                                  </p:stCondLst>
+                                  <p:childTnLst>
+                                    <p:set>
+                                      <p:cBhvr>
+                                        <p:cTn id="67" dur="1" fill="hold">
+                                          <p:stCondLst>
+                                            <p:cond delay="0"/>
+                                          </p:stCondLst>
+                                        </p:cTn>
+                                        <p:tgtEl>
+                                          <p:spTgt spid="15">
+                                            <p:graphicEl>
+                                              <a:dgm id="{10792823-D25F-4073-B4FF-6F3D9548CEC0}"/>
+                                            </p:graphicEl>
+                                          </p:spTgt>
+                                        </p:tgtEl>
+                                        <p:attrNameLst>
+                                          <p:attrName>style.visibility</p:attrName>
+                                        </p:attrNameLst>
+                                      </p:cBhvr>
+                                      <p:to>
+                                        <p:strVal val="visible"/>
+                                      </p:to>
+                                    </p:set>
+                                    <p:animEffect transition="in" filter="wipe(down)">
+                                      <p:cBhvr>
+                                        <p:cTn id="68" dur="580">
+                                          <p:stCondLst>
+                                            <p:cond delay="0"/>
+                                          </p:stCondLst>
+                                        </p:cTn>
+                                        <p:tgtEl>
+                                          <p:spTgt spid="15">
+                                            <p:graphicEl>
+                                              <a:dgm id="{10792823-D25F-4073-B4FF-6F3D9548CEC0}"/>
+                                            </p:graphicEl>
+                                          </p:spTgt>
+                                        </p:tgtEl>
+                                      </p:cBhvr>
+                                    </p:animEffect>
+                                    <p:anim calcmode="lin" valueType="num">
+                                      <p:cBhvr>
+                                        <p:cTn id="69" dur="1822" tmFilter="0,0; 0.14,0.36; 0.43,0.73; 0.71,0.91; 1.0,1.0">
+                                          <p:stCondLst>
+                                            <p:cond delay="0"/>
+                                          </p:stCondLst>
+                                        </p:cTn>
+                                        <p:tgtEl>
+                                          <p:spTgt spid="15">
+                                            <p:graphicEl>
+                                              <a:dgm id="{10792823-D25F-4073-B4FF-6F3D9548CEC0}"/>
+                                            </p:graphicEl>
+                                          </p:spTgt>
+                                        </p:tgtEl>
+                                        <p:attrNameLst>
+                                          <p:attrName>ppt_x</p:attrName>
+                                        </p:attrNameLst>
+                                      </p:cBhvr>
+                                      <p:tavLst>
+                                        <p:tav tm="0">
+                                          <p:val>
+                                            <p:strVal val="#ppt_x-0.25"/>
+                                          </p:val>
+                                        </p:tav>
+                                        <p:tav tm="100000">
+                                          <p:val>
+                                            <p:strVal val="#ppt_x"/>
+                                          </p:val>
+                                        </p:tav>
+                                      </p:tavLst>
+                                    </p:anim>
+                                    <p:anim calcmode="lin" valueType="num">
+                                      <p:cBhvr>
+                                        <p:cTn id="70" dur="664" tmFilter="0.0,0.0; 0.25,0.07; 0.50,0.2; 0.75,0.467; 1.0,1.0">
+                                          <p:stCondLst>
+                                            <p:cond delay="0"/>
+                                          </p:stCondLst>
+                                        </p:cTn>
+                                        <p:tgtEl>
+                                          <p:spTgt spid="15">
+                                            <p:graphicEl>
+                                              <a:dgm id="{10792823-D25F-4073-B4FF-6F3D9548CEC0}"/>
+                                            </p:graphicEl>
+                                          </p:spTgt>
+                                        </p:tgtEl>
+                                        <p:attrNameLst>
+                                          <p:attrName>ppt_y</p:attrName>
+                                        </p:attrNameLst>
+                                      </p:cBhvr>
+                                      <p:tavLst>
+                                        <p:tav tm="0" fmla="#ppt_y-sin(pi*$)/3">
+                                          <p:val>
+                                            <p:fltVal val="0.5"/>
+                                          </p:val>
+                                        </p:tav>
+                                        <p:tav tm="100000">
+                                          <p:val>
+                                            <p:fltVal val="1"/>
+                                          </p:val>
+                                        </p:tav>
+                                      </p:tavLst>
+                                    </p:anim>
+                                    <p:anim calcmode="lin" valueType="num">
+                                      <p:cBhvr>
+                                        <p:cTn id="71" dur="664" tmFilter="0, 0; 0.125,0.2665; 0.25,0.4; 0.375,0.465; 0.5,0.5;  0.625,0.535; 0.75,0.6; 0.875,0.7335; 1,1">
+                                          <p:stCondLst>
+                                            <p:cond delay="664"/>
+                                          </p:stCondLst>
+                                        </p:cTn>
+                                        <p:tgtEl>
+                                          <p:spTgt spid="15">
+                                            <p:graphicEl>
+                                              <a:dgm id="{10792823-D25F-4073-B4FF-6F3D9548CEC0}"/>
+                                            </p:graphicEl>
+                                          </p:spTgt>
+                                        </p:tgtEl>
+                                        <p:attrNameLst>
+                                          <p:attrName>ppt_y</p:attrName>
+                                        </p:attrNameLst>
+                                      </p:cBhvr>
+                                      <p:tavLst>
+                                        <p:tav tm="0" fmla="#ppt_y-sin(pi*$)/9">
+                                          <p:val>
+                                            <p:fltVal val="0"/>
+                                          </p:val>
+                                        </p:tav>
+                                        <p:tav tm="100000">
+                                          <p:val>
+                                            <p:fltVal val="1"/>
+                                          </p:val>
+                                        </p:tav>
+                                      </p:tavLst>
+                                    </p:anim>
+                                    <p:anim calcmode="lin" valueType="num">
+                                      <p:cBhvr>
+                                        <p:cTn id="72" dur="332" tmFilter="0, 0; 0.125,0.2665; 0.25,0.4; 0.375,0.465; 0.5,0.5;  0.625,0.535; 0.75,0.6; 0.875,0.7335; 1,1">
+                                          <p:stCondLst>
+                                            <p:cond delay="1324"/>
+                                          </p:stCondLst>
+                                        </p:cTn>
+                                        <p:tgtEl>
+                                          <p:spTgt spid="15">
+                                            <p:graphicEl>
+                                              <a:dgm id="{10792823-D25F-4073-B4FF-6F3D9548CEC0}"/>
+                                            </p:graphicEl>
+                                          </p:spTgt>
+                                        </p:tgtEl>
+                                        <p:attrNameLst>
+                                          <p:attrName>ppt_y</p:attrName>
+                                        </p:attrNameLst>
+                                      </p:cBhvr>
+                                      <p:tavLst>
+                                        <p:tav tm="0" fmla="#ppt_y-sin(pi*$)/27">
+                                          <p:val>
+                                            <p:fltVal val="0"/>
+                                          </p:val>
+                                        </p:tav>
+                                        <p:tav tm="100000">
+                                          <p:val>
+                                            <p:fltVal val="1"/>
+                                          </p:val>
+                                        </p:tav>
+                                      </p:tavLst>
+                                    </p:anim>
+                                    <p:anim calcmode="lin" valueType="num">
+                                      <p:cBhvr>
+                                        <p:cTn id="73" dur="164" tmFilter="0, 0; 0.125,0.2665; 0.25,0.4; 0.375,0.465; 0.5,0.5;  0.625,0.535; 0.75,0.6; 0.875,0.7335; 1,1">
+                                          <p:stCondLst>
+                                            <p:cond delay="1656"/>
+                                          </p:stCondLst>
+                                        </p:cTn>
+                                        <p:tgtEl>
+                                          <p:spTgt spid="15">
+                                            <p:graphicEl>
+                                              <a:dgm id="{10792823-D25F-4073-B4FF-6F3D9548CEC0}"/>
+                                            </p:graphicEl>
+                                          </p:spTgt>
+                                        </p:tgtEl>
+                                        <p:attrNameLst>
+                                          <p:attrName>ppt_y</p:attrName>
+                                        </p:attrNameLst>
+                                      </p:cBhvr>
+                                      <p:tavLst>
+                                        <p:tav tm="0" fmla="#ppt_y-sin(pi*$)/81">
+                                          <p:val>
+                                            <p:fltVal val="0"/>
+                                          </p:val>
+                                        </p:tav>
+                                        <p:tav tm="100000">
+                                          <p:val>
+                                            <p:fltVal val="1"/>
+                                          </p:val>
+                                        </p:tav>
+                                      </p:tavLst>
+                                    </p:anim>
+                                    <p:animScale>
+                                      <p:cBhvr>
+                                        <p:cTn id="74" dur="26">
+                                          <p:stCondLst>
+                                            <p:cond delay="650"/>
+                                          </p:stCondLst>
+                                        </p:cTn>
+                                        <p:tgtEl>
+                                          <p:spTgt spid="15">
+                                            <p:graphicEl>
+                                              <a:dgm id="{10792823-D25F-4073-B4FF-6F3D9548CEC0}"/>
+                                            </p:graphicEl>
+                                          </p:spTgt>
+                                        </p:tgtEl>
+                                      </p:cBhvr>
+                                      <p:to x="100000" y="60000"/>
+                                    </p:animScale>
+                                    <p:animScale>
+                                      <p:cBhvr>
+                                        <p:cTn id="75" dur="166" decel="50000">
+                                          <p:stCondLst>
+                                            <p:cond delay="676"/>
+                                          </p:stCondLst>
+                                        </p:cTn>
+                                        <p:tgtEl>
+                                          <p:spTgt spid="15">
+                                            <p:graphicEl>
+                                              <a:dgm id="{10792823-D25F-4073-B4FF-6F3D9548CEC0}"/>
+                                            </p:graphicEl>
+                                          </p:spTgt>
+                                        </p:tgtEl>
+                                      </p:cBhvr>
+                                      <p:to x="100000" y="100000"/>
+                                    </p:animScale>
+                                    <p:animScale>
+                                      <p:cBhvr>
+                                        <p:cTn id="76" dur="26">
+                                          <p:stCondLst>
+                                            <p:cond delay="1312"/>
+                                          </p:stCondLst>
+                                        </p:cTn>
+                                        <p:tgtEl>
+                                          <p:spTgt spid="15">
+                                            <p:graphicEl>
+                                              <a:dgm id="{10792823-D25F-4073-B4FF-6F3D9548CEC0}"/>
+                                            </p:graphicEl>
+                                          </p:spTgt>
+                                        </p:tgtEl>
+                                      </p:cBhvr>
+                                      <p:to x="100000" y="80000"/>
+                                    </p:animScale>
+                                    <p:animScale>
+                                      <p:cBhvr>
+                                        <p:cTn id="77" dur="166" decel="50000">
+                                          <p:stCondLst>
+                                            <p:cond delay="1338"/>
+                                          </p:stCondLst>
+                                        </p:cTn>
+                                        <p:tgtEl>
+                                          <p:spTgt spid="15">
+                                            <p:graphicEl>
+                                              <a:dgm id="{10792823-D25F-4073-B4FF-6F3D9548CEC0}"/>
+                                            </p:graphicEl>
+                                          </p:spTgt>
+                                        </p:tgtEl>
+                                      </p:cBhvr>
+                                      <p:to x="100000" y="100000"/>
+                                    </p:animScale>
+                                    <p:animScale>
+                                      <p:cBhvr>
+                                        <p:cTn id="78" dur="26">
+                                          <p:stCondLst>
+                                            <p:cond delay="1642"/>
+                                          </p:stCondLst>
+                                        </p:cTn>
+                                        <p:tgtEl>
+                                          <p:spTgt spid="15">
+                                            <p:graphicEl>
+                                              <a:dgm id="{10792823-D25F-4073-B4FF-6F3D9548CEC0}"/>
+                                            </p:graphicEl>
+                                          </p:spTgt>
+                                        </p:tgtEl>
+                                      </p:cBhvr>
+                                      <p:to x="100000" y="90000"/>
+                                    </p:animScale>
+                                    <p:animScale>
+                                      <p:cBhvr>
+                                        <p:cTn id="79" dur="166" decel="50000">
+                                          <p:stCondLst>
+                                            <p:cond delay="1668"/>
+                                          </p:stCondLst>
+                                        </p:cTn>
+                                        <p:tgtEl>
+                                          <p:spTgt spid="15">
+                                            <p:graphicEl>
+                                              <a:dgm id="{10792823-D25F-4073-B4FF-6F3D9548CEC0}"/>
+                                            </p:graphicEl>
+                                          </p:spTgt>
+                                        </p:tgtEl>
+                                      </p:cBhvr>
+                                      <p:to x="100000" y="100000"/>
+                                    </p:animScale>
+                                    <p:animScale>
+                                      <p:cBhvr>
+                                        <p:cTn id="80" dur="26">
+                                          <p:stCondLst>
+                                            <p:cond delay="1808"/>
+                                          </p:stCondLst>
+                                        </p:cTn>
+                                        <p:tgtEl>
+                                          <p:spTgt spid="15">
+                                            <p:graphicEl>
+                                              <a:dgm id="{10792823-D25F-4073-B4FF-6F3D9548CEC0}"/>
+                                            </p:graphicEl>
+                                          </p:spTgt>
+                                        </p:tgtEl>
+                                      </p:cBhvr>
+                                      <p:to x="100000" y="95000"/>
+                                    </p:animScale>
+                                    <p:animScale>
+                                      <p:cBhvr>
+                                        <p:cTn id="81" dur="166" decel="50000">
+                                          <p:stCondLst>
+                                            <p:cond delay="1834"/>
+                                          </p:stCondLst>
+                                        </p:cTn>
+                                        <p:tgtEl>
+                                          <p:spTgt spid="15">
+                                            <p:graphicEl>
+                                              <a:dgm id="{10792823-D25F-4073-B4FF-6F3D9548CEC0}"/>
+                                            </p:graphicEl>
+                                          </p:spTgt>
+                                        </p:tgtEl>
+                                      </p:cBhvr>
+                                      <p:to x="100000" y="100000"/>
+                                    </p:animScale>
+                                  </p:childTnLst>
+                                </p:cTn>
+                              </p:par>
+                            </p:childTnLst>
+                          </p:cTn>
+                        </p:par>
+                      </p:childTnLst>
+                    </p:cTn>
+                  </p:par>
+                  <p:par>
+                    <p:cTn id="82" fill="hold">
+                      <p:stCondLst>
+                        <p:cond delay="indefinite"/>
+                      </p:stCondLst>
+                      <p:childTnLst>
+                        <p:par>
+                          <p:cTn id="83" fill="hold">
+                            <p:stCondLst>
+                              <p:cond delay="0"/>
+                            </p:stCondLst>
+                            <p:childTnLst>
+                              <p:par>
+                                <p:cTn id="84" presetID="26" presetClass="entr" presetSubtype="0" fill="hold" grpId="0" nodeType="clickEffect">
+                                  <p:stCondLst>
+                                    <p:cond delay="0"/>
+                                  </p:stCondLst>
+                                  <p:childTnLst>
+                                    <p:set>
+                                      <p:cBhvr>
+                                        <p:cTn id="85" dur="1" fill="hold">
+                                          <p:stCondLst>
+                                            <p:cond delay="0"/>
+                                          </p:stCondLst>
+                                        </p:cTn>
+                                        <p:tgtEl>
+                                          <p:spTgt spid="15">
+                                            <p:graphicEl>
+                                              <a:dgm id="{E93D3B08-F8AC-4AA6-8F8D-BE0D61960017}"/>
+                                            </p:graphicEl>
+                                          </p:spTgt>
+                                        </p:tgtEl>
+                                        <p:attrNameLst>
+                                          <p:attrName>style.visibility</p:attrName>
+                                        </p:attrNameLst>
+                                      </p:cBhvr>
+                                      <p:to>
+                                        <p:strVal val="visible"/>
+                                      </p:to>
+                                    </p:set>
+                                    <p:animEffect transition="in" filter="wipe(down)">
+                                      <p:cBhvr>
+                                        <p:cTn id="86" dur="580">
+                                          <p:stCondLst>
+                                            <p:cond delay="0"/>
+                                          </p:stCondLst>
+                                        </p:cTn>
+                                        <p:tgtEl>
+                                          <p:spTgt spid="15">
+                                            <p:graphicEl>
+                                              <a:dgm id="{E93D3B08-F8AC-4AA6-8F8D-BE0D61960017}"/>
+                                            </p:graphicEl>
+                                          </p:spTgt>
+                                        </p:tgtEl>
+                                      </p:cBhvr>
+                                    </p:animEffect>
+                                    <p:anim calcmode="lin" valueType="num">
+                                      <p:cBhvr>
+                                        <p:cTn id="87" dur="1822" tmFilter="0,0; 0.14,0.36; 0.43,0.73; 0.71,0.91; 1.0,1.0">
+                                          <p:stCondLst>
+                                            <p:cond delay="0"/>
+                                          </p:stCondLst>
+                                        </p:cTn>
+                                        <p:tgtEl>
+                                          <p:spTgt spid="15">
+                                            <p:graphicEl>
+                                              <a:dgm id="{E93D3B08-F8AC-4AA6-8F8D-BE0D61960017}"/>
+                                            </p:graphicEl>
+                                          </p:spTgt>
+                                        </p:tgtEl>
+                                        <p:attrNameLst>
+                                          <p:attrName>ppt_x</p:attrName>
+                                        </p:attrNameLst>
+                                      </p:cBhvr>
+                                      <p:tavLst>
+                                        <p:tav tm="0">
+                                          <p:val>
+                                            <p:strVal val="#ppt_x-0.25"/>
+                                          </p:val>
+                                        </p:tav>
+                                        <p:tav tm="100000">
+                                          <p:val>
+                                            <p:strVal val="#ppt_x"/>
+                                          </p:val>
+                                        </p:tav>
+                                      </p:tavLst>
+                                    </p:anim>
+                                    <p:anim calcmode="lin" valueType="num">
+                                      <p:cBhvr>
+                                        <p:cTn id="88" dur="664" tmFilter="0.0,0.0; 0.25,0.07; 0.50,0.2; 0.75,0.467; 1.0,1.0">
+                                          <p:stCondLst>
+                                            <p:cond delay="0"/>
+                                          </p:stCondLst>
+                                        </p:cTn>
+                                        <p:tgtEl>
+                                          <p:spTgt spid="15">
+                                            <p:graphicEl>
+                                              <a:dgm id="{E93D3B08-F8AC-4AA6-8F8D-BE0D61960017}"/>
+                                            </p:graphicEl>
+                                          </p:spTgt>
+                                        </p:tgtEl>
+                                        <p:attrNameLst>
+                                          <p:attrName>ppt_y</p:attrName>
+                                        </p:attrNameLst>
+                                      </p:cBhvr>
+                                      <p:tavLst>
+                                        <p:tav tm="0" fmla="#ppt_y-sin(pi*$)/3">
+                                          <p:val>
+                                            <p:fltVal val="0.5"/>
+                                          </p:val>
+                                        </p:tav>
+                                        <p:tav tm="100000">
+                                          <p:val>
+                                            <p:fltVal val="1"/>
+                                          </p:val>
+                                        </p:tav>
+                                      </p:tavLst>
+                                    </p:anim>
+                                    <p:anim calcmode="lin" valueType="num">
+                                      <p:cBhvr>
+                                        <p:cTn id="89" dur="664" tmFilter="0, 0; 0.125,0.2665; 0.25,0.4; 0.375,0.465; 0.5,0.5;  0.625,0.535; 0.75,0.6; 0.875,0.7335; 1,1">
+                                          <p:stCondLst>
+                                            <p:cond delay="664"/>
+                                          </p:stCondLst>
+                                        </p:cTn>
+                                        <p:tgtEl>
+                                          <p:spTgt spid="15">
+                                            <p:graphicEl>
+                                              <a:dgm id="{E93D3B08-F8AC-4AA6-8F8D-BE0D61960017}"/>
+                                            </p:graphicEl>
+                                          </p:spTgt>
+                                        </p:tgtEl>
+                                        <p:attrNameLst>
+                                          <p:attrName>ppt_y</p:attrName>
+                                        </p:attrNameLst>
+                                      </p:cBhvr>
+                                      <p:tavLst>
+                                        <p:tav tm="0" fmla="#ppt_y-sin(pi*$)/9">
+                                          <p:val>
+                                            <p:fltVal val="0"/>
+                                          </p:val>
+                                        </p:tav>
+                                        <p:tav tm="100000">
+                                          <p:val>
+                                            <p:fltVal val="1"/>
+                                          </p:val>
+                                        </p:tav>
+                                      </p:tavLst>
+                                    </p:anim>
+                                    <p:anim calcmode="lin" valueType="num">
+                                      <p:cBhvr>
+                                        <p:cTn id="90" dur="332" tmFilter="0, 0; 0.125,0.2665; 0.25,0.4; 0.375,0.465; 0.5,0.5;  0.625,0.535; 0.75,0.6; 0.875,0.7335; 1,1">
+                                          <p:stCondLst>
+                                            <p:cond delay="1324"/>
+                                          </p:stCondLst>
+                                        </p:cTn>
+                                        <p:tgtEl>
+                                          <p:spTgt spid="15">
+                                            <p:graphicEl>
+                                              <a:dgm id="{E93D3B08-F8AC-4AA6-8F8D-BE0D61960017}"/>
+                                            </p:graphicEl>
+                                          </p:spTgt>
+                                        </p:tgtEl>
+                                        <p:attrNameLst>
+                                          <p:attrName>ppt_y</p:attrName>
+                                        </p:attrNameLst>
+                                      </p:cBhvr>
+                                      <p:tavLst>
+                                        <p:tav tm="0" fmla="#ppt_y-sin(pi*$)/27">
+                                          <p:val>
+                                            <p:fltVal val="0"/>
+                                          </p:val>
+                                        </p:tav>
+                                        <p:tav tm="100000">
+                                          <p:val>
+                                            <p:fltVal val="1"/>
+                                          </p:val>
+                                        </p:tav>
+                                      </p:tavLst>
+                                    </p:anim>
+                                    <p:anim calcmode="lin" valueType="num">
+                                      <p:cBhvr>
+                                        <p:cTn id="91" dur="164" tmFilter="0, 0; 0.125,0.2665; 0.25,0.4; 0.375,0.465; 0.5,0.5;  0.625,0.535; 0.75,0.6; 0.875,0.7335; 1,1">
+                                          <p:stCondLst>
+                                            <p:cond delay="1656"/>
+                                          </p:stCondLst>
+                                        </p:cTn>
+                                        <p:tgtEl>
+                                          <p:spTgt spid="15">
+                                            <p:graphicEl>
+                                              <a:dgm id="{E93D3B08-F8AC-4AA6-8F8D-BE0D61960017}"/>
+                                            </p:graphicEl>
+                                          </p:spTgt>
+                                        </p:tgtEl>
+                                        <p:attrNameLst>
+                                          <p:attrName>ppt_y</p:attrName>
+                                        </p:attrNameLst>
+                                      </p:cBhvr>
+                                      <p:tavLst>
+                                        <p:tav tm="0" fmla="#ppt_y-sin(pi*$)/81">
+                                          <p:val>
+                                            <p:fltVal val="0"/>
+                                          </p:val>
+                                        </p:tav>
+                                        <p:tav tm="100000">
+                                          <p:val>
+                                            <p:fltVal val="1"/>
+                                          </p:val>
+                                        </p:tav>
+                                      </p:tavLst>
+                                    </p:anim>
+                                    <p:animScale>
+                                      <p:cBhvr>
+                                        <p:cTn id="92" dur="26">
+                                          <p:stCondLst>
+                                            <p:cond delay="650"/>
+                                          </p:stCondLst>
+                                        </p:cTn>
+                                        <p:tgtEl>
+                                          <p:spTgt spid="15">
+                                            <p:graphicEl>
+                                              <a:dgm id="{E93D3B08-F8AC-4AA6-8F8D-BE0D61960017}"/>
+                                            </p:graphicEl>
+                                          </p:spTgt>
+                                        </p:tgtEl>
+                                      </p:cBhvr>
+                                      <p:to x="100000" y="60000"/>
+                                    </p:animScale>
+                                    <p:animScale>
+                                      <p:cBhvr>
+                                        <p:cTn id="93" dur="166" decel="50000">
+                                          <p:stCondLst>
+                                            <p:cond delay="676"/>
+                                          </p:stCondLst>
+                                        </p:cTn>
+                                        <p:tgtEl>
+                                          <p:spTgt spid="15">
+                                            <p:graphicEl>
+                                              <a:dgm id="{E93D3B08-F8AC-4AA6-8F8D-BE0D61960017}"/>
+                                            </p:graphicEl>
+                                          </p:spTgt>
+                                        </p:tgtEl>
+                                      </p:cBhvr>
+                                      <p:to x="100000" y="100000"/>
+                                    </p:animScale>
+                                    <p:animScale>
+                                      <p:cBhvr>
+                                        <p:cTn id="94" dur="26">
+                                          <p:stCondLst>
+                                            <p:cond delay="1312"/>
+                                          </p:stCondLst>
+                                        </p:cTn>
+                                        <p:tgtEl>
+                                          <p:spTgt spid="15">
+                                            <p:graphicEl>
+                                              <a:dgm id="{E93D3B08-F8AC-4AA6-8F8D-BE0D61960017}"/>
+                                            </p:graphicEl>
+                                          </p:spTgt>
+                                        </p:tgtEl>
+                                      </p:cBhvr>
+                                      <p:to x="100000" y="80000"/>
+                                    </p:animScale>
+                                    <p:animScale>
+                                      <p:cBhvr>
+                                        <p:cTn id="95" dur="166" decel="50000">
+                                          <p:stCondLst>
+                                            <p:cond delay="1338"/>
+                                          </p:stCondLst>
+                                        </p:cTn>
+                                        <p:tgtEl>
+                                          <p:spTgt spid="15">
+                                            <p:graphicEl>
+                                              <a:dgm id="{E93D3B08-F8AC-4AA6-8F8D-BE0D61960017}"/>
+                                            </p:graphicEl>
+                                          </p:spTgt>
+                                        </p:tgtEl>
+                                      </p:cBhvr>
+                                      <p:to x="100000" y="100000"/>
+                                    </p:animScale>
+                                    <p:animScale>
+                                      <p:cBhvr>
+                                        <p:cTn id="96" dur="26">
+                                          <p:stCondLst>
+                                            <p:cond delay="1642"/>
+                                          </p:stCondLst>
+                                        </p:cTn>
+                                        <p:tgtEl>
+                                          <p:spTgt spid="15">
+                                            <p:graphicEl>
+                                              <a:dgm id="{E93D3B08-F8AC-4AA6-8F8D-BE0D61960017}"/>
+                                            </p:graphicEl>
+                                          </p:spTgt>
+                                        </p:tgtEl>
+                                      </p:cBhvr>
+                                      <p:to x="100000" y="90000"/>
+                                    </p:animScale>
+                                    <p:animScale>
+                                      <p:cBhvr>
+                                        <p:cTn id="97" dur="166" decel="50000">
+                                          <p:stCondLst>
+                                            <p:cond delay="1668"/>
+                                          </p:stCondLst>
+                                        </p:cTn>
+                                        <p:tgtEl>
+                                          <p:spTgt spid="15">
+                                            <p:graphicEl>
+                                              <a:dgm id="{E93D3B08-F8AC-4AA6-8F8D-BE0D61960017}"/>
+                                            </p:graphicEl>
+                                          </p:spTgt>
+                                        </p:tgtEl>
+                                      </p:cBhvr>
+                                      <p:to x="100000" y="100000"/>
+                                    </p:animScale>
+                                    <p:animScale>
+                                      <p:cBhvr>
+                                        <p:cTn id="98" dur="26">
+                                          <p:stCondLst>
+                                            <p:cond delay="1808"/>
+                                          </p:stCondLst>
+                                        </p:cTn>
+                                        <p:tgtEl>
+                                          <p:spTgt spid="15">
+                                            <p:graphicEl>
+                                              <a:dgm id="{E93D3B08-F8AC-4AA6-8F8D-BE0D61960017}"/>
+                                            </p:graphicEl>
+                                          </p:spTgt>
+                                        </p:tgtEl>
+                                      </p:cBhvr>
+                                      <p:to x="100000" y="95000"/>
+                                    </p:animScale>
+                                    <p:animScale>
+                                      <p:cBhvr>
+                                        <p:cTn id="99" dur="166" decel="50000">
+                                          <p:stCondLst>
+                                            <p:cond delay="1834"/>
+                                          </p:stCondLst>
+                                        </p:cTn>
+                                        <p:tgtEl>
+                                          <p:spTgt spid="15">
+                                            <p:graphicEl>
+                                              <a:dgm id="{E93D3B08-F8AC-4AA6-8F8D-BE0D61960017}"/>
+                                            </p:graphicEl>
+                                          </p:spTgt>
+                                        </p:tgtEl>
+                                      </p:cBhvr>
+                                      <p:to x="100000" y="100000"/>
+                                    </p:animScale>
+                                  </p:childTnLst>
+                                </p:cTn>
+                              </p:par>
+                            </p:childTnLst>
+                          </p:cTn>
+                        </p:par>
+                      </p:childTnLst>
+                    </p:cTn>
+                  </p:par>
+                  <p:par>
+                    <p:cTn id="100" fill="hold">
+                      <p:stCondLst>
+                        <p:cond delay="indefinite"/>
+                      </p:stCondLst>
+                      <p:childTnLst>
+                        <p:par>
+                          <p:cTn id="101" fill="hold">
+                            <p:stCondLst>
+                              <p:cond delay="0"/>
+                            </p:stCondLst>
+                            <p:childTnLst>
+                              <p:par>
+                                <p:cTn id="102" presetID="26" presetClass="entr" presetSubtype="0" fill="hold" grpId="0" nodeType="clickEffect">
+                                  <p:stCondLst>
+                                    <p:cond delay="0"/>
+                                  </p:stCondLst>
+                                  <p:childTnLst>
+                                    <p:set>
+                                      <p:cBhvr>
+                                        <p:cTn id="103" dur="1" fill="hold">
+                                          <p:stCondLst>
+                                            <p:cond delay="0"/>
+                                          </p:stCondLst>
+                                        </p:cTn>
+                                        <p:tgtEl>
+                                          <p:spTgt spid="15">
+                                            <p:graphicEl>
+                                              <a:dgm id="{25F089FD-D893-43CF-AC14-9E38457C0ECF}"/>
+                                            </p:graphicEl>
+                                          </p:spTgt>
+                                        </p:tgtEl>
+                                        <p:attrNameLst>
+                                          <p:attrName>style.visibility</p:attrName>
+                                        </p:attrNameLst>
+                                      </p:cBhvr>
+                                      <p:to>
+                                        <p:strVal val="visible"/>
+                                      </p:to>
+                                    </p:set>
+                                    <p:animEffect transition="in" filter="wipe(down)">
+                                      <p:cBhvr>
+                                        <p:cTn id="104" dur="580">
+                                          <p:stCondLst>
+                                            <p:cond delay="0"/>
+                                          </p:stCondLst>
+                                        </p:cTn>
+                                        <p:tgtEl>
+                                          <p:spTgt spid="15">
+                                            <p:graphicEl>
+                                              <a:dgm id="{25F089FD-D893-43CF-AC14-9E38457C0ECF}"/>
+                                            </p:graphicEl>
+                                          </p:spTgt>
+                                        </p:tgtEl>
+                                      </p:cBhvr>
+                                    </p:animEffect>
+                                    <p:anim calcmode="lin" valueType="num">
+                                      <p:cBhvr>
+                                        <p:cTn id="105" dur="1822" tmFilter="0,0; 0.14,0.36; 0.43,0.73; 0.71,0.91; 1.0,1.0">
+                                          <p:stCondLst>
+                                            <p:cond delay="0"/>
+                                          </p:stCondLst>
+                                        </p:cTn>
+                                        <p:tgtEl>
+                                          <p:spTgt spid="15">
+                                            <p:graphicEl>
+                                              <a:dgm id="{25F089FD-D893-43CF-AC14-9E38457C0ECF}"/>
+                                            </p:graphicEl>
+                                          </p:spTgt>
+                                        </p:tgtEl>
+                                        <p:attrNameLst>
+                                          <p:attrName>ppt_x</p:attrName>
+                                        </p:attrNameLst>
+                                      </p:cBhvr>
+                                      <p:tavLst>
+                                        <p:tav tm="0">
+                                          <p:val>
+                                            <p:strVal val="#ppt_x-0.25"/>
+                                          </p:val>
+                                        </p:tav>
+                                        <p:tav tm="100000">
+                                          <p:val>
+                                            <p:strVal val="#ppt_x"/>
+                                          </p:val>
+                                        </p:tav>
+                                      </p:tavLst>
+                                    </p:anim>
+                                    <p:anim calcmode="lin" valueType="num">
+                                      <p:cBhvr>
+                                        <p:cTn id="106" dur="664" tmFilter="0.0,0.0; 0.25,0.07; 0.50,0.2; 0.75,0.467; 1.0,1.0">
+                                          <p:stCondLst>
+                                            <p:cond delay="0"/>
+                                          </p:stCondLst>
+                                        </p:cTn>
+                                        <p:tgtEl>
+                                          <p:spTgt spid="15">
+                                            <p:graphicEl>
+                                              <a:dgm id="{25F089FD-D893-43CF-AC14-9E38457C0ECF}"/>
+                                            </p:graphicEl>
+                                          </p:spTgt>
+                                        </p:tgtEl>
+                                        <p:attrNameLst>
+                                          <p:attrName>ppt_y</p:attrName>
+                                        </p:attrNameLst>
+                                      </p:cBhvr>
+                                      <p:tavLst>
+                                        <p:tav tm="0" fmla="#ppt_y-sin(pi*$)/3">
+                                          <p:val>
+                                            <p:fltVal val="0.5"/>
+                                          </p:val>
+                                        </p:tav>
+                                        <p:tav tm="100000">
+                                          <p:val>
+                                            <p:fltVal val="1"/>
+                                          </p:val>
+                                        </p:tav>
+                                      </p:tavLst>
+                                    </p:anim>
+                                    <p:anim calcmode="lin" valueType="num">
+                                      <p:cBhvr>
+                                        <p:cTn id="107" dur="664" tmFilter="0, 0; 0.125,0.2665; 0.25,0.4; 0.375,0.465; 0.5,0.5;  0.625,0.535; 0.75,0.6; 0.875,0.7335; 1,1">
+                                          <p:stCondLst>
+                                            <p:cond delay="664"/>
+                                          </p:stCondLst>
+                                        </p:cTn>
+                                        <p:tgtEl>
+                                          <p:spTgt spid="15">
+                                            <p:graphicEl>
+                                              <a:dgm id="{25F089FD-D893-43CF-AC14-9E38457C0ECF}"/>
+                                            </p:graphicEl>
+                                          </p:spTgt>
+                                        </p:tgtEl>
+                                        <p:attrNameLst>
+                                          <p:attrName>ppt_y</p:attrName>
+                                        </p:attrNameLst>
+                                      </p:cBhvr>
+                                      <p:tavLst>
+                                        <p:tav tm="0" fmla="#ppt_y-sin(pi*$)/9">
+                                          <p:val>
+                                            <p:fltVal val="0"/>
+                                          </p:val>
+                                        </p:tav>
+                                        <p:tav tm="100000">
+                                          <p:val>
+                                            <p:fltVal val="1"/>
+                                          </p:val>
+                                        </p:tav>
+                                      </p:tavLst>
+                                    </p:anim>
+                                    <p:anim calcmode="lin" valueType="num">
+                                      <p:cBhvr>
+                                        <p:cTn id="108" dur="332" tmFilter="0, 0; 0.125,0.2665; 0.25,0.4; 0.375,0.465; 0.5,0.5;  0.625,0.535; 0.75,0.6; 0.875,0.7335; 1,1">
+                                          <p:stCondLst>
+                                            <p:cond delay="1324"/>
+                                          </p:stCondLst>
+                                        </p:cTn>
+                                        <p:tgtEl>
+                                          <p:spTgt spid="15">
+                                            <p:graphicEl>
+                                              <a:dgm id="{25F089FD-D893-43CF-AC14-9E38457C0ECF}"/>
+                                            </p:graphicEl>
+                                          </p:spTgt>
+                                        </p:tgtEl>
+                                        <p:attrNameLst>
+                                          <p:attrName>ppt_y</p:attrName>
+                                        </p:attrNameLst>
+                                      </p:cBhvr>
+                                      <p:tavLst>
+                                        <p:tav tm="0" fmla="#ppt_y-sin(pi*$)/27">
+                                          <p:val>
+                                            <p:fltVal val="0"/>
+                                          </p:val>
+                                        </p:tav>
+                                        <p:tav tm="100000">
+                                          <p:val>
+                                            <p:fltVal val="1"/>
+                                          </p:val>
+                                        </p:tav>
+                                      </p:tavLst>
+                                    </p:anim>
+                                    <p:anim calcmode="lin" valueType="num">
+                                      <p:cBhvr>
+                                        <p:cTn id="109" dur="164" tmFilter="0, 0; 0.125,0.2665; 0.25,0.4; 0.375,0.465; 0.5,0.5;  0.625,0.535; 0.75,0.6; 0.875,0.7335; 1,1">
+                                          <p:stCondLst>
+                                            <p:cond delay="1656"/>
+                                          </p:stCondLst>
+                                        </p:cTn>
+                                        <p:tgtEl>
+                                          <p:spTgt spid="15">
+                                            <p:graphicEl>
+                                              <a:dgm id="{25F089FD-D893-43CF-AC14-9E38457C0ECF}"/>
+                                            </p:graphicEl>
+                                          </p:spTgt>
+                                        </p:tgtEl>
+                                        <p:attrNameLst>
+                                          <p:attrName>ppt_y</p:attrName>
+                                        </p:attrNameLst>
+                                      </p:cBhvr>
+                                      <p:tavLst>
+                                        <p:tav tm="0" fmla="#ppt_y-sin(pi*$)/81">
+                                          <p:val>
+                                            <p:fltVal val="0"/>
+                                          </p:val>
+                                        </p:tav>
+                                        <p:tav tm="100000">
+                                          <p:val>
+                                            <p:fltVal val="1"/>
+                                          </p:val>
+                                        </p:tav>
+                                      </p:tavLst>
+                                    </p:anim>
+                                    <p:animScale>
+                                      <p:cBhvr>
+                                        <p:cTn id="110" dur="26">
+                                          <p:stCondLst>
+                                            <p:cond delay="650"/>
+                                          </p:stCondLst>
+                                        </p:cTn>
+                                        <p:tgtEl>
+                                          <p:spTgt spid="15">
+                                            <p:graphicEl>
+                                              <a:dgm id="{25F089FD-D893-43CF-AC14-9E38457C0ECF}"/>
+                                            </p:graphicEl>
+                                          </p:spTgt>
+                                        </p:tgtEl>
+                                      </p:cBhvr>
+                                      <p:to x="100000" y="60000"/>
+                                    </p:animScale>
+                                    <p:animScale>
+                                      <p:cBhvr>
+                                        <p:cTn id="111" dur="166" decel="50000">
+                                          <p:stCondLst>
+                                            <p:cond delay="676"/>
+                                          </p:stCondLst>
+                                        </p:cTn>
+                                        <p:tgtEl>
+                                          <p:spTgt spid="15">
+                                            <p:graphicEl>
+                                              <a:dgm id="{25F089FD-D893-43CF-AC14-9E38457C0ECF}"/>
+                                            </p:graphicEl>
+                                          </p:spTgt>
+                                        </p:tgtEl>
+                                      </p:cBhvr>
+                                      <p:to x="100000" y="100000"/>
+                                    </p:animScale>
+                                    <p:animScale>
+                                      <p:cBhvr>
+                                        <p:cTn id="112" dur="26">
+                                          <p:stCondLst>
+                                            <p:cond delay="1312"/>
+                                          </p:stCondLst>
+                                        </p:cTn>
+                                        <p:tgtEl>
+                                          <p:spTgt spid="15">
+                                            <p:graphicEl>
+                                              <a:dgm id="{25F089FD-D893-43CF-AC14-9E38457C0ECF}"/>
+                                            </p:graphicEl>
+                                          </p:spTgt>
+                                        </p:tgtEl>
+                                      </p:cBhvr>
+                                      <p:to x="100000" y="80000"/>
+                                    </p:animScale>
+                                    <p:animScale>
+                                      <p:cBhvr>
+                                        <p:cTn id="113" dur="166" decel="50000">
+                                          <p:stCondLst>
+                                            <p:cond delay="1338"/>
+                                          </p:stCondLst>
+                                        </p:cTn>
+                                        <p:tgtEl>
+                                          <p:spTgt spid="15">
+                                            <p:graphicEl>
+                                              <a:dgm id="{25F089FD-D893-43CF-AC14-9E38457C0ECF}"/>
+                                            </p:graphicEl>
+                                          </p:spTgt>
+                                        </p:tgtEl>
+                                      </p:cBhvr>
+                                      <p:to x="100000" y="100000"/>
+                                    </p:animScale>
+                                    <p:animScale>
+                                      <p:cBhvr>
+                                        <p:cTn id="114" dur="26">
+                                          <p:stCondLst>
+                                            <p:cond delay="1642"/>
+                                          </p:stCondLst>
+                                        </p:cTn>
+                                        <p:tgtEl>
+                                          <p:spTgt spid="15">
+                                            <p:graphicEl>
+                                              <a:dgm id="{25F089FD-D893-43CF-AC14-9E38457C0ECF}"/>
+                                            </p:graphicEl>
+                                          </p:spTgt>
+                                        </p:tgtEl>
+                                      </p:cBhvr>
+                                      <p:to x="100000" y="90000"/>
+                                    </p:animScale>
+                                    <p:animScale>
+                                      <p:cBhvr>
+                                        <p:cTn id="115" dur="166" decel="50000">
+                                          <p:stCondLst>
+                                            <p:cond delay="1668"/>
+                                          </p:stCondLst>
+                                        </p:cTn>
+                                        <p:tgtEl>
+                                          <p:spTgt spid="15">
+                                            <p:graphicEl>
+                                              <a:dgm id="{25F089FD-D893-43CF-AC14-9E38457C0ECF}"/>
+                                            </p:graphicEl>
+                                          </p:spTgt>
+                                        </p:tgtEl>
+                                      </p:cBhvr>
+                                      <p:to x="100000" y="100000"/>
+                                    </p:animScale>
+                                    <p:animScale>
+                                      <p:cBhvr>
+                                        <p:cTn id="116" dur="26">
+                                          <p:stCondLst>
+                                            <p:cond delay="1808"/>
+                                          </p:stCondLst>
+                                        </p:cTn>
+                                        <p:tgtEl>
+                                          <p:spTgt spid="15">
+                                            <p:graphicEl>
+                                              <a:dgm id="{25F089FD-D893-43CF-AC14-9E38457C0ECF}"/>
+                                            </p:graphicEl>
+                                          </p:spTgt>
+                                        </p:tgtEl>
+                                      </p:cBhvr>
+                                      <p:to x="100000" y="95000"/>
+                                    </p:animScale>
+                                    <p:animScale>
+                                      <p:cBhvr>
+                                        <p:cTn id="117" dur="166" decel="50000">
+                                          <p:stCondLst>
+                                            <p:cond delay="1834"/>
+                                          </p:stCondLst>
+                                        </p:cTn>
+                                        <p:tgtEl>
+                                          <p:spTgt spid="15">
+                                            <p:graphicEl>
+                                              <a:dgm id="{25F089FD-D893-43CF-AC14-9E38457C0ECF}"/>
+                                            </p:graphicEl>
+                                          </p:spTgt>
+                                        </p:tgtEl>
+                                      </p:cBhvr>
+                                      <p:to x="100000" y="100000"/>
+                                    </p:animScale>
+                                  </p:childTnLst>
+                                </p:cTn>
+                              </p:par>
+                            </p:childTnLst>
+                          </p:cTn>
+                        </p:par>
+                      </p:childTnLst>
+                    </p:cTn>
+                  </p:par>
+                  <p:par>
+                    <p:cTn id="118" fill="hold">
+                      <p:stCondLst>
+                        <p:cond delay="indefinite"/>
+                      </p:stCondLst>
+                      <p:childTnLst>
+                        <p:par>
+                          <p:cTn id="119" fill="hold">
+                            <p:stCondLst>
+                              <p:cond delay="0"/>
+                            </p:stCondLst>
+                            <p:childTnLst>
+                              <p:par>
+                                <p:cTn id="120" presetID="26" presetClass="entr" presetSubtype="0" fill="hold" grpId="0" nodeType="clickEffect">
+                                  <p:stCondLst>
+                                    <p:cond delay="0"/>
+                                  </p:stCondLst>
+                                  <p:childTnLst>
+                                    <p:set>
+                                      <p:cBhvr>
+                                        <p:cTn id="121" dur="1" fill="hold">
+                                          <p:stCondLst>
+                                            <p:cond delay="0"/>
+                                          </p:stCondLst>
+                                        </p:cTn>
+                                        <p:tgtEl>
+                                          <p:spTgt spid="15">
+                                            <p:graphicEl>
+                                              <a:dgm id="{AD60FF64-8368-4400-97E2-6AFE980E38D4}"/>
+                                            </p:graphicEl>
+                                          </p:spTgt>
+                                        </p:tgtEl>
+                                        <p:attrNameLst>
+                                          <p:attrName>style.visibility</p:attrName>
+                                        </p:attrNameLst>
+                                      </p:cBhvr>
+                                      <p:to>
+                                        <p:strVal val="visible"/>
+                                      </p:to>
+                                    </p:set>
+                                    <p:animEffect transition="in" filter="wipe(down)">
+                                      <p:cBhvr>
+                                        <p:cTn id="122" dur="580">
+                                          <p:stCondLst>
+                                            <p:cond delay="0"/>
+                                          </p:stCondLst>
+                                        </p:cTn>
+                                        <p:tgtEl>
+                                          <p:spTgt spid="15">
+                                            <p:graphicEl>
+                                              <a:dgm id="{AD60FF64-8368-4400-97E2-6AFE980E38D4}"/>
+                                            </p:graphicEl>
+                                          </p:spTgt>
+                                        </p:tgtEl>
+                                      </p:cBhvr>
+                                    </p:animEffect>
+                                    <p:anim calcmode="lin" valueType="num">
+                                      <p:cBhvr>
+                                        <p:cTn id="123" dur="1822" tmFilter="0,0; 0.14,0.36; 0.43,0.73; 0.71,0.91; 1.0,1.0">
+                                          <p:stCondLst>
+                                            <p:cond delay="0"/>
+                                          </p:stCondLst>
+                                        </p:cTn>
+                                        <p:tgtEl>
+                                          <p:spTgt spid="15">
+                                            <p:graphicEl>
+                                              <a:dgm id="{AD60FF64-8368-4400-97E2-6AFE980E38D4}"/>
+                                            </p:graphicEl>
+                                          </p:spTgt>
+                                        </p:tgtEl>
+                                        <p:attrNameLst>
+                                          <p:attrName>ppt_x</p:attrName>
+                                        </p:attrNameLst>
+                                      </p:cBhvr>
+                                      <p:tavLst>
+                                        <p:tav tm="0">
+                                          <p:val>
+                                            <p:strVal val="#ppt_x-0.25"/>
+                                          </p:val>
+                                        </p:tav>
+                                        <p:tav tm="100000">
+                                          <p:val>
+                                            <p:strVal val="#ppt_x"/>
+                                          </p:val>
+                                        </p:tav>
+                                      </p:tavLst>
+                                    </p:anim>
+                                    <p:anim calcmode="lin" valueType="num">
+                                      <p:cBhvr>
+                                        <p:cTn id="124" dur="664" tmFilter="0.0,0.0; 0.25,0.07; 0.50,0.2; 0.75,0.467; 1.0,1.0">
+                                          <p:stCondLst>
+                                            <p:cond delay="0"/>
+                                          </p:stCondLst>
+                                        </p:cTn>
+                                        <p:tgtEl>
+                                          <p:spTgt spid="15">
+                                            <p:graphicEl>
+                                              <a:dgm id="{AD60FF64-8368-4400-97E2-6AFE980E38D4}"/>
+                                            </p:graphicEl>
+                                          </p:spTgt>
+                                        </p:tgtEl>
+                                        <p:attrNameLst>
+                                          <p:attrName>ppt_y</p:attrName>
+                                        </p:attrNameLst>
+                                      </p:cBhvr>
+                                      <p:tavLst>
+                                        <p:tav tm="0" fmla="#ppt_y-sin(pi*$)/3">
+                                          <p:val>
+                                            <p:fltVal val="0.5"/>
+                                          </p:val>
+                                        </p:tav>
+                                        <p:tav tm="100000">
+                                          <p:val>
+                                            <p:fltVal val="1"/>
+                                          </p:val>
+                                        </p:tav>
+                                      </p:tavLst>
+                                    </p:anim>
+                                    <p:anim calcmode="lin" valueType="num">
+                                      <p:cBhvr>
+                                        <p:cTn id="125" dur="664" tmFilter="0, 0; 0.125,0.2665; 0.25,0.4; 0.375,0.465; 0.5,0.5;  0.625,0.535; 0.75,0.6; 0.875,0.7335; 1,1">
+                                          <p:stCondLst>
+                                            <p:cond delay="664"/>
+                                          </p:stCondLst>
+                                        </p:cTn>
+                                        <p:tgtEl>
+                                          <p:spTgt spid="15">
+                                            <p:graphicEl>
+                                              <a:dgm id="{AD60FF64-8368-4400-97E2-6AFE980E38D4}"/>
+                                            </p:graphicEl>
+                                          </p:spTgt>
+                                        </p:tgtEl>
+                                        <p:attrNameLst>
+                                          <p:attrName>ppt_y</p:attrName>
+                                        </p:attrNameLst>
+                                      </p:cBhvr>
+                                      <p:tavLst>
+                                        <p:tav tm="0" fmla="#ppt_y-sin(pi*$)/9">
+                                          <p:val>
+                                            <p:fltVal val="0"/>
+                                          </p:val>
+                                        </p:tav>
+                                        <p:tav tm="100000">
+                                          <p:val>
+                                            <p:fltVal val="1"/>
+                                          </p:val>
+                                        </p:tav>
+                                      </p:tavLst>
+                                    </p:anim>
+                                    <p:anim calcmode="lin" valueType="num">
+                                      <p:cBhvr>
+                                        <p:cTn id="126" dur="332" tmFilter="0, 0; 0.125,0.2665; 0.25,0.4; 0.375,0.465; 0.5,0.5;  0.625,0.535; 0.75,0.6; 0.875,0.7335; 1,1">
+                                          <p:stCondLst>
+                                            <p:cond delay="1324"/>
+                                          </p:stCondLst>
+                                        </p:cTn>
+                                        <p:tgtEl>
+                                          <p:spTgt spid="15">
+                                            <p:graphicEl>
+                                              <a:dgm id="{AD60FF64-8368-4400-97E2-6AFE980E38D4}"/>
+                                            </p:graphicEl>
+                                          </p:spTgt>
+                                        </p:tgtEl>
+                                        <p:attrNameLst>
+                                          <p:attrName>ppt_y</p:attrName>
+                                        </p:attrNameLst>
+                                      </p:cBhvr>
+                                      <p:tavLst>
+                                        <p:tav tm="0" fmla="#ppt_y-sin(pi*$)/27">
+                                          <p:val>
+                                            <p:fltVal val="0"/>
+                                          </p:val>
+                                        </p:tav>
+                                        <p:tav tm="100000">
+                                          <p:val>
+                                            <p:fltVal val="1"/>
+                                          </p:val>
+                                        </p:tav>
+                                      </p:tavLst>
+                                    </p:anim>
+                                    <p:anim calcmode="lin" valueType="num">
+                                      <p:cBhvr>
+                                        <p:cTn id="127" dur="164" tmFilter="0, 0; 0.125,0.2665; 0.25,0.4; 0.375,0.465; 0.5,0.5;  0.625,0.535; 0.75,0.6; 0.875,0.7335; 1,1">
+                                          <p:stCondLst>
+                                            <p:cond delay="1656"/>
+                                          </p:stCondLst>
+                                        </p:cTn>
+                                        <p:tgtEl>
+                                          <p:spTgt spid="15">
+                                            <p:graphicEl>
+                                              <a:dgm id="{AD60FF64-8368-4400-97E2-6AFE980E38D4}"/>
+                                            </p:graphicEl>
+                                          </p:spTgt>
+                                        </p:tgtEl>
+                                        <p:attrNameLst>
+                                          <p:attrName>ppt_y</p:attrName>
+                                        </p:attrNameLst>
+                                      </p:cBhvr>
+                                      <p:tavLst>
+                                        <p:tav tm="0" fmla="#ppt_y-sin(pi*$)/81">
+                                          <p:val>
+                                            <p:fltVal val="0"/>
+                                          </p:val>
+                                        </p:tav>
+                                        <p:tav tm="100000">
+                                          <p:val>
+                                            <p:fltVal val="1"/>
+                                          </p:val>
+                                        </p:tav>
+                                      </p:tavLst>
+                                    </p:anim>
+                                    <p:animScale>
+                                      <p:cBhvr>
+                                        <p:cTn id="128" dur="26">
+                                          <p:stCondLst>
+                                            <p:cond delay="650"/>
+                                          </p:stCondLst>
+                                        </p:cTn>
+                                        <p:tgtEl>
+                                          <p:spTgt spid="15">
+                                            <p:graphicEl>
+                                              <a:dgm id="{AD60FF64-8368-4400-97E2-6AFE980E38D4}"/>
+                                            </p:graphicEl>
+                                          </p:spTgt>
+                                        </p:tgtEl>
+                                      </p:cBhvr>
+                                      <p:to x="100000" y="60000"/>
+                                    </p:animScale>
+                                    <p:animScale>
+                                      <p:cBhvr>
+                                        <p:cTn id="129" dur="166" decel="50000">
+                                          <p:stCondLst>
+                                            <p:cond delay="676"/>
+                                          </p:stCondLst>
+                                        </p:cTn>
+                                        <p:tgtEl>
+                                          <p:spTgt spid="15">
+                                            <p:graphicEl>
+                                              <a:dgm id="{AD60FF64-8368-4400-97E2-6AFE980E38D4}"/>
+                                            </p:graphicEl>
+                                          </p:spTgt>
+                                        </p:tgtEl>
+                                      </p:cBhvr>
+                                      <p:to x="100000" y="100000"/>
+                                    </p:animScale>
+                                    <p:animScale>
+                                      <p:cBhvr>
+                                        <p:cTn id="130" dur="26">
+                                          <p:stCondLst>
+                                            <p:cond delay="1312"/>
+                                          </p:stCondLst>
+                                        </p:cTn>
+                                        <p:tgtEl>
+                                          <p:spTgt spid="15">
+                                            <p:graphicEl>
+                                              <a:dgm id="{AD60FF64-8368-4400-97E2-6AFE980E38D4}"/>
+                                            </p:graphicEl>
+                                          </p:spTgt>
+                                        </p:tgtEl>
+                                      </p:cBhvr>
+                                      <p:to x="100000" y="80000"/>
+                                    </p:animScale>
+                                    <p:animScale>
+                                      <p:cBhvr>
+                                        <p:cTn id="131" dur="166" decel="50000">
+                                          <p:stCondLst>
+                                            <p:cond delay="1338"/>
+                                          </p:stCondLst>
+                                        </p:cTn>
+                                        <p:tgtEl>
+                                          <p:spTgt spid="15">
+                                            <p:graphicEl>
+                                              <a:dgm id="{AD60FF64-8368-4400-97E2-6AFE980E38D4}"/>
+                                            </p:graphicEl>
+                                          </p:spTgt>
+                                        </p:tgtEl>
+                                      </p:cBhvr>
+                                      <p:to x="100000" y="100000"/>
+                                    </p:animScale>
+                                    <p:animScale>
+                                      <p:cBhvr>
+                                        <p:cTn id="132" dur="26">
+                                          <p:stCondLst>
+                                            <p:cond delay="1642"/>
+                                          </p:stCondLst>
+                                        </p:cTn>
+                                        <p:tgtEl>
+                                          <p:spTgt spid="15">
+                                            <p:graphicEl>
+                                              <a:dgm id="{AD60FF64-8368-4400-97E2-6AFE980E38D4}"/>
+                                            </p:graphicEl>
+                                          </p:spTgt>
+                                        </p:tgtEl>
+                                      </p:cBhvr>
+                                      <p:to x="100000" y="90000"/>
+                                    </p:animScale>
+                                    <p:animScale>
+                                      <p:cBhvr>
+                                        <p:cTn id="133" dur="166" decel="50000">
+                                          <p:stCondLst>
+                                            <p:cond delay="1668"/>
+                                          </p:stCondLst>
+                                        </p:cTn>
+                                        <p:tgtEl>
+                                          <p:spTgt spid="15">
+                                            <p:graphicEl>
+                                              <a:dgm id="{AD60FF64-8368-4400-97E2-6AFE980E38D4}"/>
+                                            </p:graphicEl>
+                                          </p:spTgt>
+                                        </p:tgtEl>
+                                      </p:cBhvr>
+                                      <p:to x="100000" y="100000"/>
+                                    </p:animScale>
+                                    <p:animScale>
+                                      <p:cBhvr>
+                                        <p:cTn id="134" dur="26">
+                                          <p:stCondLst>
+                                            <p:cond delay="1808"/>
+                                          </p:stCondLst>
+                                        </p:cTn>
+                                        <p:tgtEl>
+                                          <p:spTgt spid="15">
+                                            <p:graphicEl>
+                                              <a:dgm id="{AD60FF64-8368-4400-97E2-6AFE980E38D4}"/>
+                                            </p:graphicEl>
+                                          </p:spTgt>
+                                        </p:tgtEl>
+                                      </p:cBhvr>
+                                      <p:to x="100000" y="95000"/>
+                                    </p:animScale>
+                                    <p:animScale>
+                                      <p:cBhvr>
+                                        <p:cTn id="135" dur="166" decel="50000">
+                                          <p:stCondLst>
+                                            <p:cond delay="1834"/>
+                                          </p:stCondLst>
+                                        </p:cTn>
+                                        <p:tgtEl>
+                                          <p:spTgt spid="15">
+                                            <p:graphicEl>
+                                              <a:dgm id="{AD60FF64-8368-4400-97E2-6AFE980E38D4}"/>
+                                            </p:graphicEl>
+                                          </p:spTgt>
+                                        </p:tgtEl>
+                                      </p:cBhvr>
+                                      <p:to x="100000" y="100000"/>
+                                    </p:animScale>
+                                  </p:childTnLst>
+                                </p:cTn>
+                              </p:par>
+                            </p:childTnLst>
+                          </p:cTn>
+                        </p:par>
+                      </p:childTnLst>
+                    </p:cTn>
+                  </p:par>
+                  <p:par>
+                    <p:cTn id="136" fill="hold">
+                      <p:stCondLst>
+                        <p:cond delay="indefinite"/>
+                      </p:stCondLst>
+                      <p:childTnLst>
+                        <p:par>
+                          <p:cTn id="137" fill="hold">
+                            <p:stCondLst>
+                              <p:cond delay="0"/>
+                            </p:stCondLst>
+                            <p:childTnLst>
+                              <p:par>
+                                <p:cTn id="138" presetID="26" presetClass="entr" presetSubtype="0" fill="hold" grpId="0" nodeType="clickEffect">
+                                  <p:stCondLst>
+                                    <p:cond delay="0"/>
+                                  </p:stCondLst>
+                                  <p:childTnLst>
+                                    <p:set>
+                                      <p:cBhvr>
+                                        <p:cTn id="139" dur="1" fill="hold">
+                                          <p:stCondLst>
+                                            <p:cond delay="0"/>
+                                          </p:stCondLst>
+                                        </p:cTn>
+                                        <p:tgtEl>
+                                          <p:spTgt spid="15">
+                                            <p:graphicEl>
+                                              <a:dgm id="{922A566D-5FA9-41ED-9A43-FCDBC73F6BE9}"/>
+                                            </p:graphicEl>
+                                          </p:spTgt>
+                                        </p:tgtEl>
+                                        <p:attrNameLst>
+                                          <p:attrName>style.visibility</p:attrName>
+                                        </p:attrNameLst>
+                                      </p:cBhvr>
+                                      <p:to>
+                                        <p:strVal val="visible"/>
+                                      </p:to>
+                                    </p:set>
+                                    <p:animEffect transition="in" filter="wipe(down)">
+                                      <p:cBhvr>
+                                        <p:cTn id="140" dur="580">
+                                          <p:stCondLst>
+                                            <p:cond delay="0"/>
+                                          </p:stCondLst>
+                                        </p:cTn>
+                                        <p:tgtEl>
+                                          <p:spTgt spid="15">
+                                            <p:graphicEl>
+                                              <a:dgm id="{922A566D-5FA9-41ED-9A43-FCDBC73F6BE9}"/>
+                                            </p:graphicEl>
+                                          </p:spTgt>
+                                        </p:tgtEl>
+                                      </p:cBhvr>
+                                    </p:animEffect>
+                                    <p:anim calcmode="lin" valueType="num">
+                                      <p:cBhvr>
+                                        <p:cTn id="141" dur="1822" tmFilter="0,0; 0.14,0.36; 0.43,0.73; 0.71,0.91; 1.0,1.0">
+                                          <p:stCondLst>
+                                            <p:cond delay="0"/>
+                                          </p:stCondLst>
+                                        </p:cTn>
+                                        <p:tgtEl>
+                                          <p:spTgt spid="15">
+                                            <p:graphicEl>
+                                              <a:dgm id="{922A566D-5FA9-41ED-9A43-FCDBC73F6BE9}"/>
+                                            </p:graphicEl>
+                                          </p:spTgt>
+                                        </p:tgtEl>
+                                        <p:attrNameLst>
+                                          <p:attrName>ppt_x</p:attrName>
+                                        </p:attrNameLst>
+                                      </p:cBhvr>
+                                      <p:tavLst>
+                                        <p:tav tm="0">
+                                          <p:val>
+                                            <p:strVal val="#ppt_x-0.25"/>
+                                          </p:val>
+                                        </p:tav>
+                                        <p:tav tm="100000">
+                                          <p:val>
+                                            <p:strVal val="#ppt_x"/>
+                                          </p:val>
+                                        </p:tav>
+                                      </p:tavLst>
+                                    </p:anim>
+                                    <p:anim calcmode="lin" valueType="num">
+                                      <p:cBhvr>
+                                        <p:cTn id="142" dur="664" tmFilter="0.0,0.0; 0.25,0.07; 0.50,0.2; 0.75,0.467; 1.0,1.0">
+                                          <p:stCondLst>
+                                            <p:cond delay="0"/>
+                                          </p:stCondLst>
+                                        </p:cTn>
+                                        <p:tgtEl>
+                                          <p:spTgt spid="15">
+                                            <p:graphicEl>
+                                              <a:dgm id="{922A566D-5FA9-41ED-9A43-FCDBC73F6BE9}"/>
+                                            </p:graphicEl>
+                                          </p:spTgt>
+                                        </p:tgtEl>
+                                        <p:attrNameLst>
+                                          <p:attrName>ppt_y</p:attrName>
+                                        </p:attrNameLst>
+                                      </p:cBhvr>
+                                      <p:tavLst>
+                                        <p:tav tm="0" fmla="#ppt_y-sin(pi*$)/3">
+                                          <p:val>
+                                            <p:fltVal val="0.5"/>
+                                          </p:val>
+                                        </p:tav>
+                                        <p:tav tm="100000">
+                                          <p:val>
+                                            <p:fltVal val="1"/>
+                                          </p:val>
+                                        </p:tav>
+                                      </p:tavLst>
+                                    </p:anim>
+                                    <p:anim calcmode="lin" valueType="num">
+                                      <p:cBhvr>
+                                        <p:cTn id="143" dur="664" tmFilter="0, 0; 0.125,0.2665; 0.25,0.4; 0.375,0.465; 0.5,0.5;  0.625,0.535; 0.75,0.6; 0.875,0.7335; 1,1">
+                                          <p:stCondLst>
+                                            <p:cond delay="664"/>
+                                          </p:stCondLst>
+                                        </p:cTn>
+                                        <p:tgtEl>
+                                          <p:spTgt spid="15">
+                                            <p:graphicEl>
+                                              <a:dgm id="{922A566D-5FA9-41ED-9A43-FCDBC73F6BE9}"/>
+                                            </p:graphicEl>
+                                          </p:spTgt>
+                                        </p:tgtEl>
+                                        <p:attrNameLst>
+                                          <p:attrName>ppt_y</p:attrName>
+                                        </p:attrNameLst>
+                                      </p:cBhvr>
+                                      <p:tavLst>
+                                        <p:tav tm="0" fmla="#ppt_y-sin(pi*$)/9">
+                                          <p:val>
+                                            <p:fltVal val="0"/>
+                                          </p:val>
+                                        </p:tav>
+                                        <p:tav tm="100000">
+                                          <p:val>
+                                            <p:fltVal val="1"/>
+                                          </p:val>
+                                        </p:tav>
+                                      </p:tavLst>
+                                    </p:anim>
+                                    <p:anim calcmode="lin" valueType="num">
+                                      <p:cBhvr>
+                                        <p:cTn id="144" dur="332" tmFilter="0, 0; 0.125,0.2665; 0.25,0.4; 0.375,0.465; 0.5,0.5;  0.625,0.535; 0.75,0.6; 0.875,0.7335; 1,1">
+                                          <p:stCondLst>
+                                            <p:cond delay="1324"/>
+                                          </p:stCondLst>
+                                        </p:cTn>
+                                        <p:tgtEl>
+                                          <p:spTgt spid="15">
+                                            <p:graphicEl>
+                                              <a:dgm id="{922A566D-5FA9-41ED-9A43-FCDBC73F6BE9}"/>
+                                            </p:graphicEl>
+                                          </p:spTgt>
+                                        </p:tgtEl>
+                                        <p:attrNameLst>
+                                          <p:attrName>ppt_y</p:attrName>
+                                        </p:attrNameLst>
+                                      </p:cBhvr>
+                                      <p:tavLst>
+                                        <p:tav tm="0" fmla="#ppt_y-sin(pi*$)/27">
+                                          <p:val>
+                                            <p:fltVal val="0"/>
+                                          </p:val>
+                                        </p:tav>
+                                        <p:tav tm="100000">
+                                          <p:val>
+                                            <p:fltVal val="1"/>
+                                          </p:val>
+                                        </p:tav>
+                                      </p:tavLst>
+                                    </p:anim>
+                                    <p:anim calcmode="lin" valueType="num">
+                                      <p:cBhvr>
+                                        <p:cTn id="145" dur="164" tmFilter="0, 0; 0.125,0.2665; 0.25,0.4; 0.375,0.465; 0.5,0.5;  0.625,0.535; 0.75,0.6; 0.875,0.7335; 1,1">
+                                          <p:stCondLst>
+                                            <p:cond delay="1656"/>
+                                          </p:stCondLst>
+                                        </p:cTn>
+                                        <p:tgtEl>
+                                          <p:spTgt spid="15">
+                                            <p:graphicEl>
+                                              <a:dgm id="{922A566D-5FA9-41ED-9A43-FCDBC73F6BE9}"/>
+                                            </p:graphicEl>
+                                          </p:spTgt>
+                                        </p:tgtEl>
+                                        <p:attrNameLst>
+                                          <p:attrName>ppt_y</p:attrName>
+                                        </p:attrNameLst>
+                                      </p:cBhvr>
+                                      <p:tavLst>
+                                        <p:tav tm="0" fmla="#ppt_y-sin(pi*$)/81">
+                                          <p:val>
+                                            <p:fltVal val="0"/>
+                                          </p:val>
+                                        </p:tav>
+                                        <p:tav tm="100000">
+                                          <p:val>
+                                            <p:fltVal val="1"/>
+                                          </p:val>
+                                        </p:tav>
+                                      </p:tavLst>
+                                    </p:anim>
+                                    <p:animScale>
+                                      <p:cBhvr>
+                                        <p:cTn id="146" dur="26">
+                                          <p:stCondLst>
+                                            <p:cond delay="650"/>
+                                          </p:stCondLst>
+                                        </p:cTn>
+                                        <p:tgtEl>
+                                          <p:spTgt spid="15">
+                                            <p:graphicEl>
+                                              <a:dgm id="{922A566D-5FA9-41ED-9A43-FCDBC73F6BE9}"/>
+                                            </p:graphicEl>
+                                          </p:spTgt>
+                                        </p:tgtEl>
+                                      </p:cBhvr>
+                                      <p:to x="100000" y="60000"/>
+                                    </p:animScale>
+                                    <p:animScale>
+                                      <p:cBhvr>
+                                        <p:cTn id="147" dur="166" decel="50000">
+                                          <p:stCondLst>
+                                            <p:cond delay="676"/>
+                                          </p:stCondLst>
+                                        </p:cTn>
+                                        <p:tgtEl>
+                                          <p:spTgt spid="15">
+                                            <p:graphicEl>
+                                              <a:dgm id="{922A566D-5FA9-41ED-9A43-FCDBC73F6BE9}"/>
+                                            </p:graphicEl>
+                                          </p:spTgt>
+                                        </p:tgtEl>
+                                      </p:cBhvr>
+                                      <p:to x="100000" y="100000"/>
+                                    </p:animScale>
+                                    <p:animScale>
+                                      <p:cBhvr>
+                                        <p:cTn id="148" dur="26">
+                                          <p:stCondLst>
+                                            <p:cond delay="1312"/>
+                                          </p:stCondLst>
+                                        </p:cTn>
+                                        <p:tgtEl>
+                                          <p:spTgt spid="15">
+                                            <p:graphicEl>
+                                              <a:dgm id="{922A566D-5FA9-41ED-9A43-FCDBC73F6BE9}"/>
+                                            </p:graphicEl>
+                                          </p:spTgt>
+                                        </p:tgtEl>
+                                      </p:cBhvr>
+                                      <p:to x="100000" y="80000"/>
+                                    </p:animScale>
+                                    <p:animScale>
+                                      <p:cBhvr>
+                                        <p:cTn id="149" dur="166" decel="50000">
+                                          <p:stCondLst>
+                                            <p:cond delay="1338"/>
+                                          </p:stCondLst>
+                                        </p:cTn>
+                                        <p:tgtEl>
+                                          <p:spTgt spid="15">
+                                            <p:graphicEl>
+                                              <a:dgm id="{922A566D-5FA9-41ED-9A43-FCDBC73F6BE9}"/>
+                                            </p:graphicEl>
+                                          </p:spTgt>
+                                        </p:tgtEl>
+                                      </p:cBhvr>
+                                      <p:to x="100000" y="100000"/>
+                                    </p:animScale>
+                                    <p:animScale>
+                                      <p:cBhvr>
+                                        <p:cTn id="150" dur="26">
+                                          <p:stCondLst>
+                                            <p:cond delay="1642"/>
+                                          </p:stCondLst>
+                                        </p:cTn>
+                                        <p:tgtEl>
+                                          <p:spTgt spid="15">
+                                            <p:graphicEl>
+                                              <a:dgm id="{922A566D-5FA9-41ED-9A43-FCDBC73F6BE9}"/>
+                                            </p:graphicEl>
+                                          </p:spTgt>
+                                        </p:tgtEl>
+                                      </p:cBhvr>
+                                      <p:to x="100000" y="90000"/>
+                                    </p:animScale>
+                                    <p:animScale>
+                                      <p:cBhvr>
+                                        <p:cTn id="151" dur="166" decel="50000">
+                                          <p:stCondLst>
+                                            <p:cond delay="1668"/>
+                                          </p:stCondLst>
+                                        </p:cTn>
+                                        <p:tgtEl>
+                                          <p:spTgt spid="15">
+                                            <p:graphicEl>
+                                              <a:dgm id="{922A566D-5FA9-41ED-9A43-FCDBC73F6BE9}"/>
+                                            </p:graphicEl>
+                                          </p:spTgt>
+                                        </p:tgtEl>
+                                      </p:cBhvr>
+                                      <p:to x="100000" y="100000"/>
+                                    </p:animScale>
+                                    <p:animScale>
+                                      <p:cBhvr>
+                                        <p:cTn id="152" dur="26">
+                                          <p:stCondLst>
+                                            <p:cond delay="1808"/>
+                                          </p:stCondLst>
+                                        </p:cTn>
+                                        <p:tgtEl>
+                                          <p:spTgt spid="15">
+                                            <p:graphicEl>
+                                              <a:dgm id="{922A566D-5FA9-41ED-9A43-FCDBC73F6BE9}"/>
+                                            </p:graphicEl>
+                                          </p:spTgt>
+                                        </p:tgtEl>
+                                      </p:cBhvr>
+                                      <p:to x="100000" y="95000"/>
+                                    </p:animScale>
+                                    <p:animScale>
+                                      <p:cBhvr>
+                                        <p:cTn id="153" dur="166" decel="50000">
+                                          <p:stCondLst>
+                                            <p:cond delay="1834"/>
+                                          </p:stCondLst>
+                                        </p:cTn>
+                                        <p:tgtEl>
+                                          <p:spTgt spid="15">
+                                            <p:graphicEl>
+                                              <a:dgm id="{922A566D-5FA9-41ED-9A43-FCDBC73F6BE9}"/>
+                                            </p:graphicEl>
+                                          </p:spTgt>
+                                        </p:tgtEl>
+                                      </p:cBhvr>
+                                      <p:to x="100000" y="100000"/>
+                                    </p:animScale>
+                                  </p:childTnLst>
+                                </p:cTn>
+                              </p:par>
+                            </p:childTnLst>
+                          </p:cTn>
+                        </p:par>
+                      </p:childTnLst>
+                    </p:cTn>
+                  </p:par>
+                </p:childTnLst>
+              </p:cTn>
+              <p:prevCondLst>
+                <p:cond evt="onPrev" delay="0">
+                  <p:tgtEl>
+                    <p:sldTgt/>
+                  </p:tgtEl>
+                </p:cond>
+              </p:prevCondLst>
+              <p:nextCondLst>
+                <p:cond evt="onNext" delay="0">
+                  <p:tgtEl>
+                    <p:sldTgt/>
+                  </p:tgtEl>
+                </p:cond>
+              </p:nextCondLst>
+            </p:seq>
+          </p:childTnLst>
+        </p:cTn>
+      </p:par>
+    </p:tnLst>
+    <p:bldLst>
+      <p:bldP spid="2" grpId="0"/>
+      <p:bldGraphic spid="15" grpId="0">
+        <p:bldSub>
+          <a:bldDgm bld="one"/>
+        </p:bldSub>
+      </p:bldGraphic>
+    </p:bldLst>
+  </p:timing>
+</p:sld>
+</file>
+
+<file path=ppt/slides/slide3.xml><?xml version="1.0" encoding="utf-8"?>
 <p:sld xmlns:a="http://schemas.openxmlformats.org/drawingml/2006/main" xmlns:r="http://schemas.openxmlformats.org/officeDocument/2006/relationships" xmlns:p="http://schemas.openxmlformats.org/presentationml/2006/main">
   <p:cSld>
     <p:bg>
@@ -15865,7 +22688,7 @@
 </p:sld>
 </file>
 
-<file path=ppt/slides/slide3.xml><?xml version="1.0" encoding="utf-8"?>
+<file path=ppt/slides/slide4.xml><?xml version="1.0" encoding="utf-8"?>
 <p:sld xmlns:a="http://schemas.openxmlformats.org/drawingml/2006/main" xmlns:r="http://schemas.openxmlformats.org/officeDocument/2006/relationships" xmlns:p="http://schemas.openxmlformats.org/presentationml/2006/main">
   <p:cSld>
     <p:bg>
@@ -17450,7 +24273,7 @@
 </p:sld>
 </file>
 
-<file path=ppt/slides/slide4.xml><?xml version="1.0" encoding="utf-8"?>
+<file path=ppt/slides/slide5.xml><?xml version="1.0" encoding="utf-8"?>
 <p:sld xmlns:a="http://schemas.openxmlformats.org/drawingml/2006/main" xmlns:r="http://schemas.openxmlformats.org/officeDocument/2006/relationships" xmlns:p="http://schemas.openxmlformats.org/presentationml/2006/main">
   <p:cSld>
     <p:bg>
@@ -18673,7 +25496,7 @@
 </p:sld>
 </file>
 
-<file path=ppt/slides/slide5.xml><?xml version="1.0" encoding="utf-8"?>
+<file path=ppt/slides/slide6.xml><?xml version="1.0" encoding="utf-8"?>
 <p:sld xmlns:a="http://schemas.openxmlformats.org/drawingml/2006/main" xmlns:r="http://schemas.openxmlformats.org/officeDocument/2006/relationships" xmlns:p="http://schemas.openxmlformats.org/presentationml/2006/main">
   <p:cSld>
     <p:bg>
@@ -19294,144 +26117,6 @@
           </a:p>
         </p:txBody>
       </p:sp>
-      <p:sp>
-        <p:nvSpPr>
-          <p:cNvPr id="17" name="Rectangle 1">
-            <a:extLst>
-              <a:ext uri="{FF2B5EF4-FFF2-40B4-BE49-F238E27FC236}">
-                <a16:creationId xmlns:a16="http://schemas.microsoft.com/office/drawing/2014/main" id="{EBE17465-69ED-7D18-F8F4-02FBE2E0A622}"/>
-              </a:ext>
-            </a:extLst>
-          </p:cNvPr>
-          <p:cNvSpPr>
-            <a:spLocks noChangeArrowheads="1"/>
-          </p:cNvSpPr>
-          <p:nvPr/>
-        </p:nvSpPr>
-        <p:spPr bwMode="auto">
-          <a:xfrm>
-            <a:off x="0" y="0"/>
-            <a:ext cx="12192000" cy="0"/>
-          </a:xfrm>
-          <a:prstGeom prst="rect">
-            <a:avLst/>
-          </a:prstGeom>
-          <a:noFill/>
-          <a:ln>
-            <a:noFill/>
-          </a:ln>
-          <a:effectLst/>
-          <a:extLst>
-            <a:ext uri="{909E8E84-426E-40DD-AFC4-6F175D3DCCD1}">
-              <a14:hiddenFill xmlns:a14="http://schemas.microsoft.com/office/drawing/2010/main">
-                <a:solidFill>
-                  <a:schemeClr val="accent1"/>
-                </a:solidFill>
-              </a14:hiddenFill>
-            </a:ext>
-            <a:ext uri="{91240B29-F687-4F45-9708-019B960494DF}">
-              <a14:hiddenLine xmlns:a14="http://schemas.microsoft.com/office/drawing/2010/main" w="9525">
-                <a:solidFill>
-                  <a:schemeClr val="tx1"/>
-                </a:solidFill>
-                <a:miter lim="800000"/>
-                <a:headEnd/>
-                <a:tailEnd/>
-              </a14:hiddenLine>
-            </a:ext>
-            <a:ext uri="{AF507438-7753-43E0-B8FC-AC1667EBCBE1}">
-              <a14:hiddenEffects xmlns:a14="http://schemas.microsoft.com/office/drawing/2010/main">
-                <a:effectLst>
-                  <a:outerShdw dist="35921" dir="2700000" algn="ctr" rotWithShape="0">
-                    <a:schemeClr val="bg2"/>
-                  </a:outerShdw>
-                </a:effectLst>
-              </a14:hiddenEffects>
-            </a:ext>
-          </a:extLst>
-        </p:spPr>
-        <p:txBody>
-          <a:bodyPr vert="horz" wrap="none" lIns="91440" tIns="45720" rIns="91440" bIns="45720" numCol="1" anchor="ctr" anchorCtr="0" compatLnSpc="1">
-            <a:prstTxWarp prst="textNoShape">
-              <a:avLst/>
-            </a:prstTxWarp>
-            <a:spAutoFit/>
-          </a:bodyPr>
-          <a:lstStyle/>
-          <a:p>
-            <a:pPr marL="0" marR="0" lvl="0" indent="0" algn="l" defTabSz="914400" rtl="0" eaLnBrk="0" fontAlgn="base" latinLnBrk="0" hangingPunct="0">
-              <a:lnSpc>
-                <a:spcPct val="100000"/>
-              </a:lnSpc>
-              <a:spcBef>
-                <a:spcPct val="0"/>
-              </a:spcBef>
-              <a:spcAft>
-                <a:spcPct val="0"/>
-              </a:spcAft>
-              <a:buClrTx/>
-              <a:buSzTx/>
-              <a:buFontTx/>
-              <a:buChar char="•"/>
-              <a:tabLst/>
-            </a:pPr>
-            <a:r>
-              <a:rPr kumimoji="0" lang="en-US" altLang="en-US" sz="1800" b="1" i="0" u="none" strike="noStrike" cap="none" normalizeH="0" baseline="0">
-                <a:ln>
-                  <a:noFill/>
-                </a:ln>
-                <a:solidFill>
-                  <a:schemeClr val="tx1"/>
-                </a:solidFill>
-                <a:effectLst/>
-                <a:latin typeface="Arial" panose="020B0604020202020204" pitchFamily="34" charset="0"/>
-              </a:rPr>
-              <a:t>Description</a:t>
-            </a:r>
-            <a:r>
-              <a:rPr kumimoji="0" lang="en-US" altLang="en-US" sz="1800" b="0" i="0" u="none" strike="noStrike" cap="none" normalizeH="0" baseline="0">
-                <a:ln>
-                  <a:noFill/>
-                </a:ln>
-                <a:solidFill>
-                  <a:schemeClr val="tx1"/>
-                </a:solidFill>
-                <a:effectLst/>
-                <a:latin typeface="Arial" panose="020B0604020202020204" pitchFamily="34" charset="0"/>
-              </a:rPr>
-              <a:t>: This report calculates the average amount of assets managed per client.</a:t>
-            </a:r>
-          </a:p>
-          <a:p>
-            <a:pPr marL="0" marR="0" lvl="0" indent="0" algn="l" defTabSz="914400" rtl="0" eaLnBrk="0" fontAlgn="base" latinLnBrk="0" hangingPunct="0">
-              <a:lnSpc>
-                <a:spcPct val="100000"/>
-              </a:lnSpc>
-              <a:spcBef>
-                <a:spcPct val="0"/>
-              </a:spcBef>
-              <a:spcAft>
-                <a:spcPct val="0"/>
-              </a:spcAft>
-              <a:buClrTx/>
-              <a:buSzTx/>
-              <a:buFontTx/>
-              <a:buChar char="•"/>
-              <a:tabLst/>
-            </a:pPr>
-            <a:endParaRPr kumimoji="0" lang="en-US" altLang="en-US" sz="1800" b="0" i="0" u="none" strike="noStrike" cap="none" normalizeH="0" baseline="0">
-              <a:ln>
-                <a:noFill/>
-              </a:ln>
-              <a:solidFill>
-                <a:schemeClr val="tx1"/>
-              </a:solidFill>
-              <a:effectLst/>
-              <a:latin typeface="Arial" panose="020B0604020202020204" pitchFamily="34" charset="0"/>
-            </a:endParaRPr>
-          </a:p>
-        </p:txBody>
-      </p:sp>
     </p:spTree>
     <p:extLst>
       <p:ext uri="{BB962C8B-B14F-4D97-AF65-F5344CB8AC3E}">
@@ -19895,7 +26580,7 @@
 </p:sld>
 </file>
 
-<file path=ppt/slides/slide6.xml><?xml version="1.0" encoding="utf-8"?>
+<file path=ppt/slides/slide7.xml><?xml version="1.0" encoding="utf-8"?>
 <p:sld xmlns:a="http://schemas.openxmlformats.org/drawingml/2006/main" xmlns:r="http://schemas.openxmlformats.org/officeDocument/2006/relationships" xmlns:p="http://schemas.openxmlformats.org/presentationml/2006/main">
   <p:cSld>
     <p:bg>
@@ -20283,7 +26968,7 @@
               <a:tabLst/>
             </a:pPr>
             <a:r>
-              <a:rPr kumimoji="0" lang="en-US" altLang="en-US" sz="1800" b="1" i="0" u="none" strike="noStrike" cap="none" normalizeH="0" baseline="0">
+              <a:rPr kumimoji="0" lang="en-US" altLang="en-US" sz="1800" b="1" i="0" u="none" strike="noStrike" cap="none" normalizeH="0" baseline="0" dirty="0">
                 <a:ln>
                   <a:noFill/>
                 </a:ln>
@@ -20293,6 +26978,16 @@
               <a:t>Description</a:t>
             </a:r>
             <a:r>
+              <a:rPr kumimoji="0" lang="en-US" altLang="en-US" sz="1800" b="0" i="0" u="none" strike="noStrike" cap="none" normalizeH="0" baseline="0" dirty="0">
+                <a:ln>
+                  <a:noFill/>
+                </a:ln>
+                <a:effectLst/>
+                <a:latin typeface="Arial" panose="020B0604020202020204" pitchFamily="34" charset="0"/>
+              </a:rPr>
+              <a:t>: This report calculates the average amount of assets managed for the entire client </a:t>
+            </a:r>
+            <a:r>
               <a:rPr kumimoji="0" lang="en-US" altLang="en-US" sz="1800" b="0" i="0" u="none" strike="noStrike" cap="none" normalizeH="0" baseline="0">
                 <a:ln>
                   <a:noFill/>
@@ -20300,7 +26995,7 @@
                 <a:effectLst/>
                 <a:latin typeface="Arial" panose="020B0604020202020204" pitchFamily="34" charset="0"/>
               </a:rPr>
-              <a:t>: This report calculates the average amount of assets managed per client.</a:t>
+              <a:t>list.</a:t>
             </a:r>
           </a:p>
           <a:p>
@@ -20317,7 +27012,7 @@
               <a:buChar char="•"/>
               <a:tabLst/>
             </a:pPr>
-            <a:endParaRPr lang="en-US" altLang="en-US" sz="1800">
+            <a:endParaRPr lang="en-US" altLang="en-US" sz="1800" dirty="0">
               <a:latin typeface="Arial" panose="020B0604020202020204" pitchFamily="34" charset="0"/>
             </a:endParaRPr>
           </a:p>
@@ -20335,7 +27030,7 @@
               <a:tabLst/>
             </a:pPr>
             <a:r>
-              <a:rPr kumimoji="0" lang="en-US" altLang="en-US" sz="1800" b="0" i="0" u="none" strike="noStrike" cap="none" normalizeH="0" baseline="0">
+              <a:rPr kumimoji="0" lang="en-US" altLang="en-US" sz="1800" b="0" i="0" u="none" strike="noStrike" cap="none" normalizeH="0" baseline="0" dirty="0">
                 <a:ln>
                   <a:noFill/>
                 </a:ln>
@@ -20359,7 +27054,7 @@
               <a:buChar char="•"/>
               <a:tabLst/>
             </a:pPr>
-            <a:endParaRPr kumimoji="0" lang="en-US" altLang="en-US" sz="1800" b="0" i="0" u="none" strike="noStrike" cap="none" normalizeH="0" baseline="0">
+            <a:endParaRPr kumimoji="0" lang="en-US" altLang="en-US" sz="1800" b="0" i="0" u="none" strike="noStrike" cap="none" normalizeH="0" baseline="0" dirty="0">
               <a:ln>
                 <a:noFill/>
               </a:ln>
@@ -20421,138 +27116,6 @@
           </a:fontRef>
         </p:style>
       </p:cxnSp>
-      <p:sp>
-        <p:nvSpPr>
-          <p:cNvPr id="4" name="Rectangle 1">
-            <a:extLst>
-              <a:ext uri="{FF2B5EF4-FFF2-40B4-BE49-F238E27FC236}">
-                <a16:creationId xmlns:a16="http://schemas.microsoft.com/office/drawing/2014/main" id="{FE550BF5-15B6-DB27-DDD8-C01CC7631028}"/>
-              </a:ext>
-            </a:extLst>
-          </p:cNvPr>
-          <p:cNvSpPr>
-            <a:spLocks noChangeArrowheads="1"/>
-          </p:cNvSpPr>
-          <p:nvPr/>
-        </p:nvSpPr>
-        <p:spPr bwMode="auto">
-          <a:xfrm>
-            <a:off x="0" y="-361637"/>
-            <a:ext cx="9045105" cy="723275"/>
-          </a:xfrm>
-          <a:prstGeom prst="rect">
-            <a:avLst/>
-          </a:prstGeom>
-          <a:noFill/>
-          <a:ln>
-            <a:noFill/>
-          </a:ln>
-          <a:effectLst/>
-          <a:extLst>
-            <a:ext uri="{909E8E84-426E-40DD-AFC4-6F175D3DCCD1}">
-              <a14:hiddenFill xmlns:a14="http://schemas.microsoft.com/office/drawing/2010/main">
-                <a:solidFill>
-                  <a:schemeClr val="accent1"/>
-                </a:solidFill>
-              </a14:hiddenFill>
-            </a:ext>
-            <a:ext uri="{91240B29-F687-4F45-9708-019B960494DF}">
-              <a14:hiddenLine xmlns:a14="http://schemas.microsoft.com/office/drawing/2010/main" w="9525">
-                <a:solidFill>
-                  <a:schemeClr val="tx1"/>
-                </a:solidFill>
-                <a:miter lim="800000"/>
-                <a:headEnd/>
-                <a:tailEnd/>
-              </a14:hiddenLine>
-            </a:ext>
-            <a:ext uri="{AF507438-7753-43E0-B8FC-AC1667EBCBE1}">
-              <a14:hiddenEffects xmlns:a14="http://schemas.microsoft.com/office/drawing/2010/main">
-                <a:effectLst>
-                  <a:outerShdw dist="35921" dir="2700000" algn="ctr" rotWithShape="0">
-                    <a:schemeClr val="bg2"/>
-                  </a:outerShdw>
-                </a:effectLst>
-              </a14:hiddenEffects>
-            </a:ext>
-          </a:extLst>
-        </p:spPr>
-        <p:txBody>
-          <a:bodyPr vert="horz" wrap="none" lIns="91440" tIns="45720" rIns="91440" bIns="45720" numCol="1" anchor="ctr" anchorCtr="0" compatLnSpc="1">
-            <a:prstTxWarp prst="textNoShape">
-              <a:avLst/>
-            </a:prstTxWarp>
-            <a:spAutoFit/>
-          </a:bodyPr>
-          <a:lstStyle/>
-          <a:p>
-            <a:pPr marL="0" marR="0" lvl="0" indent="0" algn="l" defTabSz="914400" rtl="0" eaLnBrk="0" fontAlgn="base" latinLnBrk="0" hangingPunct="0">
-              <a:spcBef>
-                <a:spcPct val="0"/>
-              </a:spcBef>
-              <a:spcAft>
-                <a:spcPts val="600"/>
-              </a:spcAft>
-              <a:buClrTx/>
-              <a:buSzTx/>
-              <a:buFontTx/>
-              <a:buChar char="•"/>
-              <a:tabLst/>
-            </a:pPr>
-            <a:r>
-              <a:rPr kumimoji="0" lang="en-US" altLang="en-US" b="1" i="0" u="none" strike="noStrike" cap="none" normalizeH="0" baseline="0">
-                <a:ln>
-                  <a:noFill/>
-                </a:ln>
-                <a:solidFill>
-                  <a:schemeClr val="tx1"/>
-                </a:solidFill>
-                <a:effectLst/>
-                <a:latin typeface="Arial" panose="020B0604020202020204" pitchFamily="34" charset="0"/>
-              </a:rPr>
-              <a:t>Description</a:t>
-            </a:r>
-            <a:r>
-              <a:rPr kumimoji="0" lang="en-US" altLang="en-US" b="0" i="0" u="none" strike="noStrike" cap="none" normalizeH="0" baseline="0">
-                <a:ln>
-                  <a:noFill/>
-                </a:ln>
-                <a:solidFill>
-                  <a:schemeClr val="tx1"/>
-                </a:solidFill>
-                <a:effectLst/>
-                <a:latin typeface="Arial" panose="020B0604020202020204" pitchFamily="34" charset="0"/>
-              </a:rPr>
-              <a:t>: This report calculates the average amount of assets managed per client.</a:t>
-            </a:r>
-          </a:p>
-          <a:p>
-            <a:pPr marL="0" marR="0" lvl="0" indent="0" algn="l" defTabSz="914400" rtl="0" eaLnBrk="0" fontAlgn="base" latinLnBrk="0" hangingPunct="0">
-              <a:spcBef>
-                <a:spcPct val="0"/>
-              </a:spcBef>
-              <a:spcAft>
-                <a:spcPts val="600"/>
-              </a:spcAft>
-              <a:buClrTx/>
-              <a:buSzTx/>
-              <a:buFontTx/>
-              <a:buChar char="•"/>
-              <a:tabLst/>
-            </a:pPr>
-            <a:endParaRPr kumimoji="0" lang="en-US" altLang="en-US" b="0" i="0" u="none" strike="noStrike" cap="none" normalizeH="0" baseline="0">
-              <a:ln>
-                <a:noFill/>
-              </a:ln>
-              <a:solidFill>
-                <a:schemeClr val="tx1"/>
-              </a:solidFill>
-              <a:effectLst/>
-              <a:latin typeface="Arial" panose="020B0604020202020204" pitchFamily="34" charset="0"/>
-            </a:endParaRPr>
-          </a:p>
-        </p:txBody>
-      </p:sp>
       <p:pic>
         <p:nvPicPr>
           <p:cNvPr id="11" name="Picture 10" descr="A black background with white text&#10;&#10;Description automatically generated">
@@ -20581,7 +27144,7 @@
         </p:blipFill>
         <p:spPr>
           <a:xfrm>
-            <a:off x="8000434" y="3956966"/>
+            <a:off x="8028859" y="4211721"/>
             <a:ext cx="3708942" cy="847981"/>
           </a:xfrm>
           <a:prstGeom prst="rect">
@@ -21119,7 +27682,7 @@
 </p:sld>
 </file>
 
-<file path=ppt/slides/slide7.xml><?xml version="1.0" encoding="utf-8"?>
+<file path=ppt/slides/slide8.xml><?xml version="1.0" encoding="utf-8"?>
 <p:sld xmlns:a="http://schemas.openxmlformats.org/drawingml/2006/main" xmlns:r="http://schemas.openxmlformats.org/officeDocument/2006/relationships" xmlns:p="http://schemas.openxmlformats.org/presentationml/2006/main">
   <p:cSld>
     <p:bg>
@@ -22304,7 +28867,7 @@
 </p:sld>
 </file>
 
-<file path=ppt/slides/slide8.xml><?xml version="1.0" encoding="utf-8"?>
+<file path=ppt/slides/slide9.xml><?xml version="1.0" encoding="utf-8"?>
 <p:sld xmlns:a="http://schemas.openxmlformats.org/drawingml/2006/main" xmlns:r="http://schemas.openxmlformats.org/officeDocument/2006/relationships" xmlns:p="http://schemas.openxmlformats.org/presentationml/2006/main">
   <p:cSld>
     <p:bg>
@@ -23263,651 +29826,6 @@
 </p:sld>
 </file>
 
-<file path=ppt/slides/slide9.xml><?xml version="1.0" encoding="utf-8"?>
-<p:sld xmlns:a="http://schemas.openxmlformats.org/drawingml/2006/main" xmlns:r="http://schemas.openxmlformats.org/officeDocument/2006/relationships" xmlns:p="http://schemas.openxmlformats.org/presentationml/2006/main">
-  <p:cSld>
-    <p:bg>
-      <p:bgPr>
-        <a:solidFill>
-          <a:schemeClr val="bg2"/>
-        </a:solidFill>
-        <a:effectLst/>
-      </p:bgPr>
-    </p:bg>
-    <p:spTree>
-      <p:nvGrpSpPr>
-        <p:cNvPr id="1" name=""/>
-        <p:cNvGrpSpPr/>
-        <p:nvPr/>
-      </p:nvGrpSpPr>
-      <p:grpSpPr>
-        <a:xfrm>
-          <a:off x="0" y="0"/>
-          <a:ext cx="0" cy="0"/>
-          <a:chOff x="0" y="0"/>
-          <a:chExt cx="0" cy="0"/>
-        </a:xfrm>
-      </p:grpSpPr>
-      <p:sp>
-        <p:nvSpPr>
-          <p:cNvPr id="28" name="Rectangle 27">
-            <a:extLst>
-              <a:ext uri="{FF2B5EF4-FFF2-40B4-BE49-F238E27FC236}">
-                <a16:creationId xmlns:a16="http://schemas.microsoft.com/office/drawing/2014/main" id="{EBAF395E-7D52-496C-ACDD-468AEC1ADF0A}"/>
-              </a:ext>
-              <a:ext uri="{C183D7F6-B498-43B3-948B-1728B52AA6E4}">
-                <adec:decorative xmlns:adec="http://schemas.microsoft.com/office/drawing/2017/decorative" val="1"/>
-              </a:ext>
-            </a:extLst>
-          </p:cNvPr>
-          <p:cNvSpPr>
-            <a:spLocks noGrp="1" noRot="1" noChangeAspect="1" noMove="1" noResize="1" noEditPoints="1" noAdjustHandles="1" noChangeArrowheads="1" noChangeShapeType="1" noTextEdit="1"/>
-          </p:cNvSpPr>
-          <p:nvPr>
-            <p:extLst>
-              <p:ext uri="{386F3935-93C4-4BCD-93E2-E3B085C9AB24}">
-                <p16:designElem xmlns:p16="http://schemas.microsoft.com/office/powerpoint/2015/main" val="1"/>
-              </p:ext>
-            </p:extLst>
-          </p:nvPr>
-        </p:nvSpPr>
-        <p:spPr>
-          <a:xfrm>
-            <a:off x="1" y="0"/>
-            <a:ext cx="12192000" cy="6858000"/>
-          </a:xfrm>
-          <a:prstGeom prst="rect">
-            <a:avLst/>
-          </a:prstGeom>
-          <a:solidFill>
-            <a:srgbClr val="000000"/>
-          </a:solidFill>
-          <a:ln>
-            <a:noFill/>
-          </a:ln>
-        </p:spPr>
-        <p:style>
-          <a:lnRef idx="2">
-            <a:schemeClr val="accent1">
-              <a:shade val="50000"/>
-            </a:schemeClr>
-          </a:lnRef>
-          <a:fillRef idx="1">
-            <a:schemeClr val="accent1"/>
-          </a:fillRef>
-          <a:effectRef idx="0">
-            <a:schemeClr val="accent1"/>
-          </a:effectRef>
-          <a:fontRef idx="minor">
-            <a:schemeClr val="lt1"/>
-          </a:fontRef>
-        </p:style>
-        <p:txBody>
-          <a:bodyPr rtlCol="0" anchor="ctr"/>
-          <a:lstStyle/>
-          <a:p>
-            <a:pPr algn="ctr"/>
-            <a:endParaRPr lang="en-US"/>
-          </a:p>
-        </p:txBody>
-      </p:sp>
-      <p:pic>
-        <p:nvPicPr>
-          <p:cNvPr id="5" name="Picture 4" descr="Graph on document with pen">
-            <a:extLst>
-              <a:ext uri="{FF2B5EF4-FFF2-40B4-BE49-F238E27FC236}">
-                <a16:creationId xmlns:a16="http://schemas.microsoft.com/office/drawing/2014/main" id="{DAFB3045-2A77-D667-6142-733E7F6E080E}"/>
-              </a:ext>
-            </a:extLst>
-          </p:cNvPr>
-          <p:cNvPicPr>
-            <a:picLocks noChangeAspect="1"/>
-          </p:cNvPicPr>
-          <p:nvPr/>
-        </p:nvPicPr>
-        <p:blipFill>
-          <a:blip r:embed="rId2">
-            <a:alphaModFix amt="60000"/>
-          </a:blip>
-          <a:srcRect t="1415" b="14315"/>
-          <a:stretch/>
-        </p:blipFill>
-        <p:spPr>
-          <a:xfrm>
-            <a:off x="20" y="-9456"/>
-            <a:ext cx="12191980" cy="6858000"/>
-          </a:xfrm>
-          <a:prstGeom prst="rect">
-            <a:avLst/>
-          </a:prstGeom>
-        </p:spPr>
-      </p:pic>
-      <p:sp>
-        <p:nvSpPr>
-          <p:cNvPr id="2" name="Title 1">
-            <a:extLst>
-              <a:ext uri="{FF2B5EF4-FFF2-40B4-BE49-F238E27FC236}">
-                <a16:creationId xmlns:a16="http://schemas.microsoft.com/office/drawing/2014/main" id="{BE85F7E6-8B80-6634-BA96-AD801E5FCC16}"/>
-              </a:ext>
-            </a:extLst>
-          </p:cNvPr>
-          <p:cNvSpPr>
-            <a:spLocks noGrp="1"/>
-          </p:cNvSpPr>
-          <p:nvPr>
-            <p:ph type="title"/>
-          </p:nvPr>
-        </p:nvSpPr>
-        <p:spPr>
-          <a:xfrm>
-            <a:off x="528735" y="938253"/>
-            <a:ext cx="3479383" cy="4977011"/>
-          </a:xfrm>
-        </p:spPr>
-        <p:txBody>
-          <a:bodyPr vert="horz" lIns="91440" tIns="45720" rIns="91440" bIns="45720" rtlCol="0" anchor="b">
-            <a:normAutofit/>
-          </a:bodyPr>
-          <a:lstStyle/>
-          <a:p>
-            <a:r>
-              <a:rPr lang="en-US">
-                <a:solidFill>
-                  <a:srgbClr val="FFFFFF"/>
-                </a:solidFill>
-              </a:rPr>
-              <a:t>Conclusion</a:t>
-            </a:r>
-          </a:p>
-        </p:txBody>
-      </p:sp>
-      <p:cxnSp>
-        <p:nvCxnSpPr>
-          <p:cNvPr id="30" name="Straight Connector 29">
-            <a:extLst>
-              <a:ext uri="{FF2B5EF4-FFF2-40B4-BE49-F238E27FC236}">
-                <a16:creationId xmlns:a16="http://schemas.microsoft.com/office/drawing/2014/main" id="{56BAADB1-054E-4A82-8D07-643BD1F433EF}"/>
-              </a:ext>
-              <a:ext uri="{C183D7F6-B498-43B3-948B-1728B52AA6E4}">
-                <adec:decorative xmlns:adec="http://schemas.microsoft.com/office/drawing/2017/decorative" val="1"/>
-              </a:ext>
-            </a:extLst>
-          </p:cNvPr>
-          <p:cNvCxnSpPr>
-            <a:cxnSpLocks noGrp="1" noRot="1" noChangeAspect="1" noMove="1" noResize="1" noEditPoints="1" noAdjustHandles="1" noChangeArrowheads="1" noChangeShapeType="1"/>
-          </p:cNvCxnSpPr>
-          <p:nvPr>
-            <p:extLst>
-              <p:ext uri="{386F3935-93C4-4BCD-93E2-E3B085C9AB24}">
-                <p16:designElem xmlns:p16="http://schemas.microsoft.com/office/powerpoint/2015/main" val="1"/>
-              </p:ext>
-            </p:extLst>
-          </p:nvPr>
-        </p:nvCxnSpPr>
-        <p:spPr>
-          <a:xfrm flipH="1">
-            <a:off x="568602" y="576201"/>
-            <a:ext cx="11054799" cy="0"/>
-          </a:xfrm>
-          <a:prstGeom prst="line">
-            <a:avLst/>
-          </a:prstGeom>
-          <a:ln>
-            <a:solidFill>
-              <a:srgbClr val="FFFFFF"/>
-            </a:solidFill>
-          </a:ln>
-        </p:spPr>
-        <p:style>
-          <a:lnRef idx="1">
-            <a:schemeClr val="accent1"/>
-          </a:lnRef>
-          <a:fillRef idx="0">
-            <a:schemeClr val="accent1"/>
-          </a:fillRef>
-          <a:effectRef idx="0">
-            <a:schemeClr val="accent1"/>
-          </a:effectRef>
-          <a:fontRef idx="minor">
-            <a:schemeClr val="tx1"/>
-          </a:fontRef>
-        </p:style>
-      </p:cxnSp>
-      <p:cxnSp>
-        <p:nvCxnSpPr>
-          <p:cNvPr id="32" name="Straight Connector 31">
-            <a:extLst>
-              <a:ext uri="{FF2B5EF4-FFF2-40B4-BE49-F238E27FC236}">
-                <a16:creationId xmlns:a16="http://schemas.microsoft.com/office/drawing/2014/main" id="{B3121654-FB13-441C-AB60-76710D9170C9}"/>
-              </a:ext>
-              <a:ext uri="{C183D7F6-B498-43B3-948B-1728B52AA6E4}">
-                <adec:decorative xmlns:adec="http://schemas.microsoft.com/office/drawing/2017/decorative" val="1"/>
-              </a:ext>
-            </a:extLst>
-          </p:cNvPr>
-          <p:cNvCxnSpPr>
-            <a:cxnSpLocks noGrp="1" noRot="1" noChangeAspect="1" noMove="1" noResize="1" noEditPoints="1" noAdjustHandles="1" noChangeArrowheads="1" noChangeShapeType="1"/>
-          </p:cNvCxnSpPr>
-          <p:nvPr>
-            <p:extLst>
-              <p:ext uri="{386F3935-93C4-4BCD-93E2-E3B085C9AB24}">
-                <p16:designElem xmlns:p16="http://schemas.microsoft.com/office/powerpoint/2015/main" val="1"/>
-              </p:ext>
-            </p:extLst>
-          </p:nvPr>
-        </p:nvCxnSpPr>
-        <p:spPr>
-          <a:xfrm>
-            <a:off x="4419600" y="584948"/>
-            <a:ext cx="0" cy="5702865"/>
-          </a:xfrm>
-          <a:prstGeom prst="line">
-            <a:avLst/>
-          </a:prstGeom>
-          <a:ln>
-            <a:solidFill>
-              <a:srgbClr val="FFFFFF"/>
-            </a:solidFill>
-          </a:ln>
-        </p:spPr>
-        <p:style>
-          <a:lnRef idx="1">
-            <a:schemeClr val="accent1"/>
-          </a:lnRef>
-          <a:fillRef idx="0">
-            <a:schemeClr val="accent1"/>
-          </a:fillRef>
-          <a:effectRef idx="0">
-            <a:schemeClr val="accent1"/>
-          </a:effectRef>
-          <a:fontRef idx="minor">
-            <a:schemeClr val="tx1"/>
-          </a:fontRef>
-        </p:style>
-      </p:cxnSp>
-      <p:sp>
-        <p:nvSpPr>
-          <p:cNvPr id="4" name="TextBox 3">
-            <a:extLst>
-              <a:ext uri="{FF2B5EF4-FFF2-40B4-BE49-F238E27FC236}">
-                <a16:creationId xmlns:a16="http://schemas.microsoft.com/office/drawing/2014/main" id="{119B211D-DD76-4068-91DD-1F478752F542}"/>
-              </a:ext>
-            </a:extLst>
-          </p:cNvPr>
-          <p:cNvSpPr txBox="1"/>
-          <p:nvPr/>
-        </p:nvSpPr>
-        <p:spPr>
-          <a:xfrm>
-            <a:off x="4892040" y="1009817"/>
-            <a:ext cx="6731362" cy="4905448"/>
-          </a:xfrm>
-          <a:prstGeom prst="rect">
-            <a:avLst/>
-          </a:prstGeom>
-        </p:spPr>
-        <p:txBody>
-          <a:bodyPr vert="horz" lIns="91440" tIns="45720" rIns="91440" bIns="45720" rtlCol="0">
-            <a:normAutofit/>
-          </a:bodyPr>
-          <a:lstStyle/>
-          <a:p>
-            <a:pPr indent="-228600">
-              <a:lnSpc>
-                <a:spcPct val="120000"/>
-              </a:lnSpc>
-              <a:spcAft>
-                <a:spcPts val="600"/>
-              </a:spcAft>
-              <a:buSzPct val="80000"/>
-              <a:buFont typeface="Arial" panose="020B0604020202020204" pitchFamily="34" charset="0"/>
-              <a:buChar char="•"/>
-            </a:pPr>
-            <a:r>
-              <a:rPr lang="en-US" b="1">
-                <a:solidFill>
-                  <a:srgbClr val="FFFFFF"/>
-                </a:solidFill>
-              </a:rPr>
-              <a:t>Summary</a:t>
-            </a:r>
-            <a:r>
-              <a:rPr lang="en-US">
-                <a:solidFill>
-                  <a:srgbClr val="FFFFFF"/>
-                </a:solidFill>
-              </a:rPr>
-              <a:t>:</a:t>
-            </a:r>
-          </a:p>
-          <a:p>
-            <a:pPr lvl="1" indent="-228600">
-              <a:lnSpc>
-                <a:spcPct val="120000"/>
-              </a:lnSpc>
-              <a:spcAft>
-                <a:spcPts val="600"/>
-              </a:spcAft>
-              <a:buSzPct val="80000"/>
-              <a:buFont typeface="Arial" panose="020B0604020202020204" pitchFamily="34" charset="0"/>
-              <a:buChar char="•"/>
-            </a:pPr>
-            <a:r>
-              <a:rPr lang="en-US">
-                <a:solidFill>
-                  <a:srgbClr val="FFFFFF"/>
-                </a:solidFill>
-              </a:rPr>
-              <a:t>Implemented a robust database design to support Willson Financials' operations.</a:t>
-            </a:r>
-          </a:p>
-          <a:p>
-            <a:pPr lvl="1" indent="-228600">
-              <a:lnSpc>
-                <a:spcPct val="120000"/>
-              </a:lnSpc>
-              <a:spcAft>
-                <a:spcPts val="600"/>
-              </a:spcAft>
-              <a:buSzPct val="80000"/>
-              <a:buFont typeface="Arial" panose="020B0604020202020204" pitchFamily="34" charset="0"/>
-              <a:buChar char="•"/>
-            </a:pPr>
-            <a:r>
-              <a:rPr lang="en-US">
-                <a:solidFill>
-                  <a:srgbClr val="FFFFFF"/>
-                </a:solidFill>
-              </a:rPr>
-              <a:t>Generated essential reports to aid in business decision-making.</a:t>
-            </a:r>
-          </a:p>
-          <a:p>
-            <a:pPr lvl="1" indent="-228600">
-              <a:lnSpc>
-                <a:spcPct val="120000"/>
-              </a:lnSpc>
-              <a:spcAft>
-                <a:spcPts val="600"/>
-              </a:spcAft>
-              <a:buSzPct val="80000"/>
-              <a:buFont typeface="Arial" panose="020B0604020202020204" pitchFamily="34" charset="0"/>
-              <a:buChar char="•"/>
-            </a:pPr>
-            <a:r>
-              <a:rPr lang="en-US">
-                <a:solidFill>
-                  <a:srgbClr val="FFFFFF"/>
-                </a:solidFill>
-              </a:rPr>
-              <a:t>Ensured compliance and data integrity throughout the process.</a:t>
-            </a:r>
-          </a:p>
-        </p:txBody>
-      </p:sp>
-      <p:cxnSp>
-        <p:nvCxnSpPr>
-          <p:cNvPr id="34" name="Straight Connector 33">
-            <a:extLst>
-              <a:ext uri="{FF2B5EF4-FFF2-40B4-BE49-F238E27FC236}">
-                <a16:creationId xmlns:a16="http://schemas.microsoft.com/office/drawing/2014/main" id="{C58D2D3E-B980-4D6F-BBFB-DF7A3A947292}"/>
-              </a:ext>
-              <a:ext uri="{C183D7F6-B498-43B3-948B-1728B52AA6E4}">
-                <adec:decorative xmlns:adec="http://schemas.microsoft.com/office/drawing/2017/decorative" val="1"/>
-              </a:ext>
-            </a:extLst>
-          </p:cNvPr>
-          <p:cNvCxnSpPr>
-            <a:cxnSpLocks noGrp="1" noRot="1" noChangeAspect="1" noMove="1" noResize="1" noEditPoints="1" noAdjustHandles="1" noChangeArrowheads="1" noChangeShapeType="1"/>
-          </p:cNvCxnSpPr>
-          <p:nvPr>
-            <p:extLst>
-              <p:ext uri="{386F3935-93C4-4BCD-93E2-E3B085C9AB24}">
-                <p16:designElem xmlns:p16="http://schemas.microsoft.com/office/powerpoint/2015/main" val="1"/>
-              </p:ext>
-            </p:extLst>
-          </p:nvPr>
-        </p:nvCxnSpPr>
-        <p:spPr>
-          <a:xfrm flipH="1">
-            <a:off x="568602" y="6287813"/>
-            <a:ext cx="11054799" cy="0"/>
-          </a:xfrm>
-          <a:prstGeom prst="line">
-            <a:avLst/>
-          </a:prstGeom>
-          <a:ln>
-            <a:solidFill>
-              <a:srgbClr val="FFFFFF"/>
-            </a:solidFill>
-          </a:ln>
-        </p:spPr>
-        <p:style>
-          <a:lnRef idx="1">
-            <a:schemeClr val="accent1"/>
-          </a:lnRef>
-          <a:fillRef idx="0">
-            <a:schemeClr val="accent1"/>
-          </a:fillRef>
-          <a:effectRef idx="0">
-            <a:schemeClr val="accent1"/>
-          </a:effectRef>
-          <a:fontRef idx="minor">
-            <a:schemeClr val="tx1"/>
-          </a:fontRef>
-        </p:style>
-      </p:cxnSp>
-    </p:spTree>
-    <p:extLst>
-      <p:ext uri="{BB962C8B-B14F-4D97-AF65-F5344CB8AC3E}">
-        <p14:creationId xmlns:p14="http://schemas.microsoft.com/office/powerpoint/2010/main" val="3721026420"/>
-      </p:ext>
-    </p:extLst>
-  </p:cSld>
-  <p:clrMapOvr>
-    <a:masterClrMapping/>
-  </p:clrMapOvr>
-  <mc:AlternateContent xmlns:mc="http://schemas.openxmlformats.org/markup-compatibility/2006" xmlns:p14="http://schemas.microsoft.com/office/powerpoint/2010/main">
-    <mc:Choice Requires="p14">
-      <p:transition spd="slow" p14:dur="4400">
-        <p14:honeycomb/>
-      </p:transition>
-    </mc:Choice>
-    <mc:Fallback xmlns="">
-      <p:transition spd="slow">
-        <p:fade/>
-      </p:transition>
-    </mc:Fallback>
-  </mc:AlternateContent>
-  <p:timing>
-    <p:tnLst>
-      <p:par>
-        <p:cTn id="1" dur="indefinite" restart="never" nodeType="tmRoot">
-          <p:childTnLst>
-            <p:seq concurrent="1" nextAc="seek">
-              <p:cTn id="2" dur="indefinite" nodeType="mainSeq">
-                <p:childTnLst>
-                  <p:par>
-                    <p:cTn id="3" fill="hold">
-                      <p:stCondLst>
-                        <p:cond delay="indefinite"/>
-                      </p:stCondLst>
-                      <p:childTnLst>
-                        <p:par>
-                          <p:cTn id="4" fill="hold">
-                            <p:stCondLst>
-                              <p:cond delay="0"/>
-                            </p:stCondLst>
-                            <p:childTnLst>
-                              <p:par>
-                                <p:cTn id="5" presetID="10" presetClass="entr" presetSubtype="0" fill="hold" grpId="0" nodeType="clickEffect">
-                                  <p:stCondLst>
-                                    <p:cond delay="0"/>
-                                  </p:stCondLst>
-                                  <p:childTnLst>
-                                    <p:set>
-                                      <p:cBhvr>
-                                        <p:cTn id="6" dur="1" fill="hold">
-                                          <p:stCondLst>
-                                            <p:cond delay="0"/>
-                                          </p:stCondLst>
-                                        </p:cTn>
-                                        <p:tgtEl>
-                                          <p:spTgt spid="2"/>
-                                        </p:tgtEl>
-                                        <p:attrNameLst>
-                                          <p:attrName>style.visibility</p:attrName>
-                                        </p:attrNameLst>
-                                      </p:cBhvr>
-                                      <p:to>
-                                        <p:strVal val="visible"/>
-                                      </p:to>
-                                    </p:set>
-                                    <p:animEffect transition="in" filter="fade">
-                                      <p:cBhvr>
-                                        <p:cTn id="7" dur="500"/>
-                                        <p:tgtEl>
-                                          <p:spTgt spid="2"/>
-                                        </p:tgtEl>
-                                      </p:cBhvr>
-                                    </p:animEffect>
-                                  </p:childTnLst>
-                                </p:cTn>
-                              </p:par>
-                            </p:childTnLst>
-                          </p:cTn>
-                        </p:par>
-                      </p:childTnLst>
-                    </p:cTn>
-                  </p:par>
-                  <p:par>
-                    <p:cTn id="8" fill="hold">
-                      <p:stCondLst>
-                        <p:cond delay="indefinite"/>
-                      </p:stCondLst>
-                      <p:childTnLst>
-                        <p:par>
-                          <p:cTn id="9" fill="hold">
-                            <p:stCondLst>
-                              <p:cond delay="0"/>
-                            </p:stCondLst>
-                            <p:childTnLst>
-                              <p:par>
-                                <p:cTn id="10" presetID="53" presetClass="entr" presetSubtype="16" fill="hold" grpId="0" nodeType="clickEffect">
-                                  <p:stCondLst>
-                                    <p:cond delay="0"/>
-                                  </p:stCondLst>
-                                  <p:childTnLst>
-                                    <p:set>
-                                      <p:cBhvr>
-                                        <p:cTn id="11" dur="1" fill="hold">
-                                          <p:stCondLst>
-                                            <p:cond delay="0"/>
-                                          </p:stCondLst>
-                                        </p:cTn>
-                                        <p:tgtEl>
-                                          <p:spTgt spid="4"/>
-                                        </p:tgtEl>
-                                        <p:attrNameLst>
-                                          <p:attrName>style.visibility</p:attrName>
-                                        </p:attrNameLst>
-                                      </p:cBhvr>
-                                      <p:to>
-                                        <p:strVal val="visible"/>
-                                      </p:to>
-                                    </p:set>
-                                    <p:anim calcmode="lin" valueType="num">
-                                      <p:cBhvr>
-                                        <p:cTn id="12" dur="500" fill="hold"/>
-                                        <p:tgtEl>
-                                          <p:spTgt spid="4"/>
-                                        </p:tgtEl>
-                                        <p:attrNameLst>
-                                          <p:attrName>ppt_w</p:attrName>
-                                        </p:attrNameLst>
-                                      </p:cBhvr>
-                                      <p:tavLst>
-                                        <p:tav tm="0">
-                                          <p:val>
-                                            <p:fltVal val="0"/>
-                                          </p:val>
-                                        </p:tav>
-                                        <p:tav tm="100000">
-                                          <p:val>
-                                            <p:strVal val="#ppt_w"/>
-                                          </p:val>
-                                        </p:tav>
-                                      </p:tavLst>
-                                    </p:anim>
-                                    <p:anim calcmode="lin" valueType="num">
-                                      <p:cBhvr>
-                                        <p:cTn id="13" dur="500" fill="hold"/>
-                                        <p:tgtEl>
-                                          <p:spTgt spid="4"/>
-                                        </p:tgtEl>
-                                        <p:attrNameLst>
-                                          <p:attrName>ppt_h</p:attrName>
-                                        </p:attrNameLst>
-                                      </p:cBhvr>
-                                      <p:tavLst>
-                                        <p:tav tm="0">
-                                          <p:val>
-                                            <p:fltVal val="0"/>
-                                          </p:val>
-                                        </p:tav>
-                                        <p:tav tm="100000">
-                                          <p:val>
-                                            <p:strVal val="#ppt_h"/>
-                                          </p:val>
-                                        </p:tav>
-                                      </p:tavLst>
-                                    </p:anim>
-                                    <p:animEffect transition="in" filter="fade">
-                                      <p:cBhvr>
-                                        <p:cTn id="14" dur="500"/>
-                                        <p:tgtEl>
-                                          <p:spTgt spid="4"/>
-                                        </p:tgtEl>
-                                      </p:cBhvr>
-                                    </p:animEffect>
-                                  </p:childTnLst>
-                                </p:cTn>
-                              </p:par>
-                            </p:childTnLst>
-                          </p:cTn>
-                        </p:par>
-                      </p:childTnLst>
-                    </p:cTn>
-                  </p:par>
-                </p:childTnLst>
-              </p:cTn>
-              <p:prevCondLst>
-                <p:cond evt="onPrev" delay="0">
-                  <p:tgtEl>
-                    <p:sldTgt/>
-                  </p:tgtEl>
-                </p:cond>
-              </p:prevCondLst>
-              <p:nextCondLst>
-                <p:cond evt="onNext" delay="0">
-                  <p:tgtEl>
-                    <p:sldTgt/>
-                  </p:tgtEl>
-                </p:cond>
-              </p:nextCondLst>
-            </p:seq>
-          </p:childTnLst>
-        </p:cTn>
-      </p:par>
-    </p:tnLst>
-    <p:bldLst>
-      <p:bldP spid="2" grpId="0"/>
-      <p:bldP spid="4" grpId="0"/>
-    </p:bldLst>
-  </p:timing>
-</p:sld>
-</file>
-
 <file path=ppt/theme/theme1.xml><?xml version="1.0" encoding="utf-8"?>
 <a:theme xmlns:a="http://schemas.openxmlformats.org/drawingml/2006/main" name="AlignmentVTI">
   <a:themeElements>
@@ -24425,21 +30343,6 @@
 </file>
 
 <file path=customXml/item1.xml><?xml version="1.0" encoding="utf-8"?>
-<p:properties xmlns:p="http://schemas.microsoft.com/office/2006/metadata/properties" xmlns:xsi="http://www.w3.org/2001/XMLSchema-instance" xmlns:pc="http://schemas.microsoft.com/office/infopath/2007/PartnerControls">
-  <documentManagement/>
-</p:properties>
-</file>
-
-<file path=customXml/item2.xml><?xml version="1.0" encoding="utf-8"?>
-<?mso-contentType ?>
-<FormTemplates xmlns="http://schemas.microsoft.com/sharepoint/v3/contenttype/forms">
-  <Display>DocumentLibraryForm</Display>
-  <Edit>DocumentLibraryForm</Edit>
-  <New>DocumentLibraryForm</New>
-</FormTemplates>
-</file>
-
-<file path=customXml/item3.xml><?xml version="1.0" encoding="utf-8"?>
 <ct:contentTypeSchema xmlns:ct="http://schemas.microsoft.com/office/2006/metadata/contentType" xmlns:ma="http://schemas.microsoft.com/office/2006/metadata/properties/metaAttributes" ct:_="" ma:_="" ma:contentTypeName="Document" ma:contentTypeID="0x010100FDE989399BDE7A438F82B1C69E4FD365" ma:contentTypeVersion="4" ma:contentTypeDescription="Create a new document." ma:contentTypeScope="" ma:versionID="e359388cc7c5e10a51db1eda6afb787d">
   <xsd:schema xmlns:xsd="http://www.w3.org/2001/XMLSchema" xmlns:xs="http://www.w3.org/2001/XMLSchema" xmlns:p="http://schemas.microsoft.com/office/2006/metadata/properties" xmlns:ns3="027455df-dd04-4ac9-8bde-8da50f7cf530" targetNamespace="http://schemas.microsoft.com/office/2006/metadata/properties" ma:root="true" ma:fieldsID="18d45ed62b0d7f5d99acf7b1c6ff5337" ns3:_="">
     <xsd:import namespace="027455df-dd04-4ac9-8bde-8da50f7cf530"/>
@@ -24583,7 +30486,40 @@
 </ct:contentTypeSchema>
 </file>
 
+<file path=customXml/item2.xml><?xml version="1.0" encoding="utf-8"?>
+<p:properties xmlns:p="http://schemas.microsoft.com/office/2006/metadata/properties" xmlns:xsi="http://www.w3.org/2001/XMLSchema-instance" xmlns:pc="http://schemas.microsoft.com/office/infopath/2007/PartnerControls">
+  <documentManagement/>
+</p:properties>
+</file>
+
+<file path=customXml/item3.xml><?xml version="1.0" encoding="utf-8"?>
+<?mso-contentType ?>
+<FormTemplates xmlns="http://schemas.microsoft.com/sharepoint/v3/contenttype/forms">
+  <Display>DocumentLibraryForm</Display>
+  <Edit>DocumentLibraryForm</Edit>
+  <New>DocumentLibraryForm</New>
+</FormTemplates>
+</file>
+
 <file path=customXml/itemProps1.xml><?xml version="1.0" encoding="utf-8"?>
+<ds:datastoreItem xmlns:ds="http://schemas.openxmlformats.org/officeDocument/2006/customXml" ds:itemID="{27CD1482-F7C9-4FB2-A613-B34C0FFACB02}">
+  <ds:schemaRefs>
+    <ds:schemaRef ds:uri="027455df-dd04-4ac9-8bde-8da50f7cf530"/>
+    <ds:schemaRef ds:uri="http://purl.org/dc/elements/1.1/"/>
+    <ds:schemaRef ds:uri="http://purl.org/dc/terms/"/>
+    <ds:schemaRef ds:uri="http://schemas.microsoft.com/internal/obd"/>
+    <ds:schemaRef ds:uri="http://schemas.microsoft.com/office/2006/documentManagement/types"/>
+    <ds:schemaRef ds:uri="http://schemas.microsoft.com/office/2006/metadata/contentType"/>
+    <ds:schemaRef ds:uri="http://schemas.microsoft.com/office/2006/metadata/properties"/>
+    <ds:schemaRef ds:uri="http://schemas.microsoft.com/office/2006/metadata/properties/metaAttributes"/>
+    <ds:schemaRef ds:uri="http://schemas.microsoft.com/office/infopath/2007/PartnerControls"/>
+    <ds:schemaRef ds:uri="http://schemas.openxmlformats.org/package/2006/metadata/core-properties"/>
+    <ds:schemaRef ds:uri="http://www.w3.org/2001/XMLSchema"/>
+  </ds:schemaRefs>
+</ds:datastoreItem>
+</file>
+
+<file path=customXml/itemProps2.xml><?xml version="1.0" encoding="utf-8"?>
 <ds:datastoreItem xmlns:ds="http://schemas.openxmlformats.org/officeDocument/2006/customXml" ds:itemID="{D0F5866D-C684-4A86-8BFB-D27D53D189C5}">
   <ds:schemaRefs>
     <ds:schemaRef ds:uri="027455df-dd04-4ac9-8bde-8da50f7cf530"/>
@@ -24599,28 +30535,10 @@
 </ds:datastoreItem>
 </file>
 
-<file path=customXml/itemProps2.xml><?xml version="1.0" encoding="utf-8"?>
+<file path=customXml/itemProps3.xml><?xml version="1.0" encoding="utf-8"?>
 <ds:datastoreItem xmlns:ds="http://schemas.openxmlformats.org/officeDocument/2006/customXml" ds:itemID="{8F9C2229-D45D-40D9-AED6-F727C2733A25}">
   <ds:schemaRefs>
     <ds:schemaRef ds:uri="http://schemas.microsoft.com/sharepoint/v3/contenttype/forms"/>
   </ds:schemaRefs>
 </ds:datastoreItem>
-</file>
-
-<file path=customXml/itemProps3.xml><?xml version="1.0" encoding="utf-8"?>
-<ds:datastoreItem xmlns:ds="http://schemas.openxmlformats.org/officeDocument/2006/customXml" ds:itemID="{27CD1482-F7C9-4FB2-A613-B34C0FFACB02}">
-  <ds:schemaRefs>
-    <ds:schemaRef ds:uri="027455df-dd04-4ac9-8bde-8da50f7cf530"/>
-    <ds:schemaRef ds:uri="http://purl.org/dc/elements/1.1/"/>
-    <ds:schemaRef ds:uri="http://purl.org/dc/terms/"/>
-    <ds:schemaRef ds:uri="http://schemas.microsoft.com/internal/obd"/>
-    <ds:schemaRef ds:uri="http://schemas.microsoft.com/office/2006/documentManagement/types"/>
-    <ds:schemaRef ds:uri="http://schemas.microsoft.com/office/2006/metadata/contentType"/>
-    <ds:schemaRef ds:uri="http://schemas.microsoft.com/office/2006/metadata/properties"/>
-    <ds:schemaRef ds:uri="http://schemas.microsoft.com/office/2006/metadata/properties/metaAttributes"/>
-    <ds:schemaRef ds:uri="http://schemas.microsoft.com/office/infopath/2007/PartnerControls"/>
-    <ds:schemaRef ds:uri="http://schemas.openxmlformats.org/package/2006/metadata/core-properties"/>
-    <ds:schemaRef ds:uri="http://www.w3.org/2001/XMLSchema"/>
-  </ds:schemaRefs>
-</ds:datastoreItem>
 </file>